--- a/F5 team bemutató.pptx
+++ b/F5 team bemutató.pptx
@@ -5,19 +5,26 @@
     <p:sldMasterId id="2147483660" r:id="rId4"/>
   </p:sldMasterIdLst>
   <p:notesMasterIdLst>
-    <p:notesMasterId r:id="rId12"/>
+    <p:notesMasterId r:id="rId19"/>
   </p:notesMasterIdLst>
   <p:handoutMasterIdLst>
-    <p:handoutMasterId r:id="rId13"/>
+    <p:handoutMasterId r:id="rId20"/>
   </p:handoutMasterIdLst>
   <p:sldIdLst>
     <p:sldId id="256" r:id="rId5"/>
     <p:sldId id="271" r:id="rId6"/>
-    <p:sldId id="279" r:id="rId7"/>
-    <p:sldId id="281" r:id="rId8"/>
-    <p:sldId id="280" r:id="rId9"/>
-    <p:sldId id="257" r:id="rId10"/>
-    <p:sldId id="282" r:id="rId11"/>
+    <p:sldId id="289" r:id="rId7"/>
+    <p:sldId id="283" r:id="rId8"/>
+    <p:sldId id="284" r:id="rId9"/>
+    <p:sldId id="279" r:id="rId10"/>
+    <p:sldId id="281" r:id="rId11"/>
+    <p:sldId id="285" r:id="rId12"/>
+    <p:sldId id="286" r:id="rId13"/>
+    <p:sldId id="287" r:id="rId14"/>
+    <p:sldId id="280" r:id="rId15"/>
+    <p:sldId id="257" r:id="rId16"/>
+    <p:sldId id="288" r:id="rId17"/>
+    <p:sldId id="282" r:id="rId18"/>
   </p:sldIdLst>
   <p:sldSz cx="12192000" cy="6858000"/>
   <p:notesSz cx="6858000" cy="9144000"/>
@@ -127,10 +134,17 @@
         <p14:section name="Tervezés, Alakváltás, Jegyzetelés, Közös munka másokkal, Mutasd meg" id="{B9B51309-D148-4332-87C2-07BE32FBCA3B}">
           <p14:sldIdLst>
             <p14:sldId id="271"/>
+            <p14:sldId id="289"/>
+            <p14:sldId id="283"/>
+            <p14:sldId id="284"/>
             <p14:sldId id="279"/>
             <p14:sldId id="281"/>
+            <p14:sldId id="285"/>
+            <p14:sldId id="286"/>
+            <p14:sldId id="287"/>
             <p14:sldId id="280"/>
             <p14:sldId id="257"/>
+            <p14:sldId id="288"/>
           </p14:sldIdLst>
         </p14:section>
         <p14:section name="További információ" id="{2CC34DB2-6590-42C0-AD4B-A04C6060184E}">
@@ -934,7 +948,7 @@
             <a:pPr rtl="0"/>
             <a:fld id="{DF61EA0F-A667-4B49-8422-0062BC55E249}" type="slidenum">
               <a:rPr lang="hu-HU" smtClean="0"/>
-              <a:t>3</a:t>
+              <a:t>6</a:t>
             </a:fld>
             <a:endParaRPr lang="hu-HU" dirty="0"/>
           </a:p>
@@ -1019,7 +1033,7 @@
             <a:pPr rtl="0"/>
             <a:fld id="{DF61EA0F-A667-4B49-8422-0062BC55E249}" type="slidenum">
               <a:rPr lang="hu-HU" smtClean="0"/>
-              <a:t>4</a:t>
+              <a:t>7</a:t>
             </a:fld>
             <a:endParaRPr lang="hu-HU" dirty="0"/>
           </a:p>
@@ -1104,7 +1118,7 @@
             <a:pPr rtl="0"/>
             <a:fld id="{DF61EA0F-A667-4B49-8422-0062BC55E249}" type="slidenum">
               <a:rPr lang="hu-HU" smtClean="0"/>
-              <a:t>5</a:t>
+              <a:t>11</a:t>
             </a:fld>
             <a:endParaRPr lang="hu-HU" dirty="0"/>
           </a:p>
@@ -1189,7 +1203,7 @@
             <a:pPr rtl="0"/>
             <a:fld id="{DF61EA0F-A667-4B49-8422-0062BC55E249}" type="slidenum">
               <a:rPr lang="hu-HU" smtClean="0"/>
-              <a:t>6</a:t>
+              <a:t>12</a:t>
             </a:fld>
             <a:endParaRPr lang="hu-HU" dirty="0"/>
           </a:p>
@@ -1283,7 +1297,7 @@
             <a:pPr rtl="0"/>
             <a:fld id="{DF61EA0F-A667-4B49-8422-0062BC55E249}" type="slidenum">
               <a:rPr lang="hu-HU" smtClean="0"/>
-              <a:t>7</a:t>
+              <a:t>14</a:t>
             </a:fld>
             <a:endParaRPr lang="hu-HU" dirty="0"/>
           </a:p>
@@ -2903,12 +2917,659 @@
           </a:p>
         </p:txBody>
       </p:sp>
-      <p:sp>
-        <p:nvSpPr>
-          <p:cNvPr id="7" name="Cím 7">
+    </p:spTree>
+    <p:extLst>
+      <p:ext uri="{BB962C8B-B14F-4D97-AF65-F5344CB8AC3E}">
+        <p14:creationId xmlns:p14="http://schemas.microsoft.com/office/powerpoint/2010/main" val="2471807738"/>
+      </p:ext>
+    </p:extLst>
+  </p:cSld>
+  <p:clrMapOvr>
+    <a:masterClrMapping/>
+  </p:clrMapOvr>
+</p:sld>
+</file>
+
+<file path=ppt/slides/slide10.xml><?xml version="1.0" encoding="utf-8"?>
+<p:sld xmlns:a="http://schemas.openxmlformats.org/drawingml/2006/main" xmlns:r="http://schemas.openxmlformats.org/officeDocument/2006/relationships" xmlns:p="http://schemas.openxmlformats.org/presentationml/2006/main">
+  <p:cSld>
+    <p:spTree>
+      <p:nvGrpSpPr>
+        <p:cNvPr id="1" name=""/>
+        <p:cNvGrpSpPr/>
+        <p:nvPr/>
+      </p:nvGrpSpPr>
+      <p:grpSpPr>
+        <a:xfrm>
+          <a:off x="0" y="0"/>
+          <a:ext cx="0" cy="0"/>
+          <a:chOff x="0" y="0"/>
+          <a:chExt cx="0" cy="0"/>
+        </a:xfrm>
+      </p:grpSpPr>
+      <p:sp>
+        <p:nvSpPr>
+          <p:cNvPr id="2" name="Cím 1">
             <a:extLst>
               <a:ext uri="{FF2B5EF4-FFF2-40B4-BE49-F238E27FC236}">
-                <a16:creationId xmlns:a16="http://schemas.microsoft.com/office/drawing/2014/main" id="{7DB688F0-53DA-42D5-A58F-E7111261E08B}"/>
+                <a16:creationId xmlns:a16="http://schemas.microsoft.com/office/drawing/2014/main" id="{C41340DF-701C-4460-A0C3-E38411508FB6}"/>
+              </a:ext>
+            </a:extLst>
+          </p:cNvPr>
+          <p:cNvSpPr>
+            <a:spLocks noGrp="1"/>
+          </p:cNvSpPr>
+          <p:nvPr>
+            <p:ph type="title"/>
+          </p:nvPr>
+        </p:nvSpPr>
+        <p:spPr/>
+        <p:txBody>
+          <a:bodyPr/>
+          <a:lstStyle/>
+          <a:p>
+            <a:r>
+              <a:rPr lang="hu-HU" b="1" dirty="0"/>
+              <a:t>Biztonság, SSH</a:t>
+            </a:r>
+          </a:p>
+        </p:txBody>
+      </p:sp>
+      <p:pic>
+        <p:nvPicPr>
+          <p:cNvPr id="4" name="Kép 3">
+            <a:extLst>
+              <a:ext uri="{FF2B5EF4-FFF2-40B4-BE49-F238E27FC236}">
+                <a16:creationId xmlns:a16="http://schemas.microsoft.com/office/drawing/2014/main" id="{D939BFB7-3F55-4C8E-AF7D-1D4E828BD9B0}"/>
+              </a:ext>
+            </a:extLst>
+          </p:cNvPr>
+          <p:cNvPicPr>
+            <a:picLocks noChangeAspect="1"/>
+          </p:cNvPicPr>
+          <p:nvPr/>
+        </p:nvPicPr>
+        <p:blipFill>
+          <a:blip r:embed="rId2"/>
+          <a:stretch>
+            <a:fillRect/>
+          </a:stretch>
+        </p:blipFill>
+        <p:spPr>
+          <a:xfrm>
+            <a:off x="10864515" y="5541221"/>
+            <a:ext cx="1069307" cy="1064116"/>
+          </a:xfrm>
+          <a:prstGeom prst="rect">
+            <a:avLst/>
+          </a:prstGeom>
+        </p:spPr>
+      </p:pic>
+    </p:spTree>
+    <p:extLst>
+      <p:ext uri="{BB962C8B-B14F-4D97-AF65-F5344CB8AC3E}">
+        <p14:creationId xmlns:p14="http://schemas.microsoft.com/office/powerpoint/2010/main" val="2073916511"/>
+      </p:ext>
+    </p:extLst>
+  </p:cSld>
+  <p:clrMapOvr>
+    <a:masterClrMapping/>
+  </p:clrMapOvr>
+</p:sld>
+</file>
+
+<file path=ppt/slides/slide11.xml><?xml version="1.0" encoding="utf-8"?>
+<p:sld xmlns:a="http://schemas.openxmlformats.org/drawingml/2006/main" xmlns:r="http://schemas.openxmlformats.org/officeDocument/2006/relationships" xmlns:p="http://schemas.openxmlformats.org/presentationml/2006/main">
+  <p:cSld>
+    <p:spTree>
+      <p:nvGrpSpPr>
+        <p:cNvPr id="1" name=""/>
+        <p:cNvGrpSpPr/>
+        <p:nvPr/>
+      </p:nvGrpSpPr>
+      <p:grpSpPr>
+        <a:xfrm>
+          <a:off x="0" y="0"/>
+          <a:ext cx="0" cy="0"/>
+          <a:chOff x="0" y="0"/>
+          <a:chExt cx="0" cy="0"/>
+        </a:xfrm>
+      </p:grpSpPr>
+      <p:sp>
+        <p:nvSpPr>
+          <p:cNvPr id="3" name="Cím 2"/>
+          <p:cNvSpPr>
+            <a:spLocks noGrp="1"/>
+          </p:cNvSpPr>
+          <p:nvPr>
+            <p:ph type="title"/>
+          </p:nvPr>
+        </p:nvSpPr>
+        <p:spPr>
+          <a:xfrm>
+            <a:off x="567702" y="479052"/>
+            <a:ext cx="6877119" cy="640080"/>
+          </a:xfrm>
+        </p:spPr>
+        <p:txBody>
+          <a:bodyPr rtlCol="0"/>
+          <a:lstStyle/>
+          <a:p>
+            <a:pPr rtl="0"/>
+            <a:r>
+              <a:rPr lang="hu-HU" dirty="0"/>
+              <a:t>Ajánlat készítés</a:t>
+            </a:r>
+          </a:p>
+        </p:txBody>
+      </p:sp>
+      <p:sp>
+        <p:nvSpPr>
+          <p:cNvPr id="7" name="Szövegdoboz 6">
+            <a:extLst>
+              <a:ext uri="{FF2B5EF4-FFF2-40B4-BE49-F238E27FC236}">
+                <a16:creationId xmlns:a16="http://schemas.microsoft.com/office/drawing/2014/main" id="{D62BCE41-A34F-41D4-BAD2-E566C50E9041}"/>
+              </a:ext>
+            </a:extLst>
+          </p:cNvPr>
+          <p:cNvSpPr txBox="1"/>
+          <p:nvPr/>
+        </p:nvSpPr>
+        <p:spPr>
+          <a:xfrm>
+            <a:off x="567702" y="1410345"/>
+            <a:ext cx="4658327" cy="369332"/>
+          </a:xfrm>
+          <a:prstGeom prst="rect">
+            <a:avLst/>
+          </a:prstGeom>
+          <a:noFill/>
+        </p:spPr>
+        <p:txBody>
+          <a:bodyPr wrap="none" rtlCol="0">
+            <a:spAutoFit/>
+          </a:bodyPr>
+          <a:lstStyle/>
+          <a:p>
+            <a:r>
+              <a:rPr lang="hu-HU" dirty="0"/>
+              <a:t>Ajánlat elérés: </a:t>
+            </a:r>
+            <a:r>
+              <a:rPr lang="hu-HU" dirty="0">
+                <a:hlinkClick r:id="rId3"/>
+              </a:rPr>
+              <a:t>https://trello.com/c/HjOZIayC</a:t>
+            </a:r>
+            <a:endParaRPr lang="hu-HU" dirty="0"/>
+          </a:p>
+        </p:txBody>
+      </p:sp>
+      <p:pic>
+        <p:nvPicPr>
+          <p:cNvPr id="9" name="Kép 8">
+            <a:extLst>
+              <a:ext uri="{FF2B5EF4-FFF2-40B4-BE49-F238E27FC236}">
+                <a16:creationId xmlns:a16="http://schemas.microsoft.com/office/drawing/2014/main" id="{4FBDA081-E6F0-423A-B3CD-589EA2548F65}"/>
+              </a:ext>
+            </a:extLst>
+          </p:cNvPr>
+          <p:cNvPicPr>
+            <a:picLocks noChangeAspect="1"/>
+          </p:cNvPicPr>
+          <p:nvPr/>
+        </p:nvPicPr>
+        <p:blipFill>
+          <a:blip r:embed="rId4"/>
+          <a:stretch>
+            <a:fillRect/>
+          </a:stretch>
+        </p:blipFill>
+        <p:spPr>
+          <a:xfrm>
+            <a:off x="971292" y="2182861"/>
+            <a:ext cx="4254737" cy="2621222"/>
+          </a:xfrm>
+          <a:prstGeom prst="rect">
+            <a:avLst/>
+          </a:prstGeom>
+        </p:spPr>
+      </p:pic>
+      <p:pic>
+        <p:nvPicPr>
+          <p:cNvPr id="12" name="Kép 11">
+            <a:extLst>
+              <a:ext uri="{FF2B5EF4-FFF2-40B4-BE49-F238E27FC236}">
+                <a16:creationId xmlns:a16="http://schemas.microsoft.com/office/drawing/2014/main" id="{45274234-1DCF-4155-AF37-C67AB03A9B74}"/>
+              </a:ext>
+            </a:extLst>
+          </p:cNvPr>
+          <p:cNvPicPr>
+            <a:picLocks noChangeAspect="1"/>
+          </p:cNvPicPr>
+          <p:nvPr/>
+        </p:nvPicPr>
+        <p:blipFill>
+          <a:blip r:embed="rId5"/>
+          <a:stretch>
+            <a:fillRect/>
+          </a:stretch>
+        </p:blipFill>
+        <p:spPr>
+          <a:xfrm>
+            <a:off x="7082793" y="479052"/>
+            <a:ext cx="3006353" cy="6028841"/>
+          </a:xfrm>
+          <a:prstGeom prst="rect">
+            <a:avLst/>
+          </a:prstGeom>
+        </p:spPr>
+      </p:pic>
+      <p:pic>
+        <p:nvPicPr>
+          <p:cNvPr id="8" name="Kép 7">
+            <a:extLst>
+              <a:ext uri="{FF2B5EF4-FFF2-40B4-BE49-F238E27FC236}">
+                <a16:creationId xmlns:a16="http://schemas.microsoft.com/office/drawing/2014/main" id="{CD4F7C5B-D540-42EC-9AEC-707261F00D86}"/>
+              </a:ext>
+            </a:extLst>
+          </p:cNvPr>
+          <p:cNvPicPr>
+            <a:picLocks noChangeAspect="1"/>
+          </p:cNvPicPr>
+          <p:nvPr/>
+        </p:nvPicPr>
+        <p:blipFill>
+          <a:blip r:embed="rId6"/>
+          <a:stretch>
+            <a:fillRect/>
+          </a:stretch>
+        </p:blipFill>
+        <p:spPr>
+          <a:xfrm>
+            <a:off x="10864515" y="5541221"/>
+            <a:ext cx="1069307" cy="1064116"/>
+          </a:xfrm>
+          <a:prstGeom prst="rect">
+            <a:avLst/>
+          </a:prstGeom>
+        </p:spPr>
+      </p:pic>
+    </p:spTree>
+    <p:extLst>
+      <p:ext uri="{BB962C8B-B14F-4D97-AF65-F5344CB8AC3E}">
+        <p14:creationId xmlns:p14="http://schemas.microsoft.com/office/powerpoint/2010/main" val="2596833607"/>
+      </p:ext>
+    </p:extLst>
+  </p:cSld>
+  <p:clrMapOvr>
+    <a:masterClrMapping/>
+  </p:clrMapOvr>
+</p:sld>
+</file>
+
+<file path=ppt/slides/slide12.xml><?xml version="1.0" encoding="utf-8"?>
+<p:sld xmlns:a="http://schemas.openxmlformats.org/drawingml/2006/main" xmlns:r="http://schemas.openxmlformats.org/officeDocument/2006/relationships" xmlns:p="http://schemas.openxmlformats.org/presentationml/2006/main">
+  <p:cSld>
+    <p:spTree>
+      <p:nvGrpSpPr>
+        <p:cNvPr id="1" name=""/>
+        <p:cNvGrpSpPr/>
+        <p:nvPr/>
+      </p:nvGrpSpPr>
+      <p:grpSpPr>
+        <a:xfrm>
+          <a:off x="0" y="0"/>
+          <a:ext cx="0" cy="0"/>
+          <a:chOff x="0" y="0"/>
+          <a:chExt cx="0" cy="0"/>
+        </a:xfrm>
+      </p:grpSpPr>
+      <p:sp>
+        <p:nvSpPr>
+          <p:cNvPr id="2" name="Cím 1"/>
+          <p:cNvSpPr>
+            <a:spLocks noGrp="1"/>
+          </p:cNvSpPr>
+          <p:nvPr>
+            <p:ph type="title"/>
+          </p:nvPr>
+        </p:nvSpPr>
+        <p:spPr/>
+        <p:txBody>
+          <a:bodyPr rtlCol="0">
+            <a:normAutofit/>
+          </a:bodyPr>
+          <a:lstStyle/>
+          <a:p>
+            <a:pPr lvl="0" rtl="0"/>
+            <a:r>
+              <a:rPr lang="hu-HU" dirty="0">
+                <a:latin typeface="Segoe UI Light" panose="020B0502040204020203" pitchFamily="34" charset="0"/>
+                <a:cs typeface="Segoe UI Light" panose="020B0502040204020203" pitchFamily="34" charset="0"/>
+              </a:rPr>
+              <a:t>Mérföldkövek</a:t>
+            </a:r>
+          </a:p>
+        </p:txBody>
+      </p:sp>
+      <p:pic>
+        <p:nvPicPr>
+          <p:cNvPr id="3" name="Kép 2">
+            <a:extLst>
+              <a:ext uri="{FF2B5EF4-FFF2-40B4-BE49-F238E27FC236}">
+                <a16:creationId xmlns:a16="http://schemas.microsoft.com/office/drawing/2014/main" id="{826D7C6C-2660-462B-B6A3-3921D10502F4}"/>
+              </a:ext>
+            </a:extLst>
+          </p:cNvPr>
+          <p:cNvPicPr>
+            <a:picLocks noChangeAspect="1"/>
+          </p:cNvPicPr>
+          <p:nvPr/>
+        </p:nvPicPr>
+        <p:blipFill>
+          <a:blip r:embed="rId3"/>
+          <a:stretch>
+            <a:fillRect/>
+          </a:stretch>
+        </p:blipFill>
+        <p:spPr>
+          <a:xfrm>
+            <a:off x="521207" y="1530960"/>
+            <a:ext cx="5293439" cy="2014922"/>
+          </a:xfrm>
+          <a:prstGeom prst="rect">
+            <a:avLst/>
+          </a:prstGeom>
+        </p:spPr>
+      </p:pic>
+      <p:pic>
+        <p:nvPicPr>
+          <p:cNvPr id="5" name="Kép 4">
+            <a:extLst>
+              <a:ext uri="{FF2B5EF4-FFF2-40B4-BE49-F238E27FC236}">
+                <a16:creationId xmlns:a16="http://schemas.microsoft.com/office/drawing/2014/main" id="{DE81D53F-072E-44E9-8657-7E622ED8C846}"/>
+              </a:ext>
+            </a:extLst>
+          </p:cNvPr>
+          <p:cNvPicPr>
+            <a:picLocks noChangeAspect="1"/>
+          </p:cNvPicPr>
+          <p:nvPr/>
+        </p:nvPicPr>
+        <p:blipFill>
+          <a:blip r:embed="rId4"/>
+          <a:stretch>
+            <a:fillRect/>
+          </a:stretch>
+        </p:blipFill>
+        <p:spPr>
+          <a:xfrm>
+            <a:off x="10864515" y="5541221"/>
+            <a:ext cx="1069307" cy="1064116"/>
+          </a:xfrm>
+          <a:prstGeom prst="rect">
+            <a:avLst/>
+          </a:prstGeom>
+        </p:spPr>
+      </p:pic>
+    </p:spTree>
+    <p:extLst>
+      <p:ext uri="{BB962C8B-B14F-4D97-AF65-F5344CB8AC3E}">
+        <p14:creationId xmlns:p14="http://schemas.microsoft.com/office/powerpoint/2010/main" val="1328676004"/>
+      </p:ext>
+    </p:extLst>
+  </p:cSld>
+  <p:clrMapOvr>
+    <a:masterClrMapping/>
+  </p:clrMapOvr>
+  <mc:AlternateContent xmlns:mc="http://schemas.openxmlformats.org/markup-compatibility/2006" xmlns:p14="http://schemas.microsoft.com/office/powerpoint/2010/main">
+    <mc:Choice Requires="p14">
+      <p:transition p14:dur="10"/>
+    </mc:Choice>
+    <mc:Fallback xmlns="">
+      <p:transition/>
+    </mc:Fallback>
+  </mc:AlternateContent>
+</p:sld>
+</file>
+
+<file path=ppt/slides/slide13.xml><?xml version="1.0" encoding="utf-8"?>
+<p:sld xmlns:a="http://schemas.openxmlformats.org/drawingml/2006/main" xmlns:r="http://schemas.openxmlformats.org/officeDocument/2006/relationships" xmlns:p="http://schemas.openxmlformats.org/presentationml/2006/main">
+  <p:cSld>
+    <p:spTree>
+      <p:nvGrpSpPr>
+        <p:cNvPr id="1" name=""/>
+        <p:cNvGrpSpPr/>
+        <p:nvPr/>
+      </p:nvGrpSpPr>
+      <p:grpSpPr>
+        <a:xfrm>
+          <a:off x="0" y="0"/>
+          <a:ext cx="0" cy="0"/>
+          <a:chOff x="0" y="0"/>
+          <a:chExt cx="0" cy="0"/>
+        </a:xfrm>
+      </p:grpSpPr>
+      <p:sp>
+        <p:nvSpPr>
+          <p:cNvPr id="2" name="Cím 1">
+            <a:extLst>
+              <a:ext uri="{FF2B5EF4-FFF2-40B4-BE49-F238E27FC236}">
+                <a16:creationId xmlns:a16="http://schemas.microsoft.com/office/drawing/2014/main" id="{4CA4BDFB-DEFE-41A5-A443-7580044892BA}"/>
+              </a:ext>
+            </a:extLst>
+          </p:cNvPr>
+          <p:cNvSpPr>
+            <a:spLocks noGrp="1"/>
+          </p:cNvSpPr>
+          <p:nvPr>
+            <p:ph type="title"/>
+          </p:nvPr>
+        </p:nvSpPr>
+        <p:spPr>
+          <a:xfrm>
+            <a:off x="1965267" y="496183"/>
+            <a:ext cx="6877119" cy="640080"/>
+          </a:xfrm>
+        </p:spPr>
+        <p:txBody>
+          <a:bodyPr/>
+          <a:lstStyle/>
+          <a:p>
+            <a:pPr algn="ctr"/>
+            <a:r>
+              <a:rPr lang="hu-HU" dirty="0"/>
+              <a:t>Szavazás</a:t>
+            </a:r>
+          </a:p>
+        </p:txBody>
+      </p:sp>
+      <p:sp>
+        <p:nvSpPr>
+          <p:cNvPr id="4" name="Szövegdoboz 3">
+            <a:extLst>
+              <a:ext uri="{FF2B5EF4-FFF2-40B4-BE49-F238E27FC236}">
+                <a16:creationId xmlns:a16="http://schemas.microsoft.com/office/drawing/2014/main" id="{B54864E9-67FF-46A0-95BA-0778C34D34DA}"/>
+              </a:ext>
+            </a:extLst>
+          </p:cNvPr>
+          <p:cNvSpPr txBox="1"/>
+          <p:nvPr/>
+        </p:nvSpPr>
+        <p:spPr>
+          <a:xfrm>
+            <a:off x="3769733" y="1807281"/>
+            <a:ext cx="2637004" cy="369332"/>
+          </a:xfrm>
+          <a:prstGeom prst="rect">
+            <a:avLst/>
+          </a:prstGeom>
+          <a:noFill/>
+        </p:spPr>
+        <p:txBody>
+          <a:bodyPr wrap="none" rtlCol="0">
+            <a:spAutoFit/>
+          </a:bodyPr>
+          <a:lstStyle/>
+          <a:p>
+            <a:r>
+              <a:rPr lang="hu-HU" dirty="0">
+                <a:hlinkClick r:id="rId2"/>
+              </a:rPr>
+              <a:t>https://www.menti.com/</a:t>
+            </a:r>
+            <a:endParaRPr lang="hu-HU" dirty="0"/>
+          </a:p>
+        </p:txBody>
+      </p:sp>
+      <p:sp>
+        <p:nvSpPr>
+          <p:cNvPr id="5" name="Szövegdoboz 4">
+            <a:extLst>
+              <a:ext uri="{FF2B5EF4-FFF2-40B4-BE49-F238E27FC236}">
+                <a16:creationId xmlns:a16="http://schemas.microsoft.com/office/drawing/2014/main" id="{E5C10407-89EC-40DA-8208-38FCF896396A}"/>
+              </a:ext>
+            </a:extLst>
+          </p:cNvPr>
+          <p:cNvSpPr txBox="1"/>
+          <p:nvPr/>
+        </p:nvSpPr>
+        <p:spPr>
+          <a:xfrm>
+            <a:off x="3769733" y="2261107"/>
+            <a:ext cx="2577950" cy="369332"/>
+          </a:xfrm>
+          <a:prstGeom prst="rect">
+            <a:avLst/>
+          </a:prstGeom>
+          <a:noFill/>
+        </p:spPr>
+        <p:txBody>
+          <a:bodyPr wrap="none" rtlCol="0">
+            <a:spAutoFit/>
+          </a:bodyPr>
+          <a:lstStyle/>
+          <a:p>
+            <a:r>
+              <a:rPr lang="hu-HU" dirty="0"/>
+              <a:t>Menti </a:t>
+            </a:r>
+            <a:r>
+              <a:rPr lang="hu-HU" dirty="0" err="1"/>
+              <a:t>code</a:t>
+            </a:r>
+            <a:r>
+              <a:rPr lang="hu-HU" dirty="0"/>
+              <a:t>: </a:t>
+            </a:r>
+            <a:r>
+              <a:rPr lang="hu-HU" b="1" dirty="0"/>
+              <a:t>7160 1554</a:t>
+            </a:r>
+            <a:endParaRPr lang="hu-HU" dirty="0"/>
+          </a:p>
+        </p:txBody>
+      </p:sp>
+      <p:pic>
+        <p:nvPicPr>
+          <p:cNvPr id="6" name="Kép 5">
+            <a:extLst>
+              <a:ext uri="{FF2B5EF4-FFF2-40B4-BE49-F238E27FC236}">
+                <a16:creationId xmlns:a16="http://schemas.microsoft.com/office/drawing/2014/main" id="{970EFFD0-2AE6-4112-92BD-172FFA002771}"/>
+              </a:ext>
+            </a:extLst>
+          </p:cNvPr>
+          <p:cNvPicPr>
+            <a:picLocks noChangeAspect="1"/>
+          </p:cNvPicPr>
+          <p:nvPr/>
+        </p:nvPicPr>
+        <p:blipFill>
+          <a:blip r:embed="rId3"/>
+          <a:stretch>
+            <a:fillRect/>
+          </a:stretch>
+        </p:blipFill>
+        <p:spPr>
+          <a:xfrm>
+            <a:off x="10864515" y="5541221"/>
+            <a:ext cx="1069307" cy="1064116"/>
+          </a:xfrm>
+          <a:prstGeom prst="rect">
+            <a:avLst/>
+          </a:prstGeom>
+        </p:spPr>
+      </p:pic>
+    </p:spTree>
+    <p:extLst>
+      <p:ext uri="{BB962C8B-B14F-4D97-AF65-F5344CB8AC3E}">
+        <p14:creationId xmlns:p14="http://schemas.microsoft.com/office/powerpoint/2010/main" val="1218643364"/>
+      </p:ext>
+    </p:extLst>
+  </p:cSld>
+  <p:clrMapOvr>
+    <a:masterClrMapping/>
+  </p:clrMapOvr>
+</p:sld>
+</file>
+
+<file path=ppt/slides/slide14.xml><?xml version="1.0" encoding="utf-8"?>
+<p:sld xmlns:a="http://schemas.openxmlformats.org/drawingml/2006/main" xmlns:r="http://schemas.openxmlformats.org/officeDocument/2006/relationships" xmlns:p="http://schemas.openxmlformats.org/presentationml/2006/main">
+  <p:cSld>
+    <p:spTree>
+      <p:nvGrpSpPr>
+        <p:cNvPr id="1" name=""/>
+        <p:cNvGrpSpPr/>
+        <p:nvPr/>
+      </p:nvGrpSpPr>
+      <p:grpSpPr>
+        <a:xfrm>
+          <a:off x="0" y="0"/>
+          <a:ext cx="0" cy="0"/>
+          <a:chOff x="0" y="0"/>
+          <a:chExt cx="0" cy="0"/>
+        </a:xfrm>
+      </p:grpSpPr>
+      <p:sp>
+        <p:nvSpPr>
+          <p:cNvPr id="10" name="Cím 9"/>
+          <p:cNvSpPr>
+            <a:spLocks noGrp="1"/>
+          </p:cNvSpPr>
+          <p:nvPr>
+            <p:ph type="title"/>
+          </p:nvPr>
+        </p:nvSpPr>
+        <p:spPr>
+          <a:xfrm>
+            <a:off x="521208" y="1536192"/>
+            <a:ext cx="8750808" cy="640080"/>
+          </a:xfrm>
+        </p:spPr>
+        <p:txBody>
+          <a:bodyPr rtlCol="0">
+            <a:normAutofit/>
+          </a:bodyPr>
+          <a:lstStyle/>
+          <a:p>
+            <a:pPr algn="ctr" rtl="0"/>
+            <a:r>
+              <a:rPr lang="hu-HU" dirty="0">
+                <a:latin typeface="Segoe UI Light" panose="020B0502040204020203" pitchFamily="34" charset="0"/>
+                <a:cs typeface="Segoe UI Light" panose="020B0502040204020203" pitchFamily="34" charset="0"/>
+              </a:rPr>
+              <a:t>Q&amp;A</a:t>
+            </a:r>
+          </a:p>
+        </p:txBody>
+      </p:sp>
+      <p:sp>
+        <p:nvSpPr>
+          <p:cNvPr id="12" name="Cím 7">
+            <a:extLst>
+              <a:ext uri="{FF2B5EF4-FFF2-40B4-BE49-F238E27FC236}">
+                <a16:creationId xmlns:a16="http://schemas.microsoft.com/office/drawing/2014/main" id="{6B10CD58-C354-429E-AC97-835F0C515855}"/>
               </a:ext>
             </a:extLst>
           </p:cNvPr>
@@ -2985,13 +3646,25 @@
     </p:spTree>
     <p:extLst>
       <p:ext uri="{BB962C8B-B14F-4D97-AF65-F5344CB8AC3E}">
-        <p14:creationId xmlns:p14="http://schemas.microsoft.com/office/powerpoint/2010/main" val="2471807738"/>
+        <p14:creationId xmlns:p14="http://schemas.microsoft.com/office/powerpoint/2010/main" val="893025881"/>
       </p:ext>
     </p:extLst>
   </p:cSld>
   <p:clrMapOvr>
     <a:masterClrMapping/>
   </p:clrMapOvr>
+  <mc:AlternateContent xmlns:mc="http://schemas.openxmlformats.org/markup-compatibility/2006" xmlns:p15="http://schemas.microsoft.com/office/powerpoint/2012/main">
+    <mc:Choice Requires="p15">
+      <p:transition xmlns:p14="http://schemas.microsoft.com/office/powerpoint/2010/main" spd="slow" p14:dur="2000">
+        <p15:prstTrans prst="drape"/>
+      </p:transition>
+    </mc:Choice>
+    <mc:Fallback xmlns="">
+      <p:transition xmlns:p14="http://schemas.microsoft.com/office/powerpoint/2010/main" spd="slow">
+        <p:fade/>
+      </p:transition>
+    </mc:Fallback>
+  </mc:AlternateContent>
 </p:sld>
 </file>
 
@@ -3045,26 +3718,195 @@
           </a:p>
         </p:txBody>
       </p:sp>
-      <p:sp>
-        <p:nvSpPr>
-          <p:cNvPr id="38" name="Tartalom helye 17"/>
-          <p:cNvSpPr txBox="1">
-            <a:spLocks/>
-          </p:cNvSpPr>
+      <p:pic>
+        <p:nvPicPr>
+          <p:cNvPr id="7" name="Kép 6">
+            <a:extLst>
+              <a:ext uri="{FF2B5EF4-FFF2-40B4-BE49-F238E27FC236}">
+                <a16:creationId xmlns:a16="http://schemas.microsoft.com/office/drawing/2014/main" id="{65D6E095-352B-415E-99CB-8FE8F2081A67}"/>
+              </a:ext>
+            </a:extLst>
+          </p:cNvPr>
+          <p:cNvPicPr>
+            <a:picLocks noChangeAspect="1"/>
+          </p:cNvPicPr>
           <p:nvPr/>
-        </p:nvSpPr>
-        <p:spPr>
-          <a:xfrm>
-            <a:off x="541610" y="1524708"/>
-            <a:ext cx="5169568" cy="3215734"/>
+        </p:nvPicPr>
+        <p:blipFill>
+          <a:blip r:embed="rId3"/>
+          <a:stretch>
+            <a:fillRect/>
+          </a:stretch>
+        </p:blipFill>
+        <p:spPr>
+          <a:xfrm>
+            <a:off x="6833079" y="1593276"/>
+            <a:ext cx="4090899" cy="4071040"/>
           </a:xfrm>
           <a:prstGeom prst="rect">
             <a:avLst/>
           </a:prstGeom>
         </p:spPr>
+      </p:pic>
+      <p:sp>
+        <p:nvSpPr>
+          <p:cNvPr id="2" name="Szövegdoboz 1">
+            <a:extLst>
+              <a:ext uri="{FF2B5EF4-FFF2-40B4-BE49-F238E27FC236}">
+                <a16:creationId xmlns:a16="http://schemas.microsoft.com/office/drawing/2014/main" id="{E10ACD92-8283-4403-A858-C77FF11D9C8E}"/>
+              </a:ext>
+            </a:extLst>
+          </p:cNvPr>
+          <p:cNvSpPr txBox="1"/>
+          <p:nvPr/>
+        </p:nvSpPr>
+        <p:spPr>
+          <a:xfrm>
+            <a:off x="625832" y="1491915"/>
+            <a:ext cx="6147947" cy="3416320"/>
+          </a:xfrm>
+          <a:prstGeom prst="rect">
+            <a:avLst/>
+          </a:prstGeom>
+          <a:noFill/>
+        </p:spPr>
+        <p:txBody>
+          <a:bodyPr wrap="square" rtlCol="0">
+            <a:spAutoFit/>
+          </a:bodyPr>
+          <a:lstStyle/>
+          <a:p>
+            <a:r>
+              <a:rPr lang="hu-HU" dirty="0"/>
+              <a:t>Tervezéstől a kivitelezésig Teljeskörű megoldások az ipar minden területére. Felmérés, Eszközök, Szoftverek, Telepítés, Karbantartás, Szerviz.</a:t>
+            </a:r>
+          </a:p>
+          <a:p>
+            <a:endParaRPr lang="hu-HU" dirty="0"/>
+          </a:p>
+          <a:p>
+            <a:r>
+              <a:rPr lang="hu-HU" dirty="0"/>
+              <a:t>Eszközbeszerzés költségeinek racionalizálása IT kapacitás jobb kihasználása Az adatok és a biztonság.</a:t>
+            </a:r>
+          </a:p>
+          <a:p>
+            <a:endParaRPr lang="hu-HU" dirty="0"/>
+          </a:p>
+          <a:p>
+            <a:r>
+              <a:rPr lang="hu-HU" dirty="0"/>
+              <a:t>Könnyebb távoli hozzáférés.</a:t>
+            </a:r>
+          </a:p>
+          <a:p>
+            <a:br>
+              <a:rPr lang="hu-HU" dirty="0"/>
+            </a:br>
+            <a:endParaRPr lang="hu-HU" dirty="0"/>
+          </a:p>
+          <a:p>
+            <a:br>
+              <a:rPr lang="hu-HU" dirty="0"/>
+            </a:br>
+            <a:endParaRPr lang="hu-HU" dirty="0"/>
+          </a:p>
+        </p:txBody>
+      </p:sp>
+    </p:spTree>
+    <p:extLst>
+      <p:ext uri="{BB962C8B-B14F-4D97-AF65-F5344CB8AC3E}">
+        <p14:creationId xmlns:p14="http://schemas.microsoft.com/office/powerpoint/2010/main" val="3457616166"/>
+      </p:ext>
+    </p:extLst>
+  </p:cSld>
+  <p:clrMapOvr>
+    <a:masterClrMapping/>
+  </p:clrMapOvr>
+  <mc:AlternateContent xmlns:mc="http://schemas.openxmlformats.org/markup-compatibility/2006" xmlns:p14="http://schemas.microsoft.com/office/powerpoint/2010/main">
+    <mc:Choice Requires="p14">
+      <p:transition p14:dur="10"/>
+    </mc:Choice>
+    <mc:Fallback xmlns="">
+      <p:transition/>
+    </mc:Fallback>
+  </mc:AlternateContent>
+</p:sld>
+</file>
+
+<file path=ppt/slides/slide3.xml><?xml version="1.0" encoding="utf-8"?>
+<p:sld xmlns:a="http://schemas.openxmlformats.org/drawingml/2006/main" xmlns:r="http://schemas.openxmlformats.org/officeDocument/2006/relationships" xmlns:p="http://schemas.openxmlformats.org/presentationml/2006/main">
+  <p:cSld>
+    <p:spTree>
+      <p:nvGrpSpPr>
+        <p:cNvPr id="1" name=""/>
+        <p:cNvGrpSpPr/>
+        <p:nvPr/>
+      </p:nvGrpSpPr>
+      <p:grpSpPr>
+        <a:xfrm>
+          <a:off x="0" y="0"/>
+          <a:ext cx="0" cy="0"/>
+          <a:chOff x="0" y="0"/>
+          <a:chExt cx="0" cy="0"/>
+        </a:xfrm>
+      </p:grpSpPr>
+      <p:sp>
+        <p:nvSpPr>
+          <p:cNvPr id="2" name="Cím 1">
+            <a:extLst>
+              <a:ext uri="{FF2B5EF4-FFF2-40B4-BE49-F238E27FC236}">
+                <a16:creationId xmlns:a16="http://schemas.microsoft.com/office/drawing/2014/main" id="{AD78389E-AA3D-425C-AC0B-5BF8A61870FD}"/>
+              </a:ext>
+            </a:extLst>
+          </p:cNvPr>
+          <p:cNvSpPr>
+            <a:spLocks noGrp="1"/>
+          </p:cNvSpPr>
+          <p:nvPr>
+            <p:ph type="title"/>
+          </p:nvPr>
+        </p:nvSpPr>
+        <p:spPr/>
+        <p:txBody>
+          <a:bodyPr/>
+          <a:lstStyle/>
+          <a:p>
+            <a:r>
+              <a:rPr lang="hu-HU" dirty="0"/>
+              <a:t>F5 team</a:t>
+            </a:r>
+          </a:p>
+        </p:txBody>
+      </p:sp>
+      <p:sp>
+        <p:nvSpPr>
+          <p:cNvPr id="4" name="Tartalom helye 17">
+            <a:extLst>
+              <a:ext uri="{FF2B5EF4-FFF2-40B4-BE49-F238E27FC236}">
+                <a16:creationId xmlns:a16="http://schemas.microsoft.com/office/drawing/2014/main" id="{EF9064F6-2DE3-4044-AF67-FA24835E2CDD}"/>
+              </a:ext>
+            </a:extLst>
+          </p:cNvPr>
+          <p:cNvSpPr txBox="1">
+            <a:spLocks noGrp="1"/>
+          </p:cNvSpPr>
+          <p:nvPr>
+            <p:ph sz="quarter" idx="10"/>
+          </p:nvPr>
+        </p:nvSpPr>
+        <p:spPr>
+          <a:xfrm>
+            <a:off x="539750" y="1435100"/>
+            <a:ext cx="6089650" cy="3509879"/>
+          </a:xfrm>
+          <a:prstGeom prst="rect">
+            <a:avLst/>
+          </a:prstGeom>
+        </p:spPr>
         <p:txBody>
           <a:bodyPr vert="horz" lIns="91440" tIns="45720" rIns="91440" bIns="45720" rtlCol="0">
-            <a:normAutofit fontScale="25000" lnSpcReduction="20000"/>
+            <a:normAutofit fontScale="77500" lnSpcReduction="20000"/>
           </a:bodyPr>
           <a:lstStyle>
             <a:lvl1pPr marL="228600" indent="-228600" algn="l" defTabSz="914400" rtl="0" eaLnBrk="1" latinLnBrk="0" hangingPunct="1">
@@ -3262,48 +4104,48 @@
           </a:lstStyle>
           <a:p>
             <a:r>
-              <a:rPr lang="hu-HU" sz="4800" dirty="0"/>
+              <a:rPr lang="hu-HU" sz="2200" dirty="0"/>
               <a:t>Cégnév: F5 Team</a:t>
             </a:r>
             <a:br>
-              <a:rPr lang="hu-HU" sz="4800" dirty="0"/>
+              <a:rPr lang="hu-HU" sz="2200" dirty="0"/>
             </a:br>
             <a:r>
-              <a:rPr lang="hu-HU" sz="4800" dirty="0"/>
+              <a:rPr lang="hu-HU" sz="2200" dirty="0"/>
               <a:t>Cím: 1144 Budapest, Kerepesi út 124</a:t>
             </a:r>
             <a:br>
-              <a:rPr lang="hu-HU" sz="4800" dirty="0"/>
+              <a:rPr lang="hu-HU" sz="2200" dirty="0"/>
             </a:br>
             <a:r>
-              <a:rPr lang="hu-HU" sz="4800" dirty="0"/>
+              <a:rPr lang="hu-HU" sz="2200" dirty="0"/>
               <a:t>ADÓSZÁM: 12345678-9-10</a:t>
             </a:r>
             <a:br>
-              <a:rPr lang="hu-HU" sz="4800" dirty="0"/>
+              <a:rPr lang="hu-HU" sz="2200" dirty="0"/>
             </a:br>
             <a:r>
-              <a:rPr lang="hu-HU" sz="4800" dirty="0"/>
+              <a:rPr lang="hu-HU" sz="2200" dirty="0"/>
               <a:t>CÉGJEGYZÉKSZÁM: 01 02 345678</a:t>
             </a:r>
           </a:p>
           <a:p>
             <a:r>
-              <a:rPr lang="hu-HU" sz="4800" dirty="0"/>
+              <a:rPr lang="hu-HU" sz="2200" dirty="0"/>
               <a:t>Cég leírás:</a:t>
             </a:r>
             <a:br>
-              <a:rPr lang="hu-HU" sz="4800" dirty="0"/>
+              <a:rPr lang="hu-HU" sz="2200" dirty="0"/>
             </a:br>
             <a:r>
-              <a:rPr lang="hu-HU" sz="4800" b="1" dirty="0"/>
+              <a:rPr lang="hu-HU" sz="2200" b="1" dirty="0"/>
               <a:t>Kiváló minőség biztosítása ügyfeleink és kollégáink számára</a:t>
             </a:r>
             <a:br>
-              <a:rPr lang="hu-HU" sz="4800" dirty="0"/>
+              <a:rPr lang="hu-HU" sz="2200" dirty="0"/>
             </a:br>
             <a:r>
-              <a:rPr lang="hu-HU" sz="4800" dirty="0"/>
+              <a:rPr lang="hu-HU" sz="2200" dirty="0"/>
               <a:t>A F5 Team 200 globális IT-szolgáltatások vezetője. Több mint 20 országban tevékenykedő több mint 5 000 munkatársunkat bízták meg ügyfeleink azzal, hogy szállítsák azt, ami a legfontosabb. A technológia erejét arra használjuk, hogy kritikus IT-szolgáltatásokat nyújtsunk, amelyek hatással vannak az üzleti életre. </a:t>
             </a:r>
           </a:p>
@@ -3311,6 +4153,9 @@
             <a:endParaRPr lang="hu-HU" sz="4800" dirty="0"/>
           </a:p>
           <a:p>
+            <a:pPr marL="0" indent="0">
+              <a:buNone/>
+            </a:pPr>
             <a:endParaRPr lang="hu-HU" sz="4800" dirty="0"/>
           </a:p>
           <a:p>
@@ -3327,389 +4172,348 @@
           </a:p>
         </p:txBody>
       </p:sp>
-      <p:sp>
-        <p:nvSpPr>
-          <p:cNvPr id="6" name="Tartalom helye 17">
+      <p:pic>
+        <p:nvPicPr>
+          <p:cNvPr id="5" name="Kép 4">
             <a:extLst>
               <a:ext uri="{FF2B5EF4-FFF2-40B4-BE49-F238E27FC236}">
-                <a16:creationId xmlns:a16="http://schemas.microsoft.com/office/drawing/2014/main" id="{3B89A258-3429-4035-A25B-685DAAF6355A}"/>
+                <a16:creationId xmlns:a16="http://schemas.microsoft.com/office/drawing/2014/main" id="{8487192F-CDD9-41EE-8FFC-1634A8AD238C}"/>
               </a:ext>
             </a:extLst>
           </p:cNvPr>
-          <p:cNvSpPr txBox="1">
-            <a:spLocks/>
-          </p:cNvSpPr>
+          <p:cNvPicPr>
+            <a:picLocks noChangeAspect="1"/>
+          </p:cNvPicPr>
           <p:nvPr/>
-        </p:nvSpPr>
-        <p:spPr>
-          <a:xfrm>
-            <a:off x="5711178" y="1255648"/>
-            <a:ext cx="5823096" cy="4346704"/>
+        </p:nvPicPr>
+        <p:blipFill>
+          <a:blip r:embed="rId2"/>
+          <a:stretch>
+            <a:fillRect/>
+          </a:stretch>
+        </p:blipFill>
+        <p:spPr>
+          <a:xfrm>
+            <a:off x="10864515" y="5541221"/>
+            <a:ext cx="1069307" cy="1064116"/>
           </a:xfrm>
           <a:prstGeom prst="rect">
             <a:avLst/>
           </a:prstGeom>
         </p:spPr>
-        <p:txBody>
-          <a:bodyPr vert="horz" lIns="91440" tIns="45720" rIns="91440" bIns="45720" rtlCol="0">
-            <a:normAutofit fontScale="25000" lnSpcReduction="20000"/>
-          </a:bodyPr>
-          <a:lstStyle>
-            <a:lvl1pPr marL="228600" indent="-228600" algn="l" defTabSz="914400" rtl="0" eaLnBrk="1" latinLnBrk="0" hangingPunct="1">
-              <a:lnSpc>
-                <a:spcPts val="1800"/>
-              </a:lnSpc>
-              <a:spcBef>
-                <a:spcPts val="1000"/>
-              </a:spcBef>
-              <a:spcAft>
-                <a:spcPts val="1000"/>
-              </a:spcAft>
-              <a:buFont typeface="Arial" panose="020B0604020202020204" pitchFamily="34" charset="0"/>
-              <a:buChar char="•"/>
-              <a:defRPr lang="en-US" sz="1200" kern="1200" smtClean="0">
-                <a:solidFill>
-                  <a:schemeClr val="tx1">
-                    <a:lumMod val="75000"/>
-                    <a:lumOff val="25000"/>
-                  </a:schemeClr>
-                </a:solidFill>
-                <a:latin typeface="+mn-lt"/>
-                <a:ea typeface="+mn-ea"/>
-                <a:cs typeface="+mn-cs"/>
-              </a:defRPr>
-            </a:lvl1pPr>
-            <a:lvl2pPr marL="685800" indent="-228600" algn="l" defTabSz="914400" rtl="0" eaLnBrk="1" latinLnBrk="0" hangingPunct="1">
-              <a:lnSpc>
-                <a:spcPts val="1800"/>
-              </a:lnSpc>
-              <a:spcBef>
-                <a:spcPts val="1000"/>
-              </a:spcBef>
-              <a:spcAft>
-                <a:spcPts val="1000"/>
-              </a:spcAft>
-              <a:buFont typeface="Arial" panose="020B0604020202020204" pitchFamily="34" charset="0"/>
-              <a:buChar char="•"/>
-              <a:defRPr lang="en-US" sz="1200" kern="1200" smtClean="0">
-                <a:solidFill>
-                  <a:schemeClr val="tx1">
-                    <a:lumMod val="75000"/>
-                    <a:lumOff val="25000"/>
-                  </a:schemeClr>
-                </a:solidFill>
-                <a:latin typeface="+mn-lt"/>
-                <a:ea typeface="+mn-ea"/>
-                <a:cs typeface="+mn-cs"/>
-              </a:defRPr>
-            </a:lvl2pPr>
-            <a:lvl3pPr marL="1143000" indent="-228600" algn="l" defTabSz="914400" rtl="0" eaLnBrk="1" latinLnBrk="0" hangingPunct="1">
-              <a:lnSpc>
-                <a:spcPts val="1800"/>
-              </a:lnSpc>
-              <a:spcBef>
-                <a:spcPts val="1000"/>
-              </a:spcBef>
-              <a:spcAft>
-                <a:spcPts val="1000"/>
-              </a:spcAft>
-              <a:buFont typeface="Arial" panose="020B0604020202020204" pitchFamily="34" charset="0"/>
-              <a:buChar char="•"/>
-              <a:defRPr lang="en-US" sz="1200" kern="1200" smtClean="0">
-                <a:solidFill>
-                  <a:schemeClr val="tx1">
-                    <a:lumMod val="75000"/>
-                    <a:lumOff val="25000"/>
-                  </a:schemeClr>
-                </a:solidFill>
-                <a:latin typeface="+mn-lt"/>
-                <a:ea typeface="+mn-ea"/>
-                <a:cs typeface="+mn-cs"/>
-              </a:defRPr>
-            </a:lvl3pPr>
-            <a:lvl4pPr marL="1600200" indent="-228600" algn="l" defTabSz="914400" rtl="0" eaLnBrk="1" latinLnBrk="0" hangingPunct="1">
-              <a:lnSpc>
-                <a:spcPts val="1800"/>
-              </a:lnSpc>
-              <a:spcBef>
-                <a:spcPts val="1000"/>
-              </a:spcBef>
-              <a:spcAft>
-                <a:spcPts val="1000"/>
-              </a:spcAft>
-              <a:buFont typeface="Arial" panose="020B0604020202020204" pitchFamily="34" charset="0"/>
-              <a:buChar char="•"/>
-              <a:defRPr lang="en-US" sz="1200" kern="1200" smtClean="0">
-                <a:solidFill>
-                  <a:schemeClr val="tx1">
-                    <a:lumMod val="75000"/>
-                    <a:lumOff val="25000"/>
-                  </a:schemeClr>
-                </a:solidFill>
-                <a:latin typeface="+mn-lt"/>
-                <a:ea typeface="+mn-ea"/>
-                <a:cs typeface="+mn-cs"/>
-              </a:defRPr>
-            </a:lvl4pPr>
-            <a:lvl5pPr marL="2057400" indent="-228600" algn="l" defTabSz="914400" rtl="0" eaLnBrk="1" latinLnBrk="0" hangingPunct="1">
-              <a:lnSpc>
-                <a:spcPts val="1800"/>
-              </a:lnSpc>
-              <a:spcBef>
-                <a:spcPts val="1000"/>
-              </a:spcBef>
-              <a:spcAft>
-                <a:spcPts val="1000"/>
-              </a:spcAft>
-              <a:buFont typeface="Arial" panose="020B0604020202020204" pitchFamily="34" charset="0"/>
-              <a:buChar char="•"/>
-              <a:defRPr lang="en-US" sz="1200" kern="1200">
-                <a:solidFill>
-                  <a:schemeClr val="tx1">
-                    <a:lumMod val="75000"/>
-                    <a:lumOff val="25000"/>
-                  </a:schemeClr>
-                </a:solidFill>
-                <a:latin typeface="+mn-lt"/>
-                <a:ea typeface="+mn-ea"/>
-                <a:cs typeface="+mn-cs"/>
-              </a:defRPr>
-            </a:lvl5pPr>
-            <a:lvl6pPr marL="2514600" indent="-228600" algn="l" defTabSz="914400" rtl="0" eaLnBrk="1" latinLnBrk="0" hangingPunct="1">
-              <a:lnSpc>
-                <a:spcPct val="90000"/>
-              </a:lnSpc>
-              <a:spcBef>
-                <a:spcPct val="30000"/>
-              </a:spcBef>
-              <a:buFont typeface="Arial" panose="020B0604020202020204" pitchFamily="34" charset="0"/>
-              <a:buChar char="•"/>
-              <a:defRPr sz="1800" kern="1200">
-                <a:solidFill>
-                  <a:schemeClr val="tx1"/>
-                </a:solidFill>
-                <a:latin typeface="+mn-lt"/>
-                <a:ea typeface="+mn-ea"/>
-                <a:cs typeface="+mn-cs"/>
-              </a:defRPr>
-            </a:lvl6pPr>
-            <a:lvl7pPr marL="2971800" indent="-228600" algn="l" defTabSz="914400" rtl="0" eaLnBrk="1" latinLnBrk="0" hangingPunct="1">
-              <a:lnSpc>
-                <a:spcPct val="90000"/>
-              </a:lnSpc>
-              <a:spcBef>
-                <a:spcPct val="30000"/>
-              </a:spcBef>
-              <a:buFont typeface="Arial" panose="020B0604020202020204" pitchFamily="34" charset="0"/>
-              <a:buChar char="•"/>
-              <a:defRPr sz="1800" kern="1200">
-                <a:solidFill>
-                  <a:schemeClr val="tx1"/>
-                </a:solidFill>
-                <a:latin typeface="+mn-lt"/>
-                <a:ea typeface="+mn-ea"/>
-                <a:cs typeface="+mn-cs"/>
-              </a:defRPr>
-            </a:lvl7pPr>
-            <a:lvl8pPr marL="3429000" indent="-228600" algn="l" defTabSz="914400" rtl="0" eaLnBrk="1" latinLnBrk="0" hangingPunct="1">
-              <a:lnSpc>
-                <a:spcPct val="90000"/>
-              </a:lnSpc>
-              <a:spcBef>
-                <a:spcPct val="30000"/>
-              </a:spcBef>
-              <a:buFont typeface="Arial" panose="020B0604020202020204" pitchFamily="34" charset="0"/>
-              <a:buChar char="•"/>
-              <a:defRPr sz="1800" kern="1200">
-                <a:solidFill>
-                  <a:schemeClr val="tx1"/>
-                </a:solidFill>
-                <a:latin typeface="+mn-lt"/>
-                <a:ea typeface="+mn-ea"/>
-                <a:cs typeface="+mn-cs"/>
-              </a:defRPr>
-            </a:lvl8pPr>
-            <a:lvl9pPr marL="3886200" indent="-228600" algn="l" defTabSz="914400" rtl="0" eaLnBrk="1" latinLnBrk="0" hangingPunct="1">
-              <a:lnSpc>
-                <a:spcPct val="90000"/>
-              </a:lnSpc>
-              <a:spcBef>
-                <a:spcPct val="30000"/>
-              </a:spcBef>
-              <a:buFont typeface="Arial" panose="020B0604020202020204" pitchFamily="34" charset="0"/>
-              <a:buChar char="•"/>
-              <a:defRPr sz="1800" kern="1200">
-                <a:solidFill>
-                  <a:schemeClr val="tx1"/>
-                </a:solidFill>
-                <a:latin typeface="+mn-lt"/>
-                <a:ea typeface="+mn-ea"/>
-                <a:cs typeface="+mn-cs"/>
-              </a:defRPr>
-            </a:lvl9pPr>
-          </a:lstStyle>
-          <a:p>
-            <a:r>
-              <a:rPr lang="hu-HU" sz="4800" b="1" dirty="0"/>
-              <a:t>Amit csinálunk</a:t>
-            </a:r>
-            <a:br>
-              <a:rPr lang="hu-HU" sz="4800" dirty="0"/>
-            </a:br>
-            <a:r>
-              <a:rPr lang="hu-HU" sz="4800" dirty="0"/>
-              <a:t>Biztosítjuk azokat az informatikai szolgáltatásokat, amelyekre ügyfeleinknek szüksége van a működés korszerűsítéséhez és az innováció ösztönzéséhez a teljes IT-területen.</a:t>
-            </a:r>
-          </a:p>
-          <a:p>
-            <a:r>
-              <a:rPr lang="hu-HU" sz="4800" dirty="0"/>
-              <a:t>Szolgáltatásokat nyújtunk az üzleti folyamatok kiszervezéséhez , elemzéséhez és tervezéséhez , alkalmazásokhoz , biztonsághoz , felhőhöz , IT </a:t>
-            </a:r>
-            <a:r>
-              <a:rPr lang="hu-HU" sz="4800" dirty="0" err="1"/>
-              <a:t>outsourcinghoz</a:t>
-            </a:r>
-            <a:r>
-              <a:rPr lang="hu-HU" sz="4800" dirty="0"/>
-              <a:t> és modern munkahelyekhez .</a:t>
-            </a:r>
-          </a:p>
-          <a:p>
-            <a:r>
-              <a:rPr lang="hu-HU" sz="4800" dirty="0"/>
-              <a:t>Hogyan dolgozunk</a:t>
-            </a:r>
-            <a:br>
-              <a:rPr lang="hu-HU" sz="4800" dirty="0"/>
-            </a:br>
-            <a:r>
-              <a:rPr lang="hu-HU" sz="4800" dirty="0"/>
-              <a:t>Minden nap kivívjuk ügyfeleink bizalmát azáltal, hogy átalakuló technológiákat szállítunk, amelyek biztosítják a vállalkozások és az emberek sikerét, biztonságát és jólétét világszerte.</a:t>
-            </a:r>
-          </a:p>
-          <a:p>
-            <a:r>
-              <a:rPr lang="hu-HU" sz="4800" dirty="0"/>
-              <a:t>Kiaknázzuk a partnerségek erejét a technológiai vezetőkből álló DXC ökoszisztémán keresztül . Az erősségeink és a szakértelem globális ötvözésével megoldásokat hozunk létre, és jobb eredményeket biztosítunk ügyfeleink számára a teljes IT-területükön.</a:t>
-            </a:r>
-          </a:p>
-          <a:p>
-            <a:pPr marL="0" lvl="0" indent="0" rtl="0">
-              <a:spcAft>
-                <a:spcPts val="600"/>
-              </a:spcAft>
-              <a:buNone/>
-              <a:defRPr/>
-            </a:pPr>
-            <a:endParaRPr lang="hu-HU" dirty="0">
-              <a:latin typeface="Segoe UI" panose="020B0502040204020203" pitchFamily="34" charset="0"/>
-              <a:cs typeface="Segoe UI" panose="020B0502040204020203" pitchFamily="34" charset="0"/>
-            </a:endParaRPr>
-          </a:p>
-        </p:txBody>
-      </p:sp>
-      <p:sp>
-        <p:nvSpPr>
-          <p:cNvPr id="9" name="Cím 7">
-            <a:extLst>
-              <a:ext uri="{FF2B5EF4-FFF2-40B4-BE49-F238E27FC236}">
-                <a16:creationId xmlns:a16="http://schemas.microsoft.com/office/drawing/2014/main" id="{0D80369C-39B1-4621-89BA-EF8665002BBA}"/>
-              </a:ext>
-            </a:extLst>
-          </p:cNvPr>
-          <p:cNvSpPr txBox="1">
-            <a:spLocks/>
-          </p:cNvSpPr>
-          <p:nvPr/>
-        </p:nvSpPr>
-        <p:spPr>
-          <a:xfrm>
-            <a:off x="10785419" y="6014906"/>
-            <a:ext cx="1160491" cy="572784"/>
-          </a:xfrm>
-          <a:prstGeom prst="rect">
-            <a:avLst/>
-          </a:prstGeom>
-          <a:gradFill flip="none" rotWithShape="1">
-            <a:gsLst>
-              <a:gs pos="0">
-                <a:schemeClr val="accent2">
-                  <a:lumMod val="0"/>
-                  <a:lumOff val="100000"/>
-                </a:schemeClr>
-              </a:gs>
-              <a:gs pos="35000">
-                <a:schemeClr val="accent2">
-                  <a:lumMod val="0"/>
-                  <a:lumOff val="100000"/>
-                </a:schemeClr>
-              </a:gs>
-              <a:gs pos="100000">
-                <a:schemeClr val="accent2">
-                  <a:lumMod val="100000"/>
-                </a:schemeClr>
-              </a:gs>
-            </a:gsLst>
-            <a:path path="circle">
-              <a:fillToRect l="50000" t="-80000" r="50000" b="180000"/>
-            </a:path>
-            <a:tileRect/>
-          </a:gradFill>
-        </p:spPr>
-        <p:txBody>
-          <a:bodyPr vert="horz" lIns="91440" tIns="45720" rIns="91440" bIns="45720" rtlCol="0" anchor="b" anchorCtr="0">
-            <a:noAutofit/>
-          </a:bodyPr>
-          <a:lstStyle>
-            <a:lvl1pPr algn="l" defTabSz="914400" rtl="0" eaLnBrk="1" latinLnBrk="0" hangingPunct="1">
-              <a:spcBef>
-                <a:spcPct val="0"/>
-              </a:spcBef>
-              <a:buNone/>
-              <a:defRPr sz="2800" kern="1200">
-                <a:solidFill>
-                  <a:schemeClr val="tx1"/>
-                </a:solidFill>
-                <a:latin typeface="+mj-lt"/>
-                <a:ea typeface="+mj-ea"/>
-                <a:cs typeface="+mj-cs"/>
-              </a:defRPr>
-            </a:lvl1pPr>
-          </a:lstStyle>
-          <a:p>
-            <a:r>
-              <a:rPr lang="hu-HU" sz="3200" b="1" dirty="0">
-                <a:latin typeface="Segoe UI Light" panose="020B0502040204020203" pitchFamily="34" charset="0"/>
-                <a:cs typeface="Segoe UI Light" panose="020B0502040204020203" pitchFamily="34" charset="0"/>
-              </a:rPr>
-              <a:t>=F5= </a:t>
-            </a:r>
-          </a:p>
-        </p:txBody>
-      </p:sp>
+      </p:pic>
     </p:spTree>
     <p:extLst>
       <p:ext uri="{BB962C8B-B14F-4D97-AF65-F5344CB8AC3E}">
-        <p14:creationId xmlns:p14="http://schemas.microsoft.com/office/powerpoint/2010/main" val="3457616166"/>
+        <p14:creationId xmlns:p14="http://schemas.microsoft.com/office/powerpoint/2010/main" val="2731099650"/>
       </p:ext>
     </p:extLst>
   </p:cSld>
   <p:clrMapOvr>
     <a:masterClrMapping/>
   </p:clrMapOvr>
-  <mc:AlternateContent xmlns:mc="http://schemas.openxmlformats.org/markup-compatibility/2006" xmlns:p14="http://schemas.microsoft.com/office/powerpoint/2010/main">
-    <mc:Choice Requires="p14">
-      <p:transition p14:dur="10"/>
-    </mc:Choice>
-    <mc:Fallback xmlns="">
-      <p:transition/>
-    </mc:Fallback>
-  </mc:AlternateContent>
 </p:sld>
 </file>
 
-<file path=ppt/slides/slide3.xml><?xml version="1.0" encoding="utf-8"?>
+<file path=ppt/slides/slide4.xml><?xml version="1.0" encoding="utf-8"?>
+<p:sld xmlns:a="http://schemas.openxmlformats.org/drawingml/2006/main" xmlns:r="http://schemas.openxmlformats.org/officeDocument/2006/relationships" xmlns:p="http://schemas.openxmlformats.org/presentationml/2006/main">
+  <p:cSld>
+    <p:spTree>
+      <p:nvGrpSpPr>
+        <p:cNvPr id="1" name=""/>
+        <p:cNvGrpSpPr/>
+        <p:nvPr/>
+      </p:nvGrpSpPr>
+      <p:grpSpPr>
+        <a:xfrm>
+          <a:off x="0" y="0"/>
+          <a:ext cx="0" cy="0"/>
+          <a:chOff x="0" y="0"/>
+          <a:chExt cx="0" cy="0"/>
+        </a:xfrm>
+      </p:grpSpPr>
+      <p:sp>
+        <p:nvSpPr>
+          <p:cNvPr id="2" name="Cím 1">
+            <a:extLst>
+              <a:ext uri="{FF2B5EF4-FFF2-40B4-BE49-F238E27FC236}">
+                <a16:creationId xmlns:a16="http://schemas.microsoft.com/office/drawing/2014/main" id="{308C474F-C6FD-44D4-9F9A-82C9E5A6EFDD}"/>
+              </a:ext>
+            </a:extLst>
+          </p:cNvPr>
+          <p:cNvSpPr>
+            <a:spLocks noGrp="1"/>
+          </p:cNvSpPr>
+          <p:nvPr>
+            <p:ph type="title"/>
+          </p:nvPr>
+        </p:nvSpPr>
+        <p:spPr/>
+        <p:txBody>
+          <a:bodyPr/>
+          <a:lstStyle/>
+          <a:p>
+            <a:r>
+              <a:rPr lang="hu-HU" dirty="0">
+                <a:latin typeface="Segoe UI Light" panose="020B0502040204020203" pitchFamily="34" charset="0"/>
+                <a:cs typeface="Segoe UI Light" panose="020B0502040204020203" pitchFamily="34" charset="0"/>
+              </a:rPr>
+              <a:t>F5 Team</a:t>
+            </a:r>
+            <a:endParaRPr lang="hu-HU" dirty="0"/>
+          </a:p>
+        </p:txBody>
+      </p:sp>
+      <p:sp>
+        <p:nvSpPr>
+          <p:cNvPr id="4" name="Szövegdoboz 3">
+            <a:extLst>
+              <a:ext uri="{FF2B5EF4-FFF2-40B4-BE49-F238E27FC236}">
+                <a16:creationId xmlns:a16="http://schemas.microsoft.com/office/drawing/2014/main" id="{675A970C-1818-46CA-A91A-FA2747F94EE1}"/>
+              </a:ext>
+            </a:extLst>
+          </p:cNvPr>
+          <p:cNvSpPr txBox="1"/>
+          <p:nvPr/>
+        </p:nvSpPr>
+        <p:spPr>
+          <a:xfrm>
+            <a:off x="521207" y="1515979"/>
+            <a:ext cx="7414054" cy="2585323"/>
+          </a:xfrm>
+          <a:prstGeom prst="rect">
+            <a:avLst/>
+          </a:prstGeom>
+          <a:noFill/>
+        </p:spPr>
+        <p:txBody>
+          <a:bodyPr wrap="square" rtlCol="0">
+            <a:spAutoFit/>
+          </a:bodyPr>
+          <a:lstStyle/>
+          <a:p>
+            <a:r>
+              <a:rPr lang="hu-HU" b="1" dirty="0"/>
+              <a:t>Amit csinálunk</a:t>
+            </a:r>
+          </a:p>
+          <a:p>
+            <a:br>
+              <a:rPr lang="hu-HU" dirty="0"/>
+            </a:br>
+            <a:r>
+              <a:rPr lang="hu-HU" dirty="0"/>
+              <a:t>Biztosítjuk azokat az informatikai szolgáltatásokat, amelyekre ügyfeleinknek szüksége van a működés korszerűsítéséhez és az innováció ösztönzéséhez a teljes IT-területen.</a:t>
+            </a:r>
+          </a:p>
+          <a:p>
+            <a:r>
+              <a:rPr lang="hu-HU" dirty="0"/>
+              <a:t>Szolgáltatásokat nyújtunk az üzleti folyamatok kiszervezéséhez , elemzéséhez és tervezéséhez , alkalmazásokhoz , biztonsághoz , felhőhöz , IT </a:t>
+            </a:r>
+            <a:r>
+              <a:rPr lang="hu-HU" dirty="0" err="1"/>
+              <a:t>outsourcinghoz</a:t>
+            </a:r>
+            <a:r>
+              <a:rPr lang="hu-HU" dirty="0"/>
+              <a:t> és modern munkahelyekhez .</a:t>
+            </a:r>
+          </a:p>
+          <a:p>
+            <a:endParaRPr lang="hu-HU" dirty="0"/>
+          </a:p>
+        </p:txBody>
+      </p:sp>
+      <p:pic>
+        <p:nvPicPr>
+          <p:cNvPr id="6" name="Kép 5">
+            <a:extLst>
+              <a:ext uri="{FF2B5EF4-FFF2-40B4-BE49-F238E27FC236}">
+                <a16:creationId xmlns:a16="http://schemas.microsoft.com/office/drawing/2014/main" id="{39C87CA1-258C-45FE-951F-28C5AD0CB5E0}"/>
+              </a:ext>
+            </a:extLst>
+          </p:cNvPr>
+          <p:cNvPicPr>
+            <a:picLocks noChangeAspect="1"/>
+          </p:cNvPicPr>
+          <p:nvPr/>
+        </p:nvPicPr>
+        <p:blipFill>
+          <a:blip r:embed="rId2"/>
+          <a:stretch>
+            <a:fillRect/>
+          </a:stretch>
+        </p:blipFill>
+        <p:spPr>
+          <a:xfrm>
+            <a:off x="10864515" y="5541221"/>
+            <a:ext cx="1069307" cy="1064116"/>
+          </a:xfrm>
+          <a:prstGeom prst="rect">
+            <a:avLst/>
+          </a:prstGeom>
+        </p:spPr>
+      </p:pic>
+    </p:spTree>
+    <p:extLst>
+      <p:ext uri="{BB962C8B-B14F-4D97-AF65-F5344CB8AC3E}">
+        <p14:creationId xmlns:p14="http://schemas.microsoft.com/office/powerpoint/2010/main" val="2839396907"/>
+      </p:ext>
+    </p:extLst>
+  </p:cSld>
+  <p:clrMapOvr>
+    <a:masterClrMapping/>
+  </p:clrMapOvr>
+</p:sld>
+</file>
+
+<file path=ppt/slides/slide5.xml><?xml version="1.0" encoding="utf-8"?>
+<p:sld xmlns:a="http://schemas.openxmlformats.org/drawingml/2006/main" xmlns:r="http://schemas.openxmlformats.org/officeDocument/2006/relationships" xmlns:p="http://schemas.openxmlformats.org/presentationml/2006/main">
+  <p:cSld>
+    <p:spTree>
+      <p:nvGrpSpPr>
+        <p:cNvPr id="1" name=""/>
+        <p:cNvGrpSpPr/>
+        <p:nvPr/>
+      </p:nvGrpSpPr>
+      <p:grpSpPr>
+        <a:xfrm>
+          <a:off x="0" y="0"/>
+          <a:ext cx="0" cy="0"/>
+          <a:chOff x="0" y="0"/>
+          <a:chExt cx="0" cy="0"/>
+        </a:xfrm>
+      </p:grpSpPr>
+      <p:sp>
+        <p:nvSpPr>
+          <p:cNvPr id="2" name="Cím 1">
+            <a:extLst>
+              <a:ext uri="{FF2B5EF4-FFF2-40B4-BE49-F238E27FC236}">
+                <a16:creationId xmlns:a16="http://schemas.microsoft.com/office/drawing/2014/main" id="{31959131-7CCD-4DAB-85C9-78BF81822845}"/>
+              </a:ext>
+            </a:extLst>
+          </p:cNvPr>
+          <p:cNvSpPr>
+            <a:spLocks noGrp="1"/>
+          </p:cNvSpPr>
+          <p:nvPr>
+            <p:ph type="title"/>
+          </p:nvPr>
+        </p:nvSpPr>
+        <p:spPr/>
+        <p:txBody>
+          <a:bodyPr/>
+          <a:lstStyle/>
+          <a:p>
+            <a:r>
+              <a:rPr lang="hu-HU" dirty="0">
+                <a:latin typeface="Segoe UI Light" panose="020B0502040204020203" pitchFamily="34" charset="0"/>
+                <a:cs typeface="Segoe UI Light" panose="020B0502040204020203" pitchFamily="34" charset="0"/>
+              </a:rPr>
+              <a:t>F5 Team</a:t>
+            </a:r>
+            <a:endParaRPr lang="hu-HU" dirty="0"/>
+          </a:p>
+        </p:txBody>
+      </p:sp>
+      <p:sp>
+        <p:nvSpPr>
+          <p:cNvPr id="4" name="Szövegdoboz 3">
+            <a:extLst>
+              <a:ext uri="{FF2B5EF4-FFF2-40B4-BE49-F238E27FC236}">
+                <a16:creationId xmlns:a16="http://schemas.microsoft.com/office/drawing/2014/main" id="{862F1D59-E9B3-407A-A03A-798EA7229EA8}"/>
+              </a:ext>
+            </a:extLst>
+          </p:cNvPr>
+          <p:cNvSpPr txBox="1"/>
+          <p:nvPr/>
+        </p:nvSpPr>
+        <p:spPr>
+          <a:xfrm>
+            <a:off x="521207" y="1431757"/>
+            <a:ext cx="7717119" cy="2862322"/>
+          </a:xfrm>
+          <a:prstGeom prst="rect">
+            <a:avLst/>
+          </a:prstGeom>
+          <a:noFill/>
+        </p:spPr>
+        <p:txBody>
+          <a:bodyPr wrap="square" rtlCol="0">
+            <a:spAutoFit/>
+          </a:bodyPr>
+          <a:lstStyle/>
+          <a:p>
+            <a:r>
+              <a:rPr lang="hu-HU" b="1" dirty="0"/>
+              <a:t>Hogyan dolgozunk</a:t>
+            </a:r>
+          </a:p>
+          <a:p>
+            <a:br>
+              <a:rPr lang="hu-HU" dirty="0"/>
+            </a:br>
+            <a:r>
+              <a:rPr lang="hu-HU" dirty="0"/>
+              <a:t>Minden nap kivívjuk ügyfeleink bizalmát azáltal, hogy átalakuló technológiákat szállítunk, amelyek biztosítják a vállalkozások és az emberek sikerét, biztonságát és jólétét világszerte.</a:t>
+            </a:r>
+          </a:p>
+          <a:p>
+            <a:r>
+              <a:rPr lang="hu-HU" dirty="0"/>
+              <a:t>Kiaknázzuk a partnerségek erejét a technológiai vezetőkből álló DXC ökoszisztémán keresztül . Az erősségeink és a szakértelem globális ötvözésével megoldásokat hozunk létre, és jobb eredményeket biztosítunk ügyfeleink számára a teljes IT-területükön.</a:t>
+            </a:r>
+          </a:p>
+          <a:p>
+            <a:endParaRPr lang="hu-HU" dirty="0"/>
+          </a:p>
+        </p:txBody>
+      </p:sp>
+      <p:pic>
+        <p:nvPicPr>
+          <p:cNvPr id="6" name="Kép 5">
+            <a:extLst>
+              <a:ext uri="{FF2B5EF4-FFF2-40B4-BE49-F238E27FC236}">
+                <a16:creationId xmlns:a16="http://schemas.microsoft.com/office/drawing/2014/main" id="{ADEB26C5-90C3-4C3A-BB7D-C68CDC9172BD}"/>
+              </a:ext>
+            </a:extLst>
+          </p:cNvPr>
+          <p:cNvPicPr>
+            <a:picLocks noChangeAspect="1"/>
+          </p:cNvPicPr>
+          <p:nvPr/>
+        </p:nvPicPr>
+        <p:blipFill>
+          <a:blip r:embed="rId2"/>
+          <a:stretch>
+            <a:fillRect/>
+          </a:stretch>
+        </p:blipFill>
+        <p:spPr>
+          <a:xfrm>
+            <a:off x="10864515" y="5541221"/>
+            <a:ext cx="1069307" cy="1064116"/>
+          </a:xfrm>
+          <a:prstGeom prst="rect">
+            <a:avLst/>
+          </a:prstGeom>
+        </p:spPr>
+      </p:pic>
+    </p:spTree>
+    <p:extLst>
+      <p:ext uri="{BB962C8B-B14F-4D97-AF65-F5344CB8AC3E}">
+        <p14:creationId xmlns:p14="http://schemas.microsoft.com/office/powerpoint/2010/main" val="3109527090"/>
+      </p:ext>
+    </p:extLst>
+  </p:cSld>
+  <p:clrMapOvr>
+    <a:masterClrMapping/>
+  </p:clrMapOvr>
+</p:sld>
+</file>
+
+<file path=ppt/slides/slide6.xml><?xml version="1.0" encoding="utf-8"?>
 <p:sld xmlns:a="http://schemas.openxmlformats.org/drawingml/2006/main" xmlns:r="http://schemas.openxmlformats.org/officeDocument/2006/relationships" xmlns:p="http://schemas.openxmlformats.org/presentationml/2006/main">
   <p:cSld>
     <p:spTree>
@@ -3780,7 +4584,7 @@
           <a:graphicData uri="http://schemas.openxmlformats.org/presentationml/2006/ole">
             <mc:AlternateContent xmlns:mc="http://schemas.openxmlformats.org/markup-compatibility/2006">
               <mc:Choice xmlns:v="urn:schemas-microsoft-com:vml" Requires="v">
-                <p:oleObj spid="_x0000_s1029" name="Document" r:id="rId4" imgW="5880988" imgH="8106644" progId="Word.Document.12">
+                <p:oleObj spid="_x0000_s1035" name="Document" r:id="rId4" imgW="5880988" imgH="8106644" progId="Word.Document.12">
                   <p:embed/>
                 </p:oleObj>
               </mc:Choice>
@@ -3860,171 +4664,12 @@
           </a:p>
         </p:txBody>
       </p:sp>
-      <p:sp>
-        <p:nvSpPr>
-          <p:cNvPr id="27" name="Cím 7">
-            <a:extLst>
-              <a:ext uri="{FF2B5EF4-FFF2-40B4-BE49-F238E27FC236}">
-                <a16:creationId xmlns:a16="http://schemas.microsoft.com/office/drawing/2014/main" id="{01967EBA-C5F6-4C9A-ADAA-D61B45148C2A}"/>
-              </a:ext>
-            </a:extLst>
-          </p:cNvPr>
-          <p:cNvSpPr txBox="1">
-            <a:spLocks/>
-          </p:cNvSpPr>
-          <p:nvPr/>
-        </p:nvSpPr>
-        <p:spPr>
-          <a:xfrm>
-            <a:off x="10785419" y="6014906"/>
-            <a:ext cx="1160491" cy="572784"/>
-          </a:xfrm>
-          <a:prstGeom prst="rect">
-            <a:avLst/>
-          </a:prstGeom>
-          <a:gradFill flip="none" rotWithShape="1">
-            <a:gsLst>
-              <a:gs pos="0">
-                <a:schemeClr val="accent2">
-                  <a:lumMod val="0"/>
-                  <a:lumOff val="100000"/>
-                </a:schemeClr>
-              </a:gs>
-              <a:gs pos="35000">
-                <a:schemeClr val="accent2">
-                  <a:lumMod val="0"/>
-                  <a:lumOff val="100000"/>
-                </a:schemeClr>
-              </a:gs>
-              <a:gs pos="100000">
-                <a:schemeClr val="accent2">
-                  <a:lumMod val="100000"/>
-                </a:schemeClr>
-              </a:gs>
-            </a:gsLst>
-            <a:path path="circle">
-              <a:fillToRect l="50000" t="-80000" r="50000" b="180000"/>
-            </a:path>
-            <a:tileRect/>
-          </a:gradFill>
-        </p:spPr>
-        <p:txBody>
-          <a:bodyPr vert="horz" lIns="91440" tIns="45720" rIns="91440" bIns="45720" rtlCol="0" anchor="b" anchorCtr="0">
-            <a:noAutofit/>
-          </a:bodyPr>
-          <a:lstStyle>
-            <a:lvl1pPr algn="l" defTabSz="914400" rtl="0" eaLnBrk="1" latinLnBrk="0" hangingPunct="1">
-              <a:spcBef>
-                <a:spcPct val="0"/>
-              </a:spcBef>
-              <a:buNone/>
-              <a:defRPr sz="2800" kern="1200">
-                <a:solidFill>
-                  <a:schemeClr val="tx1"/>
-                </a:solidFill>
-                <a:latin typeface="+mj-lt"/>
-                <a:ea typeface="+mj-ea"/>
-                <a:cs typeface="+mj-cs"/>
-              </a:defRPr>
-            </a:lvl1pPr>
-          </a:lstStyle>
-          <a:p>
-            <a:r>
-              <a:rPr lang="hu-HU" sz="3200" b="1" dirty="0">
-                <a:latin typeface="Segoe UI Light" panose="020B0502040204020203" pitchFamily="34" charset="0"/>
-                <a:cs typeface="Segoe UI Light" panose="020B0502040204020203" pitchFamily="34" charset="0"/>
-              </a:rPr>
-              <a:t>=F5= </a:t>
-            </a:r>
-          </a:p>
-        </p:txBody>
-      </p:sp>
-    </p:spTree>
-    <p:extLst>
-      <p:ext uri="{BB962C8B-B14F-4D97-AF65-F5344CB8AC3E}">
-        <p14:creationId xmlns:p14="http://schemas.microsoft.com/office/powerpoint/2010/main" val="1107001750"/>
-      </p:ext>
-    </p:extLst>
-  </p:cSld>
-  <p:clrMapOvr>
-    <a:masterClrMapping/>
-  </p:clrMapOvr>
-  <mc:AlternateContent xmlns:mc="http://schemas.openxmlformats.org/markup-compatibility/2006" xmlns:p14="http://schemas.microsoft.com/office/powerpoint/2010/main">
-    <mc:Choice Requires="p14">
-      <p:transition p14:dur="10"/>
-    </mc:Choice>
-    <mc:Fallback xmlns="">
-      <p:transition/>
-    </mc:Fallback>
-  </mc:AlternateContent>
-</p:sld>
-</file>
-
-<file path=ppt/slides/slide4.xml><?xml version="1.0" encoding="utf-8"?>
-<p:sld xmlns:a="http://schemas.openxmlformats.org/drawingml/2006/main" xmlns:r="http://schemas.openxmlformats.org/officeDocument/2006/relationships" xmlns:p="http://schemas.openxmlformats.org/presentationml/2006/main">
-  <p:cSld>
-    <p:spTree>
-      <p:nvGrpSpPr>
-        <p:cNvPr id="1" name=""/>
-        <p:cNvGrpSpPr/>
-        <p:nvPr/>
-      </p:nvGrpSpPr>
-      <p:grpSpPr>
-        <a:xfrm>
-          <a:off x="0" y="0"/>
-          <a:ext cx="0" cy="0"/>
-          <a:chOff x="0" y="0"/>
-          <a:chExt cx="0" cy="0"/>
-        </a:xfrm>
-      </p:grpSpPr>
-      <p:sp>
-        <p:nvSpPr>
-          <p:cNvPr id="3" name="Cím 2"/>
-          <p:cNvSpPr>
-            <a:spLocks noGrp="1"/>
-          </p:cNvSpPr>
-          <p:nvPr>
-            <p:ph type="title"/>
-          </p:nvPr>
-        </p:nvSpPr>
-        <p:spPr/>
-        <p:txBody>
-          <a:bodyPr rtlCol="0"/>
-          <a:lstStyle/>
-          <a:p>
-            <a:pPr>
-              <a:lnSpc>
-                <a:spcPts val="1800"/>
-              </a:lnSpc>
-              <a:spcBef>
-                <a:spcPts val="1000"/>
-              </a:spcBef>
-              <a:spcAft>
-                <a:spcPts val="600"/>
-              </a:spcAft>
-            </a:pPr>
-            <a:r>
-              <a:rPr lang="hu-HU" dirty="0">
-                <a:solidFill>
-                  <a:prstClr val="black">
-                    <a:lumMod val="75000"/>
-                    <a:lumOff val="25000"/>
-                  </a:prstClr>
-                </a:solidFill>
-                <a:latin typeface="Segoe UI" panose="020B0502040204020203" pitchFamily="34" charset="0"/>
-                <a:cs typeface="Segoe UI" panose="020B0502040204020203" pitchFamily="34" charset="0"/>
-              </a:rPr>
-              <a:t>Hálózati topológiák tervezése, kialakítása</a:t>
-            </a:r>
-          </a:p>
-        </p:txBody>
-      </p:sp>
       <p:pic>
         <p:nvPicPr>
           <p:cNvPr id="6" name="Kép 5">
             <a:extLst>
               <a:ext uri="{FF2B5EF4-FFF2-40B4-BE49-F238E27FC236}">
-                <a16:creationId xmlns:a16="http://schemas.microsoft.com/office/drawing/2014/main" id="{AEA2C8DC-C0ED-4F9F-9CE9-8E1A69004B03}"/>
+                <a16:creationId xmlns:a16="http://schemas.microsoft.com/office/drawing/2014/main" id="{469339A0-040B-4FE8-BA9E-E162E8FAC1E5}"/>
               </a:ext>
             </a:extLst>
           </p:cNvPr>
@@ -4034,548 +4679,25 @@
           <p:nvPr/>
         </p:nvPicPr>
         <p:blipFill>
-          <a:blip r:embed="rId3"/>
+          <a:blip r:embed="rId7"/>
           <a:stretch>
             <a:fillRect/>
           </a:stretch>
         </p:blipFill>
         <p:spPr>
           <a:xfrm>
-            <a:off x="521207" y="2011308"/>
-            <a:ext cx="2884172" cy="3697234"/>
+            <a:off x="10864515" y="5541221"/>
+            <a:ext cx="1069307" cy="1064116"/>
           </a:xfrm>
           <a:prstGeom prst="rect">
             <a:avLst/>
           </a:prstGeom>
         </p:spPr>
       </p:pic>
-      <p:pic>
-        <p:nvPicPr>
-          <p:cNvPr id="8" name="Kép 7">
-            <a:extLst>
-              <a:ext uri="{FF2B5EF4-FFF2-40B4-BE49-F238E27FC236}">
-                <a16:creationId xmlns:a16="http://schemas.microsoft.com/office/drawing/2014/main" id="{4170465E-5E20-4734-8A74-FE5CE3AE285C}"/>
-              </a:ext>
-            </a:extLst>
-          </p:cNvPr>
-          <p:cNvPicPr>
-            <a:picLocks noChangeAspect="1"/>
-          </p:cNvPicPr>
-          <p:nvPr/>
-        </p:nvPicPr>
-        <p:blipFill>
-          <a:blip r:embed="rId4"/>
-          <a:stretch>
-            <a:fillRect/>
-          </a:stretch>
-        </p:blipFill>
-        <p:spPr>
-          <a:xfrm>
-            <a:off x="4443282" y="2011308"/>
-            <a:ext cx="6922382" cy="3834136"/>
-          </a:xfrm>
-          <a:prstGeom prst="rect">
-            <a:avLst/>
-          </a:prstGeom>
-        </p:spPr>
-      </p:pic>
-      <p:sp>
-        <p:nvSpPr>
-          <p:cNvPr id="10" name="Cím 7">
-            <a:extLst>
-              <a:ext uri="{FF2B5EF4-FFF2-40B4-BE49-F238E27FC236}">
-                <a16:creationId xmlns:a16="http://schemas.microsoft.com/office/drawing/2014/main" id="{B23AFB62-4C8F-4A7A-8489-581BEBB430F9}"/>
-              </a:ext>
-            </a:extLst>
-          </p:cNvPr>
-          <p:cNvSpPr txBox="1">
-            <a:spLocks/>
-          </p:cNvSpPr>
-          <p:nvPr/>
-        </p:nvSpPr>
-        <p:spPr>
-          <a:xfrm>
-            <a:off x="10785419" y="6014906"/>
-            <a:ext cx="1160491" cy="572784"/>
-          </a:xfrm>
-          <a:prstGeom prst="rect">
-            <a:avLst/>
-          </a:prstGeom>
-          <a:gradFill flip="none" rotWithShape="1">
-            <a:gsLst>
-              <a:gs pos="0">
-                <a:schemeClr val="accent2">
-                  <a:lumMod val="0"/>
-                  <a:lumOff val="100000"/>
-                </a:schemeClr>
-              </a:gs>
-              <a:gs pos="35000">
-                <a:schemeClr val="accent2">
-                  <a:lumMod val="0"/>
-                  <a:lumOff val="100000"/>
-                </a:schemeClr>
-              </a:gs>
-              <a:gs pos="100000">
-                <a:schemeClr val="accent2">
-                  <a:lumMod val="100000"/>
-                </a:schemeClr>
-              </a:gs>
-            </a:gsLst>
-            <a:path path="circle">
-              <a:fillToRect l="50000" t="-80000" r="50000" b="180000"/>
-            </a:path>
-            <a:tileRect/>
-          </a:gradFill>
-        </p:spPr>
-        <p:txBody>
-          <a:bodyPr vert="horz" lIns="91440" tIns="45720" rIns="91440" bIns="45720" rtlCol="0" anchor="b" anchorCtr="0">
-            <a:noAutofit/>
-          </a:bodyPr>
-          <a:lstStyle>
-            <a:lvl1pPr algn="l" defTabSz="914400" rtl="0" eaLnBrk="1" latinLnBrk="0" hangingPunct="1">
-              <a:spcBef>
-                <a:spcPct val="0"/>
-              </a:spcBef>
-              <a:buNone/>
-              <a:defRPr sz="2800" kern="1200">
-                <a:solidFill>
-                  <a:schemeClr val="tx1"/>
-                </a:solidFill>
-                <a:latin typeface="+mj-lt"/>
-                <a:ea typeface="+mj-ea"/>
-                <a:cs typeface="+mj-cs"/>
-              </a:defRPr>
-            </a:lvl1pPr>
-          </a:lstStyle>
-          <a:p>
-            <a:r>
-              <a:rPr lang="hu-HU" sz="3200" b="1" dirty="0">
-                <a:latin typeface="Segoe UI Light" panose="020B0502040204020203" pitchFamily="34" charset="0"/>
-                <a:cs typeface="Segoe UI Light" panose="020B0502040204020203" pitchFamily="34" charset="0"/>
-              </a:rPr>
-              <a:t>=F5= </a:t>
-            </a:r>
-          </a:p>
-        </p:txBody>
-      </p:sp>
     </p:spTree>
     <p:extLst>
       <p:ext uri="{BB962C8B-B14F-4D97-AF65-F5344CB8AC3E}">
-        <p14:creationId xmlns:p14="http://schemas.microsoft.com/office/powerpoint/2010/main" val="958036878"/>
-      </p:ext>
-    </p:extLst>
-  </p:cSld>
-  <p:clrMapOvr>
-    <a:masterClrMapping/>
-  </p:clrMapOvr>
-  <mc:AlternateContent xmlns:mc="http://schemas.openxmlformats.org/markup-compatibility/2006" xmlns:p14="http://schemas.microsoft.com/office/powerpoint/2010/main">
-    <mc:Choice Requires="p14">
-      <p:transition p14:dur="10"/>
-    </mc:Choice>
-    <mc:Fallback xmlns="">
-      <p:transition/>
-    </mc:Fallback>
-  </mc:AlternateContent>
-</p:sld>
-</file>
-
-<file path=ppt/slides/slide5.xml><?xml version="1.0" encoding="utf-8"?>
-<p:sld xmlns:a="http://schemas.openxmlformats.org/drawingml/2006/main" xmlns:r="http://schemas.openxmlformats.org/officeDocument/2006/relationships" xmlns:p="http://schemas.openxmlformats.org/presentationml/2006/main">
-  <p:cSld>
-    <p:spTree>
-      <p:nvGrpSpPr>
-        <p:cNvPr id="1" name=""/>
-        <p:cNvGrpSpPr/>
-        <p:nvPr/>
-      </p:nvGrpSpPr>
-      <p:grpSpPr>
-        <a:xfrm>
-          <a:off x="0" y="0"/>
-          <a:ext cx="0" cy="0"/>
-          <a:chOff x="0" y="0"/>
-          <a:chExt cx="0" cy="0"/>
-        </a:xfrm>
-      </p:grpSpPr>
-      <p:sp>
-        <p:nvSpPr>
-          <p:cNvPr id="3" name="Cím 2"/>
-          <p:cNvSpPr>
-            <a:spLocks noGrp="1"/>
-          </p:cNvSpPr>
-          <p:nvPr>
-            <p:ph type="title"/>
-          </p:nvPr>
-        </p:nvSpPr>
-        <p:spPr>
-          <a:xfrm>
-            <a:off x="567702" y="479052"/>
-            <a:ext cx="6877119" cy="640080"/>
-          </a:xfrm>
-        </p:spPr>
-        <p:txBody>
-          <a:bodyPr rtlCol="0"/>
-          <a:lstStyle/>
-          <a:p>
-            <a:pPr rtl="0"/>
-            <a:r>
-              <a:rPr lang="hu-HU" dirty="0"/>
-              <a:t>Ajánlat készítés</a:t>
-            </a:r>
-          </a:p>
-        </p:txBody>
-      </p:sp>
-      <p:sp>
-        <p:nvSpPr>
-          <p:cNvPr id="7" name="Szövegdoboz 6">
-            <a:extLst>
-              <a:ext uri="{FF2B5EF4-FFF2-40B4-BE49-F238E27FC236}">
-                <a16:creationId xmlns:a16="http://schemas.microsoft.com/office/drawing/2014/main" id="{D62BCE41-A34F-41D4-BAD2-E566C50E9041}"/>
-              </a:ext>
-            </a:extLst>
-          </p:cNvPr>
-          <p:cNvSpPr txBox="1"/>
-          <p:nvPr/>
-        </p:nvSpPr>
-        <p:spPr>
-          <a:xfrm>
-            <a:off x="567702" y="1410345"/>
-            <a:ext cx="4658327" cy="369332"/>
-          </a:xfrm>
-          <a:prstGeom prst="rect">
-            <a:avLst/>
-          </a:prstGeom>
-          <a:noFill/>
-        </p:spPr>
-        <p:txBody>
-          <a:bodyPr wrap="none" rtlCol="0">
-            <a:spAutoFit/>
-          </a:bodyPr>
-          <a:lstStyle/>
-          <a:p>
-            <a:r>
-              <a:rPr lang="hu-HU" dirty="0"/>
-              <a:t>Ajánlat elérés: </a:t>
-            </a:r>
-            <a:r>
-              <a:rPr lang="hu-HU" dirty="0">
-                <a:hlinkClick r:id="rId3"/>
-              </a:rPr>
-              <a:t>https://trello.com/c/HjOZIayC</a:t>
-            </a:r>
-            <a:endParaRPr lang="hu-HU" dirty="0"/>
-          </a:p>
-        </p:txBody>
-      </p:sp>
-      <p:pic>
-        <p:nvPicPr>
-          <p:cNvPr id="9" name="Kép 8">
-            <a:extLst>
-              <a:ext uri="{FF2B5EF4-FFF2-40B4-BE49-F238E27FC236}">
-                <a16:creationId xmlns:a16="http://schemas.microsoft.com/office/drawing/2014/main" id="{4FBDA081-E6F0-423A-B3CD-589EA2548F65}"/>
-              </a:ext>
-            </a:extLst>
-          </p:cNvPr>
-          <p:cNvPicPr>
-            <a:picLocks noChangeAspect="1"/>
-          </p:cNvPicPr>
-          <p:nvPr/>
-        </p:nvPicPr>
-        <p:blipFill>
-          <a:blip r:embed="rId4"/>
-          <a:stretch>
-            <a:fillRect/>
-          </a:stretch>
-        </p:blipFill>
-        <p:spPr>
-          <a:xfrm>
-            <a:off x="971292" y="2182861"/>
-            <a:ext cx="4254737" cy="2621222"/>
-          </a:xfrm>
-          <a:prstGeom prst="rect">
-            <a:avLst/>
-          </a:prstGeom>
-        </p:spPr>
-      </p:pic>
-      <p:pic>
-        <p:nvPicPr>
-          <p:cNvPr id="12" name="Kép 11">
-            <a:extLst>
-              <a:ext uri="{FF2B5EF4-FFF2-40B4-BE49-F238E27FC236}">
-                <a16:creationId xmlns:a16="http://schemas.microsoft.com/office/drawing/2014/main" id="{45274234-1DCF-4155-AF37-C67AB03A9B74}"/>
-              </a:ext>
-            </a:extLst>
-          </p:cNvPr>
-          <p:cNvPicPr>
-            <a:picLocks noChangeAspect="1"/>
-          </p:cNvPicPr>
-          <p:nvPr/>
-        </p:nvPicPr>
-        <p:blipFill>
-          <a:blip r:embed="rId5"/>
-          <a:stretch>
-            <a:fillRect/>
-          </a:stretch>
-        </p:blipFill>
-        <p:spPr>
-          <a:xfrm>
-            <a:off x="7082793" y="479052"/>
-            <a:ext cx="3006353" cy="6028841"/>
-          </a:xfrm>
-          <a:prstGeom prst="rect">
-            <a:avLst/>
-          </a:prstGeom>
-        </p:spPr>
-      </p:pic>
-      <p:sp>
-        <p:nvSpPr>
-          <p:cNvPr id="31" name="Cím 7">
-            <a:extLst>
-              <a:ext uri="{FF2B5EF4-FFF2-40B4-BE49-F238E27FC236}">
-                <a16:creationId xmlns:a16="http://schemas.microsoft.com/office/drawing/2014/main" id="{4E1BC7E0-5C40-448E-AF2E-D9E9862AE5B3}"/>
-              </a:ext>
-            </a:extLst>
-          </p:cNvPr>
-          <p:cNvSpPr txBox="1">
-            <a:spLocks/>
-          </p:cNvSpPr>
-          <p:nvPr/>
-        </p:nvSpPr>
-        <p:spPr>
-          <a:xfrm>
-            <a:off x="10785419" y="6014906"/>
-            <a:ext cx="1160491" cy="572784"/>
-          </a:xfrm>
-          <a:prstGeom prst="rect">
-            <a:avLst/>
-          </a:prstGeom>
-          <a:gradFill flip="none" rotWithShape="1">
-            <a:gsLst>
-              <a:gs pos="0">
-                <a:schemeClr val="accent2">
-                  <a:lumMod val="0"/>
-                  <a:lumOff val="100000"/>
-                </a:schemeClr>
-              </a:gs>
-              <a:gs pos="35000">
-                <a:schemeClr val="accent2">
-                  <a:lumMod val="0"/>
-                  <a:lumOff val="100000"/>
-                </a:schemeClr>
-              </a:gs>
-              <a:gs pos="100000">
-                <a:schemeClr val="accent2">
-                  <a:lumMod val="100000"/>
-                </a:schemeClr>
-              </a:gs>
-            </a:gsLst>
-            <a:path path="circle">
-              <a:fillToRect l="50000" t="-80000" r="50000" b="180000"/>
-            </a:path>
-            <a:tileRect/>
-          </a:gradFill>
-        </p:spPr>
-        <p:txBody>
-          <a:bodyPr vert="horz" lIns="91440" tIns="45720" rIns="91440" bIns="45720" rtlCol="0" anchor="b" anchorCtr="0">
-            <a:noAutofit/>
-          </a:bodyPr>
-          <a:lstStyle>
-            <a:lvl1pPr algn="l" defTabSz="914400" rtl="0" eaLnBrk="1" latinLnBrk="0" hangingPunct="1">
-              <a:spcBef>
-                <a:spcPct val="0"/>
-              </a:spcBef>
-              <a:buNone/>
-              <a:defRPr sz="2800" kern="1200">
-                <a:solidFill>
-                  <a:schemeClr val="tx1"/>
-                </a:solidFill>
-                <a:latin typeface="+mj-lt"/>
-                <a:ea typeface="+mj-ea"/>
-                <a:cs typeface="+mj-cs"/>
-              </a:defRPr>
-            </a:lvl1pPr>
-          </a:lstStyle>
-          <a:p>
-            <a:r>
-              <a:rPr lang="hu-HU" sz="3200" b="1" dirty="0">
-                <a:latin typeface="Segoe UI Light" panose="020B0502040204020203" pitchFamily="34" charset="0"/>
-                <a:cs typeface="Segoe UI Light" panose="020B0502040204020203" pitchFamily="34" charset="0"/>
-              </a:rPr>
-              <a:t>=F5= </a:t>
-            </a:r>
-          </a:p>
-        </p:txBody>
-      </p:sp>
-    </p:spTree>
-    <p:extLst>
-      <p:ext uri="{BB962C8B-B14F-4D97-AF65-F5344CB8AC3E}">
-        <p14:creationId xmlns:p14="http://schemas.microsoft.com/office/powerpoint/2010/main" val="2596833607"/>
-      </p:ext>
-    </p:extLst>
-  </p:cSld>
-  <p:clrMapOvr>
-    <a:masterClrMapping/>
-  </p:clrMapOvr>
-</p:sld>
-</file>
-
-<file path=ppt/slides/slide6.xml><?xml version="1.0" encoding="utf-8"?>
-<p:sld xmlns:a="http://schemas.openxmlformats.org/drawingml/2006/main" xmlns:r="http://schemas.openxmlformats.org/officeDocument/2006/relationships" xmlns:p="http://schemas.openxmlformats.org/presentationml/2006/main">
-  <p:cSld>
-    <p:spTree>
-      <p:nvGrpSpPr>
-        <p:cNvPr id="1" name=""/>
-        <p:cNvGrpSpPr/>
-        <p:nvPr/>
-      </p:nvGrpSpPr>
-      <p:grpSpPr>
-        <a:xfrm>
-          <a:off x="0" y="0"/>
-          <a:ext cx="0" cy="0"/>
-          <a:chOff x="0" y="0"/>
-          <a:chExt cx="0" cy="0"/>
-        </a:xfrm>
-      </p:grpSpPr>
-      <p:sp>
-        <p:nvSpPr>
-          <p:cNvPr id="2" name="Cím 1"/>
-          <p:cNvSpPr>
-            <a:spLocks noGrp="1"/>
-          </p:cNvSpPr>
-          <p:nvPr>
-            <p:ph type="title"/>
-          </p:nvPr>
-        </p:nvSpPr>
-        <p:spPr/>
-        <p:txBody>
-          <a:bodyPr rtlCol="0">
-            <a:normAutofit/>
-          </a:bodyPr>
-          <a:lstStyle/>
-          <a:p>
-            <a:pPr lvl="0" rtl="0"/>
-            <a:r>
-              <a:rPr lang="hu-HU" dirty="0">
-                <a:latin typeface="Segoe UI Light" panose="020B0502040204020203" pitchFamily="34" charset="0"/>
-                <a:cs typeface="Segoe UI Light" panose="020B0502040204020203" pitchFamily="34" charset="0"/>
-              </a:rPr>
-              <a:t>Mérföldkövek</a:t>
-            </a:r>
-          </a:p>
-        </p:txBody>
-      </p:sp>
-      <p:pic>
-        <p:nvPicPr>
-          <p:cNvPr id="3" name="Kép 2">
-            <a:extLst>
-              <a:ext uri="{FF2B5EF4-FFF2-40B4-BE49-F238E27FC236}">
-                <a16:creationId xmlns:a16="http://schemas.microsoft.com/office/drawing/2014/main" id="{826D7C6C-2660-462B-B6A3-3921D10502F4}"/>
-              </a:ext>
-            </a:extLst>
-          </p:cNvPr>
-          <p:cNvPicPr>
-            <a:picLocks noChangeAspect="1"/>
-          </p:cNvPicPr>
-          <p:nvPr/>
-        </p:nvPicPr>
-        <p:blipFill>
-          <a:blip r:embed="rId3"/>
-          <a:stretch>
-            <a:fillRect/>
-          </a:stretch>
-        </p:blipFill>
-        <p:spPr>
-          <a:xfrm>
-            <a:off x="521207" y="1530960"/>
-            <a:ext cx="5293439" cy="2014922"/>
-          </a:xfrm>
-          <a:prstGeom prst="rect">
-            <a:avLst/>
-          </a:prstGeom>
-        </p:spPr>
-      </p:pic>
-      <p:sp>
-        <p:nvSpPr>
-          <p:cNvPr id="21" name="Cím 7">
-            <a:extLst>
-              <a:ext uri="{FF2B5EF4-FFF2-40B4-BE49-F238E27FC236}">
-                <a16:creationId xmlns:a16="http://schemas.microsoft.com/office/drawing/2014/main" id="{1CB5BB10-2212-4886-AA41-7A1573A6AAB9}"/>
-              </a:ext>
-            </a:extLst>
-          </p:cNvPr>
-          <p:cNvSpPr txBox="1">
-            <a:spLocks/>
-          </p:cNvSpPr>
-          <p:nvPr/>
-        </p:nvSpPr>
-        <p:spPr>
-          <a:xfrm>
-            <a:off x="10785419" y="6014906"/>
-            <a:ext cx="1160491" cy="572784"/>
-          </a:xfrm>
-          <a:prstGeom prst="rect">
-            <a:avLst/>
-          </a:prstGeom>
-          <a:gradFill flip="none" rotWithShape="1">
-            <a:gsLst>
-              <a:gs pos="0">
-                <a:schemeClr val="accent2">
-                  <a:lumMod val="0"/>
-                  <a:lumOff val="100000"/>
-                </a:schemeClr>
-              </a:gs>
-              <a:gs pos="35000">
-                <a:schemeClr val="accent2">
-                  <a:lumMod val="0"/>
-                  <a:lumOff val="100000"/>
-                </a:schemeClr>
-              </a:gs>
-              <a:gs pos="100000">
-                <a:schemeClr val="accent2">
-                  <a:lumMod val="100000"/>
-                </a:schemeClr>
-              </a:gs>
-            </a:gsLst>
-            <a:path path="circle">
-              <a:fillToRect l="50000" t="-80000" r="50000" b="180000"/>
-            </a:path>
-            <a:tileRect/>
-          </a:gradFill>
-        </p:spPr>
-        <p:txBody>
-          <a:bodyPr vert="horz" lIns="91440" tIns="45720" rIns="91440" bIns="45720" rtlCol="0" anchor="b" anchorCtr="0">
-            <a:noAutofit/>
-          </a:bodyPr>
-          <a:lstStyle>
-            <a:lvl1pPr algn="l" defTabSz="914400" rtl="0" eaLnBrk="1" latinLnBrk="0" hangingPunct="1">
-              <a:spcBef>
-                <a:spcPct val="0"/>
-              </a:spcBef>
-              <a:buNone/>
-              <a:defRPr sz="2800" kern="1200">
-                <a:solidFill>
-                  <a:schemeClr val="tx1"/>
-                </a:solidFill>
-                <a:latin typeface="+mj-lt"/>
-                <a:ea typeface="+mj-ea"/>
-                <a:cs typeface="+mj-cs"/>
-              </a:defRPr>
-            </a:lvl1pPr>
-          </a:lstStyle>
-          <a:p>
-            <a:r>
-              <a:rPr lang="hu-HU" sz="3200" b="1" dirty="0">
-                <a:latin typeface="Segoe UI Light" panose="020B0502040204020203" pitchFamily="34" charset="0"/>
-                <a:cs typeface="Segoe UI Light" panose="020B0502040204020203" pitchFamily="34" charset="0"/>
-              </a:rPr>
-              <a:t>=F5= </a:t>
-            </a:r>
-          </a:p>
-        </p:txBody>
-      </p:sp>
-    </p:spTree>
-    <p:extLst>
-      <p:ext uri="{BB962C8B-B14F-4D97-AF65-F5344CB8AC3E}">
-        <p14:creationId xmlns:p14="http://schemas.microsoft.com/office/powerpoint/2010/main" val="1328676004"/>
+        <p14:creationId xmlns:p14="http://schemas.microsoft.com/office/powerpoint/2010/main" val="1107001750"/>
       </p:ext>
     </p:extLst>
   </p:cSld>
@@ -4612,7 +4734,7 @@
       </p:grpSpPr>
       <p:sp>
         <p:nvSpPr>
-          <p:cNvPr id="10" name="Cím 9"/>
+          <p:cNvPr id="3" name="Cím 2"/>
           <p:cNvSpPr>
             <a:spLocks noGrp="1"/>
           </p:cNvSpPr>
@@ -4620,130 +4742,443 @@
             <p:ph type="title"/>
           </p:nvPr>
         </p:nvSpPr>
-        <p:spPr>
-          <a:xfrm>
-            <a:off x="521208" y="1536192"/>
-            <a:ext cx="8750808" cy="640080"/>
-          </a:xfrm>
-        </p:spPr>
-        <p:txBody>
-          <a:bodyPr rtlCol="0">
-            <a:normAutofit/>
-          </a:bodyPr>
+        <p:spPr/>
+        <p:txBody>
+          <a:bodyPr rtlCol="0"/>
           <a:lstStyle/>
           <a:p>
-            <a:pPr algn="ctr" rtl="0"/>
+            <a:pPr>
+              <a:lnSpc>
+                <a:spcPts val="1800"/>
+              </a:lnSpc>
+              <a:spcBef>
+                <a:spcPts val="1000"/>
+              </a:spcBef>
+              <a:spcAft>
+                <a:spcPts val="600"/>
+              </a:spcAft>
+            </a:pPr>
             <a:r>
               <a:rPr lang="hu-HU" dirty="0">
-                <a:latin typeface="Segoe UI Light" panose="020B0502040204020203" pitchFamily="34" charset="0"/>
-                <a:cs typeface="Segoe UI Light" panose="020B0502040204020203" pitchFamily="34" charset="0"/>
+                <a:solidFill>
+                  <a:prstClr val="black">
+                    <a:lumMod val="75000"/>
+                    <a:lumOff val="25000"/>
+                  </a:prstClr>
+                </a:solidFill>
+                <a:latin typeface="Segoe UI" panose="020B0502040204020203" pitchFamily="34" charset="0"/>
+                <a:cs typeface="Segoe UI" panose="020B0502040204020203" pitchFamily="34" charset="0"/>
               </a:rPr>
-              <a:t>Q&amp;A</a:t>
-            </a:r>
-          </a:p>
-        </p:txBody>
-      </p:sp>
-      <p:sp>
-        <p:nvSpPr>
-          <p:cNvPr id="12" name="Cím 7">
+              <a:t>Hálózati topológiák tervezése, kialakítása</a:t>
+            </a:r>
+          </a:p>
+        </p:txBody>
+      </p:sp>
+      <p:pic>
+        <p:nvPicPr>
+          <p:cNvPr id="6" name="Kép 5">
             <a:extLst>
               <a:ext uri="{FF2B5EF4-FFF2-40B4-BE49-F238E27FC236}">
-                <a16:creationId xmlns:a16="http://schemas.microsoft.com/office/drawing/2014/main" id="{6B10CD58-C354-429E-AC97-835F0C515855}"/>
+                <a16:creationId xmlns:a16="http://schemas.microsoft.com/office/drawing/2014/main" id="{AEA2C8DC-C0ED-4F9F-9CE9-8E1A69004B03}"/>
               </a:ext>
             </a:extLst>
           </p:cNvPr>
-          <p:cNvSpPr txBox="1">
-            <a:spLocks/>
-          </p:cNvSpPr>
+          <p:cNvPicPr>
+            <a:picLocks noChangeAspect="1"/>
+          </p:cNvPicPr>
           <p:nvPr/>
-        </p:nvSpPr>
-        <p:spPr>
-          <a:xfrm>
-            <a:off x="10785419" y="6014906"/>
-            <a:ext cx="1160491" cy="572784"/>
+        </p:nvPicPr>
+        <p:blipFill>
+          <a:blip r:embed="rId3"/>
+          <a:stretch>
+            <a:fillRect/>
+          </a:stretch>
+        </p:blipFill>
+        <p:spPr>
+          <a:xfrm>
+            <a:off x="521207" y="2011308"/>
+            <a:ext cx="2884172" cy="3697234"/>
           </a:xfrm>
           <a:prstGeom prst="rect">
             <a:avLst/>
           </a:prstGeom>
-          <a:gradFill flip="none" rotWithShape="1">
-            <a:gsLst>
-              <a:gs pos="0">
-                <a:schemeClr val="accent2">
-                  <a:lumMod val="0"/>
-                  <a:lumOff val="100000"/>
-                </a:schemeClr>
-              </a:gs>
-              <a:gs pos="35000">
-                <a:schemeClr val="accent2">
-                  <a:lumMod val="0"/>
-                  <a:lumOff val="100000"/>
-                </a:schemeClr>
-              </a:gs>
-              <a:gs pos="100000">
-                <a:schemeClr val="accent2">
-                  <a:lumMod val="100000"/>
-                </a:schemeClr>
-              </a:gs>
-            </a:gsLst>
-            <a:path path="circle">
-              <a:fillToRect l="50000" t="-80000" r="50000" b="180000"/>
-            </a:path>
-            <a:tileRect/>
-          </a:gradFill>
-        </p:spPr>
-        <p:txBody>
-          <a:bodyPr vert="horz" lIns="91440" tIns="45720" rIns="91440" bIns="45720" rtlCol="0" anchor="b" anchorCtr="0">
-            <a:noAutofit/>
-          </a:bodyPr>
-          <a:lstStyle>
-            <a:lvl1pPr algn="l" defTabSz="914400" rtl="0" eaLnBrk="1" latinLnBrk="0" hangingPunct="1">
-              <a:spcBef>
-                <a:spcPct val="0"/>
-              </a:spcBef>
-              <a:buNone/>
-              <a:defRPr sz="2800" kern="1200">
-                <a:solidFill>
-                  <a:schemeClr val="tx1"/>
-                </a:solidFill>
-                <a:latin typeface="+mj-lt"/>
-                <a:ea typeface="+mj-ea"/>
-                <a:cs typeface="+mj-cs"/>
-              </a:defRPr>
-            </a:lvl1pPr>
-          </a:lstStyle>
-          <a:p>
-            <a:r>
-              <a:rPr lang="hu-HU" sz="3200" b="1" dirty="0">
-                <a:latin typeface="Segoe UI Light" panose="020B0502040204020203" pitchFamily="34" charset="0"/>
-                <a:cs typeface="Segoe UI Light" panose="020B0502040204020203" pitchFamily="34" charset="0"/>
-              </a:rPr>
-              <a:t>=F5= </a:t>
-            </a:r>
-          </a:p>
-        </p:txBody>
-      </p:sp>
+        </p:spPr>
+      </p:pic>
+      <p:pic>
+        <p:nvPicPr>
+          <p:cNvPr id="8" name="Kép 7">
+            <a:extLst>
+              <a:ext uri="{FF2B5EF4-FFF2-40B4-BE49-F238E27FC236}">
+                <a16:creationId xmlns:a16="http://schemas.microsoft.com/office/drawing/2014/main" id="{4170465E-5E20-4734-8A74-FE5CE3AE285C}"/>
+              </a:ext>
+            </a:extLst>
+          </p:cNvPr>
+          <p:cNvPicPr>
+            <a:picLocks noChangeAspect="1"/>
+          </p:cNvPicPr>
+          <p:nvPr/>
+        </p:nvPicPr>
+        <p:blipFill>
+          <a:blip r:embed="rId4"/>
+          <a:stretch>
+            <a:fillRect/>
+          </a:stretch>
+        </p:blipFill>
+        <p:spPr>
+          <a:xfrm>
+            <a:off x="4443282" y="2011308"/>
+            <a:ext cx="6922382" cy="3834136"/>
+          </a:xfrm>
+          <a:prstGeom prst="rect">
+            <a:avLst/>
+          </a:prstGeom>
+        </p:spPr>
+      </p:pic>
+      <p:pic>
+        <p:nvPicPr>
+          <p:cNvPr id="7" name="Kép 6">
+            <a:extLst>
+              <a:ext uri="{FF2B5EF4-FFF2-40B4-BE49-F238E27FC236}">
+                <a16:creationId xmlns:a16="http://schemas.microsoft.com/office/drawing/2014/main" id="{0129B06B-03A0-4692-BE91-EC25EE9C9C06}"/>
+              </a:ext>
+            </a:extLst>
+          </p:cNvPr>
+          <p:cNvPicPr>
+            <a:picLocks noChangeAspect="1"/>
+          </p:cNvPicPr>
+          <p:nvPr/>
+        </p:nvPicPr>
+        <p:blipFill>
+          <a:blip r:embed="rId5"/>
+          <a:stretch>
+            <a:fillRect/>
+          </a:stretch>
+        </p:blipFill>
+        <p:spPr>
+          <a:xfrm>
+            <a:off x="10864515" y="5541221"/>
+            <a:ext cx="1069307" cy="1064116"/>
+          </a:xfrm>
+          <a:prstGeom prst="rect">
+            <a:avLst/>
+          </a:prstGeom>
+        </p:spPr>
+      </p:pic>
     </p:spTree>
     <p:extLst>
       <p:ext uri="{BB962C8B-B14F-4D97-AF65-F5344CB8AC3E}">
-        <p14:creationId xmlns:p14="http://schemas.microsoft.com/office/powerpoint/2010/main" val="893025881"/>
+        <p14:creationId xmlns:p14="http://schemas.microsoft.com/office/powerpoint/2010/main" val="958036878"/>
       </p:ext>
     </p:extLst>
   </p:cSld>
   <p:clrMapOvr>
     <a:masterClrMapping/>
   </p:clrMapOvr>
-  <mc:AlternateContent xmlns:mc="http://schemas.openxmlformats.org/markup-compatibility/2006" xmlns:p15="http://schemas.microsoft.com/office/powerpoint/2012/main">
-    <mc:Choice Requires="p15">
-      <p:transition xmlns:p14="http://schemas.microsoft.com/office/powerpoint/2010/main" spd="slow" p14:dur="2000">
-        <p15:prstTrans prst="drape"/>
-      </p:transition>
+  <mc:AlternateContent xmlns:mc="http://schemas.openxmlformats.org/markup-compatibility/2006" xmlns:p14="http://schemas.microsoft.com/office/powerpoint/2010/main">
+    <mc:Choice Requires="p14">
+      <p:transition p14:dur="10"/>
     </mc:Choice>
     <mc:Fallback xmlns="">
-      <p:transition xmlns:p14="http://schemas.microsoft.com/office/powerpoint/2010/main" spd="slow">
-        <p:fade/>
-      </p:transition>
+      <p:transition/>
     </mc:Fallback>
   </mc:AlternateContent>
+</p:sld>
+</file>
+
+<file path=ppt/slides/slide8.xml><?xml version="1.0" encoding="utf-8"?>
+<p:sld xmlns:a="http://schemas.openxmlformats.org/drawingml/2006/main" xmlns:r="http://schemas.openxmlformats.org/officeDocument/2006/relationships" xmlns:p="http://schemas.openxmlformats.org/presentationml/2006/main">
+  <p:cSld>
+    <p:spTree>
+      <p:nvGrpSpPr>
+        <p:cNvPr id="1" name=""/>
+        <p:cNvGrpSpPr/>
+        <p:nvPr/>
+      </p:nvGrpSpPr>
+      <p:grpSpPr>
+        <a:xfrm>
+          <a:off x="0" y="0"/>
+          <a:ext cx="0" cy="0"/>
+          <a:chOff x="0" y="0"/>
+          <a:chExt cx="0" cy="0"/>
+        </a:xfrm>
+      </p:grpSpPr>
+      <p:sp>
+        <p:nvSpPr>
+          <p:cNvPr id="2" name="Cím 1">
+            <a:extLst>
+              <a:ext uri="{FF2B5EF4-FFF2-40B4-BE49-F238E27FC236}">
+                <a16:creationId xmlns:a16="http://schemas.microsoft.com/office/drawing/2014/main" id="{A365B713-24DA-4AB5-A2C9-59E6F948EBB9}"/>
+              </a:ext>
+            </a:extLst>
+          </p:cNvPr>
+          <p:cNvSpPr>
+            <a:spLocks noGrp="1"/>
+          </p:cNvSpPr>
+          <p:nvPr>
+            <p:ph type="title"/>
+          </p:nvPr>
+        </p:nvSpPr>
+        <p:spPr/>
+        <p:txBody>
+          <a:bodyPr/>
+          <a:lstStyle/>
+          <a:p>
+            <a:r>
+              <a:rPr lang="hu-HU" b="1" dirty="0"/>
+              <a:t>Hálózat tervezés</a:t>
+            </a:r>
+          </a:p>
+        </p:txBody>
+      </p:sp>
+      <p:pic>
+        <p:nvPicPr>
+          <p:cNvPr id="4" name="Kép 3">
+            <a:extLst>
+              <a:ext uri="{FF2B5EF4-FFF2-40B4-BE49-F238E27FC236}">
+                <a16:creationId xmlns:a16="http://schemas.microsoft.com/office/drawing/2014/main" id="{39DFB65B-BA5E-4189-B1A8-652C71A4E500}"/>
+              </a:ext>
+            </a:extLst>
+          </p:cNvPr>
+          <p:cNvPicPr>
+            <a:picLocks noChangeAspect="1"/>
+          </p:cNvPicPr>
+          <p:nvPr/>
+        </p:nvPicPr>
+        <p:blipFill>
+          <a:blip r:embed="rId2"/>
+          <a:stretch>
+            <a:fillRect/>
+          </a:stretch>
+        </p:blipFill>
+        <p:spPr>
+          <a:xfrm>
+            <a:off x="6970133" y="1417717"/>
+            <a:ext cx="3894382" cy="4992227"/>
+          </a:xfrm>
+          <a:prstGeom prst="rect">
+            <a:avLst/>
+          </a:prstGeom>
+        </p:spPr>
+      </p:pic>
+      <p:sp>
+        <p:nvSpPr>
+          <p:cNvPr id="5" name="Szövegdoboz 4">
+            <a:extLst>
+              <a:ext uri="{FF2B5EF4-FFF2-40B4-BE49-F238E27FC236}">
+                <a16:creationId xmlns:a16="http://schemas.microsoft.com/office/drawing/2014/main" id="{C0462768-9C8F-4DD5-99EE-702EB660AEB3}"/>
+              </a:ext>
+            </a:extLst>
+          </p:cNvPr>
+          <p:cNvSpPr txBox="1"/>
+          <p:nvPr/>
+        </p:nvSpPr>
+        <p:spPr>
+          <a:xfrm>
+            <a:off x="441486" y="1540042"/>
+            <a:ext cx="6151819" cy="2308324"/>
+          </a:xfrm>
+          <a:prstGeom prst="rect">
+            <a:avLst/>
+          </a:prstGeom>
+          <a:noFill/>
+        </p:spPr>
+        <p:txBody>
+          <a:bodyPr wrap="square" rtlCol="0">
+            <a:spAutoFit/>
+          </a:bodyPr>
+          <a:lstStyle/>
+          <a:p>
+            <a:r>
+              <a:rPr lang="hu-HU" dirty="0"/>
+              <a:t>Állomások kialakításánál figyelembe vettük az iroda kialakítását.</a:t>
+            </a:r>
+          </a:p>
+          <a:p>
+            <a:endParaRPr lang="hu-HU" dirty="0"/>
+          </a:p>
+          <a:p>
+            <a:r>
+              <a:rPr lang="hu-HU" dirty="0"/>
+              <a:t>Ennek megfelelőn 3 asztali számítógépet és egy laptopot helyeztünk el, valamint egy multifunkciós nyomtatót.</a:t>
+            </a:r>
+          </a:p>
+          <a:p>
+            <a:endParaRPr lang="hu-HU" dirty="0"/>
+          </a:p>
+          <a:p>
+            <a:r>
+              <a:rPr lang="hu-HU" dirty="0"/>
+              <a:t>Kábelek kiépítésénél figyelembe vesszük a </a:t>
+            </a:r>
+            <a:r>
+              <a:rPr lang="hu-HU" dirty="0" err="1"/>
+              <a:t>pratikusságot</a:t>
+            </a:r>
+            <a:r>
+              <a:rPr lang="hu-HU" dirty="0"/>
+              <a:t> és az esztétikát.</a:t>
+            </a:r>
+          </a:p>
+        </p:txBody>
+      </p:sp>
+      <p:pic>
+        <p:nvPicPr>
+          <p:cNvPr id="7" name="Kép 6">
+            <a:extLst>
+              <a:ext uri="{FF2B5EF4-FFF2-40B4-BE49-F238E27FC236}">
+                <a16:creationId xmlns:a16="http://schemas.microsoft.com/office/drawing/2014/main" id="{11C74C09-4C8E-4DA8-8E75-CE142C7BE4EF}"/>
+              </a:ext>
+            </a:extLst>
+          </p:cNvPr>
+          <p:cNvPicPr>
+            <a:picLocks noChangeAspect="1"/>
+          </p:cNvPicPr>
+          <p:nvPr/>
+        </p:nvPicPr>
+        <p:blipFill>
+          <a:blip r:embed="rId3"/>
+          <a:stretch>
+            <a:fillRect/>
+          </a:stretch>
+        </p:blipFill>
+        <p:spPr>
+          <a:xfrm>
+            <a:off x="10864515" y="5541221"/>
+            <a:ext cx="1069307" cy="1064116"/>
+          </a:xfrm>
+          <a:prstGeom prst="rect">
+            <a:avLst/>
+          </a:prstGeom>
+        </p:spPr>
+      </p:pic>
+    </p:spTree>
+    <p:extLst>
+      <p:ext uri="{BB962C8B-B14F-4D97-AF65-F5344CB8AC3E}">
+        <p14:creationId xmlns:p14="http://schemas.microsoft.com/office/powerpoint/2010/main" val="3358410738"/>
+      </p:ext>
+    </p:extLst>
+  </p:cSld>
+  <p:clrMapOvr>
+    <a:masterClrMapping/>
+  </p:clrMapOvr>
+</p:sld>
+</file>
+
+<file path=ppt/slides/slide9.xml><?xml version="1.0" encoding="utf-8"?>
+<p:sld xmlns:a="http://schemas.openxmlformats.org/drawingml/2006/main" xmlns:r="http://schemas.openxmlformats.org/officeDocument/2006/relationships" xmlns:p="http://schemas.openxmlformats.org/presentationml/2006/main">
+  <p:cSld>
+    <p:spTree>
+      <p:nvGrpSpPr>
+        <p:cNvPr id="1" name=""/>
+        <p:cNvGrpSpPr/>
+        <p:nvPr/>
+      </p:nvGrpSpPr>
+      <p:grpSpPr>
+        <a:xfrm>
+          <a:off x="0" y="0"/>
+          <a:ext cx="0" cy="0"/>
+          <a:chOff x="0" y="0"/>
+          <a:chExt cx="0" cy="0"/>
+        </a:xfrm>
+      </p:grpSpPr>
+      <p:sp>
+        <p:nvSpPr>
+          <p:cNvPr id="2" name="Cím 1">
+            <a:extLst>
+              <a:ext uri="{FF2B5EF4-FFF2-40B4-BE49-F238E27FC236}">
+                <a16:creationId xmlns:a16="http://schemas.microsoft.com/office/drawing/2014/main" id="{D888C9D4-1018-402E-BEC3-7F7306465DB6}"/>
+              </a:ext>
+            </a:extLst>
+          </p:cNvPr>
+          <p:cNvSpPr>
+            <a:spLocks noGrp="1"/>
+          </p:cNvSpPr>
+          <p:nvPr>
+            <p:ph type="title"/>
+          </p:nvPr>
+        </p:nvSpPr>
+        <p:spPr/>
+        <p:txBody>
+          <a:bodyPr/>
+          <a:lstStyle/>
+          <a:p>
+            <a:r>
+              <a:rPr lang="hu-HU" b="1" dirty="0"/>
+              <a:t>Hálózati beállítások</a:t>
+            </a:r>
+          </a:p>
+        </p:txBody>
+      </p:sp>
+      <p:pic>
+        <p:nvPicPr>
+          <p:cNvPr id="4" name="Kép 3">
+            <a:extLst>
+              <a:ext uri="{FF2B5EF4-FFF2-40B4-BE49-F238E27FC236}">
+                <a16:creationId xmlns:a16="http://schemas.microsoft.com/office/drawing/2014/main" id="{D975BEE0-43B8-42E3-A778-DB8BB610B85E}"/>
+              </a:ext>
+            </a:extLst>
+          </p:cNvPr>
+          <p:cNvPicPr>
+            <a:picLocks noChangeAspect="1"/>
+          </p:cNvPicPr>
+          <p:nvPr/>
+        </p:nvPicPr>
+        <p:blipFill>
+          <a:blip r:embed="rId2"/>
+          <a:stretch>
+            <a:fillRect/>
+          </a:stretch>
+        </p:blipFill>
+        <p:spPr>
+          <a:xfrm>
+            <a:off x="10864515" y="5541221"/>
+            <a:ext cx="1069307" cy="1064116"/>
+          </a:xfrm>
+          <a:prstGeom prst="rect">
+            <a:avLst/>
+          </a:prstGeom>
+        </p:spPr>
+      </p:pic>
+      <p:pic>
+        <p:nvPicPr>
+          <p:cNvPr id="5" name="Kép 4">
+            <a:extLst>
+              <a:ext uri="{FF2B5EF4-FFF2-40B4-BE49-F238E27FC236}">
+                <a16:creationId xmlns:a16="http://schemas.microsoft.com/office/drawing/2014/main" id="{A7DE48B9-5B9A-43A8-A521-E570B0CAB0E5}"/>
+              </a:ext>
+            </a:extLst>
+          </p:cNvPr>
+          <p:cNvPicPr>
+            <a:picLocks noChangeAspect="1"/>
+          </p:cNvPicPr>
+          <p:nvPr/>
+        </p:nvPicPr>
+        <p:blipFill>
+          <a:blip r:embed="rId3"/>
+          <a:stretch>
+            <a:fillRect/>
+          </a:stretch>
+        </p:blipFill>
+        <p:spPr>
+          <a:xfrm>
+            <a:off x="5665815" y="1754587"/>
+            <a:ext cx="6046174" cy="3348826"/>
+          </a:xfrm>
+          <a:prstGeom prst="rect">
+            <a:avLst/>
+          </a:prstGeom>
+        </p:spPr>
+      </p:pic>
+    </p:spTree>
+    <p:extLst>
+      <p:ext uri="{BB962C8B-B14F-4D97-AF65-F5344CB8AC3E}">
+        <p14:creationId xmlns:p14="http://schemas.microsoft.com/office/powerpoint/2010/main" val="3049969822"/>
+      </p:ext>
+    </p:extLst>
+  </p:cSld>
+  <p:clrMapOvr>
+    <a:masterClrMapping/>
+  </p:clrMapOvr>
 </p:sld>
 </file>
 
@@ -5505,6 +5940,24 @@
 </file>
 
 <file path=customXml/item1.xml><?xml version="1.0" encoding="utf-8"?>
+<?mso-contentType ?>
+<FormTemplates xmlns="http://schemas.microsoft.com/sharepoint/v3/contenttype/forms">
+  <Display>DocumentLibraryForm</Display>
+  <Edit>DocumentLibraryForm</Edit>
+  <New>DocumentLibraryForm</New>
+</FormTemplates>
+</file>
+
+<file path=customXml/item2.xml><?xml version="1.0" encoding="utf-8"?>
+<p:properties xmlns:p="http://schemas.microsoft.com/office/2006/metadata/properties" xmlns:xsi="http://www.w3.org/2001/XMLSchema-instance" xmlns:pc="http://schemas.microsoft.com/office/infopath/2007/PartnerControls">
+  <documentManagement>
+    <Status xmlns="71af3243-3dd4-4a8d-8c0d-dd76da1f02a5">Not started</Status>
+    <MediaServiceKeyPoints xmlns="71af3243-3dd4-4a8d-8c0d-dd76da1f02a5" xsi:nil="true"/>
+  </documentManagement>
+</p:properties>
+</file>
+
+<file path=customXml/item3.xml><?xml version="1.0" encoding="utf-8"?>
 <ct:contentTypeSchema xmlns:ct="http://schemas.microsoft.com/office/2006/metadata/contentType" xmlns:ma="http://schemas.microsoft.com/office/2006/metadata/properties/metaAttributes" ct:_="" ma:_="" ma:contentTypeName="Document" ma:contentTypeID="0x01010079F111ED35F8CC479449609E8A0923A6" ma:contentTypeVersion="12" ma:contentTypeDescription="Create a new document." ma:contentTypeScope="" ma:versionID="a8a52e8c320b9a064ae3583ae3861c92">
   <xsd:schema xmlns:xsd="http://www.w3.org/2001/XMLSchema" xmlns:xs="http://www.w3.org/2001/XMLSchema" xmlns:p="http://schemas.microsoft.com/office/2006/metadata/properties" xmlns:ns2="71af3243-3dd4-4a8d-8c0d-dd76da1f02a5" xmlns:ns3="16c05727-aa75-4e4a-9b5f-8a80a1165891" targetNamespace="http://schemas.microsoft.com/office/2006/metadata/properties" ma:root="true" ma:fieldsID="88020cb39231a0945110f9cd888b521a" ns2:_="" ns3:_="">
     <xsd:import namespace="71af3243-3dd4-4a8d-8c0d-dd76da1f02a5"/>
@@ -5725,39 +6178,10 @@
 </ct:contentTypeSchema>
 </file>
 
-<file path=customXml/item2.xml><?xml version="1.0" encoding="utf-8"?>
-<p:properties xmlns:p="http://schemas.microsoft.com/office/2006/metadata/properties" xmlns:xsi="http://www.w3.org/2001/XMLSchema-instance" xmlns:pc="http://schemas.microsoft.com/office/infopath/2007/PartnerControls">
-  <documentManagement>
-    <Status xmlns="71af3243-3dd4-4a8d-8c0d-dd76da1f02a5">Not started</Status>
-    <MediaServiceKeyPoints xmlns="71af3243-3dd4-4a8d-8c0d-dd76da1f02a5" xsi:nil="true"/>
-  </documentManagement>
-</p:properties>
-</file>
-
-<file path=customXml/item3.xml><?xml version="1.0" encoding="utf-8"?>
-<?mso-contentType ?>
-<FormTemplates xmlns="http://schemas.microsoft.com/sharepoint/v3/contenttype/forms">
-  <Display>DocumentLibraryForm</Display>
-  <Edit>DocumentLibraryForm</Edit>
-  <New>DocumentLibraryForm</New>
-</FormTemplates>
-</file>
-
 <file path=customXml/itemProps1.xml><?xml version="1.0" encoding="utf-8"?>
-<ds:datastoreItem xmlns:ds="http://schemas.openxmlformats.org/officeDocument/2006/customXml" ds:itemID="{FD7FC771-7DFE-49DA-B577-71181BFBCB2E}">
+<ds:datastoreItem xmlns:ds="http://schemas.openxmlformats.org/officeDocument/2006/customXml" ds:itemID="{7EE8C63A-4744-4DE4-BB49-0FF0B5375C60}">
   <ds:schemaRefs>
-    <ds:schemaRef ds:uri="http://schemas.microsoft.com/office/2006/metadata/contentType"/>
-    <ds:schemaRef ds:uri="http://schemas.microsoft.com/office/2006/metadata/properties/metaAttributes"/>
-    <ds:schemaRef ds:uri="http://www.w3.org/2001/XMLSchema"/>
-    <ds:schemaRef ds:uri="http://schemas.microsoft.com/office/2006/metadata/properties"/>
-    <ds:schemaRef ds:uri="71af3243-3dd4-4a8d-8c0d-dd76da1f02a5"/>
-    <ds:schemaRef ds:uri="16c05727-aa75-4e4a-9b5f-8a80a1165891"/>
-    <ds:schemaRef ds:uri="http://schemas.microsoft.com/office/2006/documentManagement/types"/>
-    <ds:schemaRef ds:uri="http://schemas.microsoft.com/office/infopath/2007/PartnerControls"/>
-    <ds:schemaRef ds:uri="http://schemas.openxmlformats.org/package/2006/metadata/core-properties"/>
-    <ds:schemaRef ds:uri="http://purl.org/dc/elements/1.1/"/>
-    <ds:schemaRef ds:uri="http://purl.org/dc/terms/"/>
-    <ds:schemaRef ds:uri="http://schemas.microsoft.com/internal/obd"/>
+    <ds:schemaRef ds:uri="http://schemas.microsoft.com/sharepoint/v3/contenttype/forms"/>
   </ds:schemaRefs>
 </ds:datastoreItem>
 </file>
@@ -5780,9 +6204,20 @@
 </file>
 
 <file path=customXml/itemProps3.xml><?xml version="1.0" encoding="utf-8"?>
-<ds:datastoreItem xmlns:ds="http://schemas.openxmlformats.org/officeDocument/2006/customXml" ds:itemID="{7EE8C63A-4744-4DE4-BB49-0FF0B5375C60}">
+<ds:datastoreItem xmlns:ds="http://schemas.openxmlformats.org/officeDocument/2006/customXml" ds:itemID="{FD7FC771-7DFE-49DA-B577-71181BFBCB2E}">
   <ds:schemaRefs>
-    <ds:schemaRef ds:uri="http://schemas.microsoft.com/sharepoint/v3/contenttype/forms"/>
+    <ds:schemaRef ds:uri="http://schemas.microsoft.com/office/2006/metadata/contentType"/>
+    <ds:schemaRef ds:uri="http://schemas.microsoft.com/office/2006/metadata/properties/metaAttributes"/>
+    <ds:schemaRef ds:uri="http://www.w3.org/2001/XMLSchema"/>
+    <ds:schemaRef ds:uri="http://schemas.microsoft.com/office/2006/metadata/properties"/>
+    <ds:schemaRef ds:uri="71af3243-3dd4-4a8d-8c0d-dd76da1f02a5"/>
+    <ds:schemaRef ds:uri="16c05727-aa75-4e4a-9b5f-8a80a1165891"/>
+    <ds:schemaRef ds:uri="http://schemas.microsoft.com/office/2006/documentManagement/types"/>
+    <ds:schemaRef ds:uri="http://schemas.microsoft.com/office/infopath/2007/PartnerControls"/>
+    <ds:schemaRef ds:uri="http://schemas.openxmlformats.org/package/2006/metadata/core-properties"/>
+    <ds:schemaRef ds:uri="http://purl.org/dc/elements/1.1/"/>
+    <ds:schemaRef ds:uri="http://purl.org/dc/terms/"/>
+    <ds:schemaRef ds:uri="http://schemas.microsoft.com/internal/obd"/>
   </ds:schemaRefs>
 </ds:datastoreItem>
 </file>
--- a/F5 team bemutató.pptx
+++ b/F5 team bemutató.pptx
@@ -3564,85 +3564,36 @@
           </a:p>
         </p:txBody>
       </p:sp>
-      <p:sp>
-        <p:nvSpPr>
-          <p:cNvPr id="12" name="Cím 7">
+      <p:pic>
+        <p:nvPicPr>
+          <p:cNvPr id="4" name="Kép 3">
             <a:extLst>
               <a:ext uri="{FF2B5EF4-FFF2-40B4-BE49-F238E27FC236}">
-                <a16:creationId xmlns:a16="http://schemas.microsoft.com/office/drawing/2014/main" id="{6B10CD58-C354-429E-AC97-835F0C515855}"/>
+                <a16:creationId xmlns:a16="http://schemas.microsoft.com/office/drawing/2014/main" id="{0E4FC175-2E9E-4672-9868-BF5A0FADB3C0}"/>
               </a:ext>
             </a:extLst>
           </p:cNvPr>
-          <p:cNvSpPr txBox="1">
-            <a:spLocks/>
-          </p:cNvSpPr>
+          <p:cNvPicPr>
+            <a:picLocks noChangeAspect="1"/>
+          </p:cNvPicPr>
           <p:nvPr/>
-        </p:nvSpPr>
-        <p:spPr>
-          <a:xfrm>
-            <a:off x="10785419" y="6014906"/>
-            <a:ext cx="1160491" cy="572784"/>
+        </p:nvPicPr>
+        <p:blipFill>
+          <a:blip r:embed="rId3"/>
+          <a:stretch>
+            <a:fillRect/>
+          </a:stretch>
+        </p:blipFill>
+        <p:spPr>
+          <a:xfrm>
+            <a:off x="10864515" y="5541221"/>
+            <a:ext cx="1069307" cy="1064116"/>
           </a:xfrm>
           <a:prstGeom prst="rect">
             <a:avLst/>
           </a:prstGeom>
-          <a:gradFill flip="none" rotWithShape="1">
-            <a:gsLst>
-              <a:gs pos="0">
-                <a:schemeClr val="accent2">
-                  <a:lumMod val="0"/>
-                  <a:lumOff val="100000"/>
-                </a:schemeClr>
-              </a:gs>
-              <a:gs pos="35000">
-                <a:schemeClr val="accent2">
-                  <a:lumMod val="0"/>
-                  <a:lumOff val="100000"/>
-                </a:schemeClr>
-              </a:gs>
-              <a:gs pos="100000">
-                <a:schemeClr val="accent2">
-                  <a:lumMod val="100000"/>
-                </a:schemeClr>
-              </a:gs>
-            </a:gsLst>
-            <a:path path="circle">
-              <a:fillToRect l="50000" t="-80000" r="50000" b="180000"/>
-            </a:path>
-            <a:tileRect/>
-          </a:gradFill>
-        </p:spPr>
-        <p:txBody>
-          <a:bodyPr vert="horz" lIns="91440" tIns="45720" rIns="91440" bIns="45720" rtlCol="0" anchor="b" anchorCtr="0">
-            <a:noAutofit/>
-          </a:bodyPr>
-          <a:lstStyle>
-            <a:lvl1pPr algn="l" defTabSz="914400" rtl="0" eaLnBrk="1" latinLnBrk="0" hangingPunct="1">
-              <a:spcBef>
-                <a:spcPct val="0"/>
-              </a:spcBef>
-              <a:buNone/>
-              <a:defRPr sz="2800" kern="1200">
-                <a:solidFill>
-                  <a:schemeClr val="tx1"/>
-                </a:solidFill>
-                <a:latin typeface="+mj-lt"/>
-                <a:ea typeface="+mj-ea"/>
-                <a:cs typeface="+mj-cs"/>
-              </a:defRPr>
-            </a:lvl1pPr>
-          </a:lstStyle>
-          <a:p>
-            <a:r>
-              <a:rPr lang="hu-HU" sz="3200" b="1" dirty="0">
-                <a:latin typeface="Segoe UI Light" panose="020B0502040204020203" pitchFamily="34" charset="0"/>
-                <a:cs typeface="Segoe UI Light" panose="020B0502040204020203" pitchFamily="34" charset="0"/>
-              </a:rPr>
-              <a:t>=F5= </a:t>
-            </a:r>
-          </a:p>
-        </p:txBody>
-      </p:sp>
+        </p:spPr>
+      </p:pic>
     </p:spTree>
     <p:extLst>
       <p:ext uri="{BB962C8B-B14F-4D97-AF65-F5344CB8AC3E}">
@@ -4584,7 +4535,7 @@
           <a:graphicData uri="http://schemas.openxmlformats.org/presentationml/2006/ole">
             <mc:AlternateContent xmlns:mc="http://schemas.openxmlformats.org/markup-compatibility/2006">
               <mc:Choice xmlns:v="urn:schemas-microsoft-com:vml" Requires="v">
-                <p:oleObj spid="_x0000_s1035" name="Document" r:id="rId4" imgW="5880988" imgH="8106644" progId="Word.Document.12">
+                <p:oleObj spid="_x0000_s1036" name="Document" r:id="rId4" imgW="5880988" imgH="8106644" progId="Word.Document.12">
                   <p:embed/>
                 </p:oleObj>
               </mc:Choice>
@@ -5940,24 +5891,6 @@
 </file>
 
 <file path=customXml/item1.xml><?xml version="1.0" encoding="utf-8"?>
-<?mso-contentType ?>
-<FormTemplates xmlns="http://schemas.microsoft.com/sharepoint/v3/contenttype/forms">
-  <Display>DocumentLibraryForm</Display>
-  <Edit>DocumentLibraryForm</Edit>
-  <New>DocumentLibraryForm</New>
-</FormTemplates>
-</file>
-
-<file path=customXml/item2.xml><?xml version="1.0" encoding="utf-8"?>
-<p:properties xmlns:p="http://schemas.microsoft.com/office/2006/metadata/properties" xmlns:xsi="http://www.w3.org/2001/XMLSchema-instance" xmlns:pc="http://schemas.microsoft.com/office/infopath/2007/PartnerControls">
-  <documentManagement>
-    <Status xmlns="71af3243-3dd4-4a8d-8c0d-dd76da1f02a5">Not started</Status>
-    <MediaServiceKeyPoints xmlns="71af3243-3dd4-4a8d-8c0d-dd76da1f02a5" xsi:nil="true"/>
-  </documentManagement>
-</p:properties>
-</file>
-
-<file path=customXml/item3.xml><?xml version="1.0" encoding="utf-8"?>
 <ct:contentTypeSchema xmlns:ct="http://schemas.microsoft.com/office/2006/metadata/contentType" xmlns:ma="http://schemas.microsoft.com/office/2006/metadata/properties/metaAttributes" ct:_="" ma:_="" ma:contentTypeName="Document" ma:contentTypeID="0x01010079F111ED35F8CC479449609E8A0923A6" ma:contentTypeVersion="12" ma:contentTypeDescription="Create a new document." ma:contentTypeScope="" ma:versionID="a8a52e8c320b9a064ae3583ae3861c92">
   <xsd:schema xmlns:xsd="http://www.w3.org/2001/XMLSchema" xmlns:xs="http://www.w3.org/2001/XMLSchema" xmlns:p="http://schemas.microsoft.com/office/2006/metadata/properties" xmlns:ns2="71af3243-3dd4-4a8d-8c0d-dd76da1f02a5" xmlns:ns3="16c05727-aa75-4e4a-9b5f-8a80a1165891" targetNamespace="http://schemas.microsoft.com/office/2006/metadata/properties" ma:root="true" ma:fieldsID="88020cb39231a0945110f9cd888b521a" ns2:_="" ns3:_="">
     <xsd:import namespace="71af3243-3dd4-4a8d-8c0d-dd76da1f02a5"/>
@@ -6178,10 +6111,39 @@
 </ct:contentTypeSchema>
 </file>
 
+<file path=customXml/item2.xml><?xml version="1.0" encoding="utf-8"?>
+<p:properties xmlns:p="http://schemas.microsoft.com/office/2006/metadata/properties" xmlns:xsi="http://www.w3.org/2001/XMLSchema-instance" xmlns:pc="http://schemas.microsoft.com/office/infopath/2007/PartnerControls">
+  <documentManagement>
+    <Status xmlns="71af3243-3dd4-4a8d-8c0d-dd76da1f02a5">Not started</Status>
+    <MediaServiceKeyPoints xmlns="71af3243-3dd4-4a8d-8c0d-dd76da1f02a5" xsi:nil="true"/>
+  </documentManagement>
+</p:properties>
+</file>
+
+<file path=customXml/item3.xml><?xml version="1.0" encoding="utf-8"?>
+<?mso-contentType ?>
+<FormTemplates xmlns="http://schemas.microsoft.com/sharepoint/v3/contenttype/forms">
+  <Display>DocumentLibraryForm</Display>
+  <Edit>DocumentLibraryForm</Edit>
+  <New>DocumentLibraryForm</New>
+</FormTemplates>
+</file>
+
 <file path=customXml/itemProps1.xml><?xml version="1.0" encoding="utf-8"?>
-<ds:datastoreItem xmlns:ds="http://schemas.openxmlformats.org/officeDocument/2006/customXml" ds:itemID="{7EE8C63A-4744-4DE4-BB49-0FF0B5375C60}">
+<ds:datastoreItem xmlns:ds="http://schemas.openxmlformats.org/officeDocument/2006/customXml" ds:itemID="{FD7FC771-7DFE-49DA-B577-71181BFBCB2E}">
   <ds:schemaRefs>
-    <ds:schemaRef ds:uri="http://schemas.microsoft.com/sharepoint/v3/contenttype/forms"/>
+    <ds:schemaRef ds:uri="http://schemas.microsoft.com/office/2006/metadata/contentType"/>
+    <ds:schemaRef ds:uri="http://schemas.microsoft.com/office/2006/metadata/properties/metaAttributes"/>
+    <ds:schemaRef ds:uri="http://www.w3.org/2001/XMLSchema"/>
+    <ds:schemaRef ds:uri="http://schemas.microsoft.com/office/2006/metadata/properties"/>
+    <ds:schemaRef ds:uri="71af3243-3dd4-4a8d-8c0d-dd76da1f02a5"/>
+    <ds:schemaRef ds:uri="16c05727-aa75-4e4a-9b5f-8a80a1165891"/>
+    <ds:schemaRef ds:uri="http://schemas.microsoft.com/office/2006/documentManagement/types"/>
+    <ds:schemaRef ds:uri="http://schemas.microsoft.com/office/infopath/2007/PartnerControls"/>
+    <ds:schemaRef ds:uri="http://schemas.openxmlformats.org/package/2006/metadata/core-properties"/>
+    <ds:schemaRef ds:uri="http://purl.org/dc/elements/1.1/"/>
+    <ds:schemaRef ds:uri="http://purl.org/dc/terms/"/>
+    <ds:schemaRef ds:uri="http://schemas.microsoft.com/internal/obd"/>
   </ds:schemaRefs>
 </ds:datastoreItem>
 </file>
@@ -6204,20 +6166,9 @@
 </file>
 
 <file path=customXml/itemProps3.xml><?xml version="1.0" encoding="utf-8"?>
-<ds:datastoreItem xmlns:ds="http://schemas.openxmlformats.org/officeDocument/2006/customXml" ds:itemID="{FD7FC771-7DFE-49DA-B577-71181BFBCB2E}">
+<ds:datastoreItem xmlns:ds="http://schemas.openxmlformats.org/officeDocument/2006/customXml" ds:itemID="{7EE8C63A-4744-4DE4-BB49-0FF0B5375C60}">
   <ds:schemaRefs>
-    <ds:schemaRef ds:uri="http://schemas.microsoft.com/office/2006/metadata/contentType"/>
-    <ds:schemaRef ds:uri="http://schemas.microsoft.com/office/2006/metadata/properties/metaAttributes"/>
-    <ds:schemaRef ds:uri="http://www.w3.org/2001/XMLSchema"/>
-    <ds:schemaRef ds:uri="http://schemas.microsoft.com/office/2006/metadata/properties"/>
-    <ds:schemaRef ds:uri="71af3243-3dd4-4a8d-8c0d-dd76da1f02a5"/>
-    <ds:schemaRef ds:uri="16c05727-aa75-4e4a-9b5f-8a80a1165891"/>
-    <ds:schemaRef ds:uri="http://schemas.microsoft.com/office/2006/documentManagement/types"/>
-    <ds:schemaRef ds:uri="http://schemas.microsoft.com/office/infopath/2007/PartnerControls"/>
-    <ds:schemaRef ds:uri="http://schemas.openxmlformats.org/package/2006/metadata/core-properties"/>
-    <ds:schemaRef ds:uri="http://purl.org/dc/elements/1.1/"/>
-    <ds:schemaRef ds:uri="http://purl.org/dc/terms/"/>
-    <ds:schemaRef ds:uri="http://schemas.microsoft.com/internal/obd"/>
+    <ds:schemaRef ds:uri="http://schemas.microsoft.com/sharepoint/v3/contenttype/forms"/>
   </ds:schemaRefs>
 </ds:datastoreItem>
 </file>
--- a/F5 team bemutató.pptx
+++ b/F5 team bemutató.pptx
@@ -3005,6 +3005,188 @@
           </a:prstGeom>
         </p:spPr>
       </p:pic>
+      <p:pic>
+        <p:nvPicPr>
+          <p:cNvPr id="5" name="Kép 4" descr="A képen szöveg látható&#10;&#10;Automatikusan generált leírás">
+            <a:extLst>
+              <a:ext uri="{FF2B5EF4-FFF2-40B4-BE49-F238E27FC236}">
+                <a16:creationId xmlns:a16="http://schemas.microsoft.com/office/drawing/2014/main" id="{995C74D5-A2F3-2314-5958-B977015B8946}"/>
+              </a:ext>
+            </a:extLst>
+          </p:cNvPr>
+          <p:cNvPicPr>
+            <a:picLocks noChangeAspect="1"/>
+          </p:cNvPicPr>
+          <p:nvPr/>
+        </p:nvPicPr>
+        <p:blipFill>
+          <a:blip r:embed="rId3"/>
+          <a:stretch>
+            <a:fillRect/>
+          </a:stretch>
+        </p:blipFill>
+        <p:spPr>
+          <a:xfrm>
+            <a:off x="990089" y="2413337"/>
+            <a:ext cx="2172003" cy="1971950"/>
+          </a:xfrm>
+          <a:prstGeom prst="rect">
+            <a:avLst/>
+          </a:prstGeom>
+        </p:spPr>
+      </p:pic>
+      <p:sp>
+        <p:nvSpPr>
+          <p:cNvPr id="6" name="Szövegdoboz 5">
+            <a:extLst>
+              <a:ext uri="{FF2B5EF4-FFF2-40B4-BE49-F238E27FC236}">
+                <a16:creationId xmlns:a16="http://schemas.microsoft.com/office/drawing/2014/main" id="{393832EE-983E-956B-E72D-32C9A8FB4DA9}"/>
+              </a:ext>
+            </a:extLst>
+          </p:cNvPr>
+          <p:cNvSpPr txBox="1"/>
+          <p:nvPr/>
+        </p:nvSpPr>
+        <p:spPr>
+          <a:xfrm>
+            <a:off x="4632386" y="1469264"/>
+            <a:ext cx="6349041" cy="2862322"/>
+          </a:xfrm>
+          <a:prstGeom prst="rect">
+            <a:avLst/>
+          </a:prstGeom>
+          <a:noFill/>
+        </p:spPr>
+        <p:txBody>
+          <a:bodyPr wrap="square" rtlCol="0">
+            <a:spAutoFit/>
+          </a:bodyPr>
+          <a:lstStyle/>
+          <a:p>
+            <a:r>
+              <a:rPr lang="hu-HU" dirty="0"/>
+              <a:t>1. A biztonság nálunk a legfontosabb, ezért minden jelszót a hálózati eszközökön </a:t>
+            </a:r>
+            <a:r>
+              <a:rPr lang="hu-HU" dirty="0" err="1"/>
+              <a:t>titkosítunk</a:t>
+            </a:r>
+            <a:r>
+              <a:rPr lang="hu-HU" dirty="0"/>
+              <a:t>.</a:t>
+            </a:r>
+          </a:p>
+          <a:p>
+            <a:r>
+              <a:rPr lang="hu-HU" dirty="0"/>
+              <a:t>2. A jelszókat csak a illetékes rendszergazdával osztunk meg.</a:t>
+            </a:r>
+          </a:p>
+          <a:p>
+            <a:r>
+              <a:rPr lang="hu-HU" dirty="0"/>
+              <a:t>3. Mindent szerveren tárolunk és havi szintű másolatokat készítünk hálózati információkról/</a:t>
+            </a:r>
+            <a:r>
+              <a:rPr lang="hu-HU"/>
+              <a:t>statisztikáról.</a:t>
+            </a:r>
+            <a:endParaRPr lang="hu-HU" dirty="0"/>
+          </a:p>
+          <a:p>
+            <a:r>
+              <a:rPr lang="hu-HU" dirty="0"/>
+              <a:t>4. </a:t>
+            </a:r>
+            <a:r>
+              <a:rPr lang="hu-HU" b="0" i="0" dirty="0" err="1">
+                <a:effectLst/>
+                <a:latin typeface="Segoe UI Historic" panose="020B0502040204020203" pitchFamily="34" charset="0"/>
+              </a:rPr>
+              <a:t>Secure</a:t>
+            </a:r>
+            <a:r>
+              <a:rPr lang="hu-HU" b="0" i="0" dirty="0">
+                <a:effectLst/>
+                <a:latin typeface="Segoe UI Historic" panose="020B0502040204020203" pitchFamily="34" charset="0"/>
+              </a:rPr>
+              <a:t> Shell (SSH) Az SSH a javasolt sávon belüli módszer, hogy a hálózaton keresztül, virtuális interfész segítségével biztonságos parancssoros kapcsolatot létesítsünk.</a:t>
+            </a:r>
+          </a:p>
+          <a:p>
+            <a:r>
+              <a:rPr lang="hu-HU" dirty="0">
+                <a:latin typeface="Segoe UI Historic" panose="020B0502040204020203" pitchFamily="34" charset="0"/>
+              </a:rPr>
+              <a:t>Így ez által megvédjük a hálózatot az illetéktelen hozzáférésektől.</a:t>
+            </a:r>
+            <a:endParaRPr lang="hu-HU" b="0" i="0" dirty="0">
+              <a:effectLst/>
+              <a:latin typeface="Segoe UI Historic" panose="020B0502040204020203" pitchFamily="34" charset="0"/>
+            </a:endParaRPr>
+          </a:p>
+        </p:txBody>
+      </p:sp>
+      <p:pic>
+        <p:nvPicPr>
+          <p:cNvPr id="8" name="Kép 7">
+            <a:extLst>
+              <a:ext uri="{FF2B5EF4-FFF2-40B4-BE49-F238E27FC236}">
+                <a16:creationId xmlns:a16="http://schemas.microsoft.com/office/drawing/2014/main" id="{DA7529BD-3045-72E0-4730-55894BF1425B}"/>
+              </a:ext>
+            </a:extLst>
+          </p:cNvPr>
+          <p:cNvPicPr>
+            <a:picLocks noChangeAspect="1"/>
+          </p:cNvPicPr>
+          <p:nvPr/>
+        </p:nvPicPr>
+        <p:blipFill>
+          <a:blip r:embed="rId4"/>
+          <a:stretch>
+            <a:fillRect/>
+          </a:stretch>
+        </p:blipFill>
+        <p:spPr>
+          <a:xfrm>
+            <a:off x="2576855" y="5388736"/>
+            <a:ext cx="6537957" cy="640080"/>
+          </a:xfrm>
+          <a:prstGeom prst="rect">
+            <a:avLst/>
+          </a:prstGeom>
+        </p:spPr>
+      </p:pic>
+      <p:pic>
+        <p:nvPicPr>
+          <p:cNvPr id="10" name="Kép 9">
+            <a:extLst>
+              <a:ext uri="{FF2B5EF4-FFF2-40B4-BE49-F238E27FC236}">
+                <a16:creationId xmlns:a16="http://schemas.microsoft.com/office/drawing/2014/main" id="{8464C41B-966E-0850-9F4B-132EEC0AD4E5}"/>
+              </a:ext>
+            </a:extLst>
+          </p:cNvPr>
+          <p:cNvPicPr>
+            <a:picLocks noChangeAspect="1"/>
+          </p:cNvPicPr>
+          <p:nvPr/>
+        </p:nvPicPr>
+        <p:blipFill>
+          <a:blip r:embed="rId5"/>
+          <a:stretch>
+            <a:fillRect/>
+          </a:stretch>
+        </p:blipFill>
+        <p:spPr>
+          <a:xfrm>
+            <a:off x="990089" y="1721632"/>
+            <a:ext cx="3296110" cy="257211"/>
+          </a:xfrm>
+          <a:prstGeom prst="rect">
+            <a:avLst/>
+          </a:prstGeom>
+        </p:spPr>
+      </p:pic>
     </p:spTree>
     <p:extLst>
       <p:ext uri="{BB962C8B-B14F-4D97-AF65-F5344CB8AC3E}">
@@ -4535,12 +4717,12 @@
           <a:graphicData uri="http://schemas.openxmlformats.org/presentationml/2006/ole">
             <mc:AlternateContent xmlns:mc="http://schemas.openxmlformats.org/markup-compatibility/2006">
               <mc:Choice xmlns:v="urn:schemas-microsoft-com:vml" Requires="v">
-                <p:oleObj spid="_x0000_s1036" name="Document" r:id="rId4" imgW="5880988" imgH="8106644" progId="Word.Document.12">
+                <p:oleObj name="Document" r:id="rId3" imgW="5880988" imgH="8106644" progId="Word.Document.12">
                   <p:embed/>
                 </p:oleObj>
               </mc:Choice>
               <mc:Fallback>
-                <p:oleObj name="Document" r:id="rId4" imgW="5880988" imgH="8106644" progId="Word.Document.12">
+                <p:oleObj name="Document" r:id="rId3" imgW="5880988" imgH="8106644" progId="Word.Document.12">
                   <p:embed/>
                   <p:pic>
                     <p:nvPicPr>
@@ -4549,7 +4731,7 @@
                       <p:nvPr/>
                     </p:nvPicPr>
                     <p:blipFill>
-                      <a:blip r:embed="rId5"/>
+                      <a:blip r:embed="rId4"/>
                       <a:stretch>
                         <a:fillRect/>
                       </a:stretch>
@@ -4604,7 +4786,7 @@
             </a:r>
             <a:r>
               <a:rPr lang="hu-HU" dirty="0">
-                <a:hlinkClick r:id="rId6"/>
+                <a:hlinkClick r:id="rId5"/>
               </a:rPr>
               <a:t>https://trello.com/c/ADXocAfD</a:t>
             </a:r>
@@ -4630,7 +4812,7 @@
           <p:nvPr/>
         </p:nvPicPr>
         <p:blipFill>
-          <a:blip r:embed="rId7"/>
+          <a:blip r:embed="rId6"/>
           <a:stretch>
             <a:fillRect/>
           </a:stretch>
@@ -5891,6 +6073,15 @@
 </file>
 
 <file path=customXml/item1.xml><?xml version="1.0" encoding="utf-8"?>
+<p:properties xmlns:p="http://schemas.microsoft.com/office/2006/metadata/properties" xmlns:xsi="http://www.w3.org/2001/XMLSchema-instance" xmlns:pc="http://schemas.microsoft.com/office/infopath/2007/PartnerControls">
+  <documentManagement>
+    <Status xmlns="71af3243-3dd4-4a8d-8c0d-dd76da1f02a5">Not started</Status>
+    <MediaServiceKeyPoints xmlns="71af3243-3dd4-4a8d-8c0d-dd76da1f02a5" xsi:nil="true"/>
+  </documentManagement>
+</p:properties>
+</file>
+
+<file path=customXml/item2.xml><?xml version="1.0" encoding="utf-8"?>
 <ct:contentTypeSchema xmlns:ct="http://schemas.microsoft.com/office/2006/metadata/contentType" xmlns:ma="http://schemas.microsoft.com/office/2006/metadata/properties/metaAttributes" ct:_="" ma:_="" ma:contentTypeName="Document" ma:contentTypeID="0x01010079F111ED35F8CC479449609E8A0923A6" ma:contentTypeVersion="12" ma:contentTypeDescription="Create a new document." ma:contentTypeScope="" ma:versionID="a8a52e8c320b9a064ae3583ae3861c92">
   <xsd:schema xmlns:xsd="http://www.w3.org/2001/XMLSchema" xmlns:xs="http://www.w3.org/2001/XMLSchema" xmlns:p="http://schemas.microsoft.com/office/2006/metadata/properties" xmlns:ns2="71af3243-3dd4-4a8d-8c0d-dd76da1f02a5" xmlns:ns3="16c05727-aa75-4e4a-9b5f-8a80a1165891" targetNamespace="http://schemas.microsoft.com/office/2006/metadata/properties" ma:root="true" ma:fieldsID="88020cb39231a0945110f9cd888b521a" ns2:_="" ns3:_="">
     <xsd:import namespace="71af3243-3dd4-4a8d-8c0d-dd76da1f02a5"/>
@@ -6111,15 +6302,6 @@
 </ct:contentTypeSchema>
 </file>
 
-<file path=customXml/item2.xml><?xml version="1.0" encoding="utf-8"?>
-<p:properties xmlns:p="http://schemas.microsoft.com/office/2006/metadata/properties" xmlns:xsi="http://www.w3.org/2001/XMLSchema-instance" xmlns:pc="http://schemas.microsoft.com/office/infopath/2007/PartnerControls">
-  <documentManagement>
-    <Status xmlns="71af3243-3dd4-4a8d-8c0d-dd76da1f02a5">Not started</Status>
-    <MediaServiceKeyPoints xmlns="71af3243-3dd4-4a8d-8c0d-dd76da1f02a5" xsi:nil="true"/>
-  </documentManagement>
-</p:properties>
-</file>
-
 <file path=customXml/item3.xml><?xml version="1.0" encoding="utf-8"?>
 <?mso-contentType ?>
 <FormTemplates xmlns="http://schemas.microsoft.com/sharepoint/v3/contenttype/forms">
@@ -6130,6 +6312,23 @@
 </file>
 
 <file path=customXml/itemProps1.xml><?xml version="1.0" encoding="utf-8"?>
+<ds:datastoreItem xmlns:ds="http://schemas.openxmlformats.org/officeDocument/2006/customXml" ds:itemID="{950072C5-DDE0-4258-BA7A-4D4B80DFA632}">
+  <ds:schemaRefs>
+    <ds:schemaRef ds:uri="http://schemas.microsoft.com/office/2006/documentManagement/types"/>
+    <ds:schemaRef ds:uri="http://schemas.openxmlformats.org/package/2006/metadata/core-properties"/>
+    <ds:schemaRef ds:uri="16c05727-aa75-4e4a-9b5f-8a80a1165891"/>
+    <ds:schemaRef ds:uri="http://purl.org/dc/dcmitype/"/>
+    <ds:schemaRef ds:uri="http://schemas.microsoft.com/office/infopath/2007/PartnerControls"/>
+    <ds:schemaRef ds:uri="http://purl.org/dc/elements/1.1/"/>
+    <ds:schemaRef ds:uri="http://schemas.microsoft.com/office/2006/metadata/properties"/>
+    <ds:schemaRef ds:uri="71af3243-3dd4-4a8d-8c0d-dd76da1f02a5"/>
+    <ds:schemaRef ds:uri="http://www.w3.org/XML/1998/namespace"/>
+    <ds:schemaRef ds:uri="http://purl.org/dc/terms/"/>
+  </ds:schemaRefs>
+</ds:datastoreItem>
+</file>
+
+<file path=customXml/itemProps2.xml><?xml version="1.0" encoding="utf-8"?>
 <ds:datastoreItem xmlns:ds="http://schemas.openxmlformats.org/officeDocument/2006/customXml" ds:itemID="{FD7FC771-7DFE-49DA-B577-71181BFBCB2E}">
   <ds:schemaRefs>
     <ds:schemaRef ds:uri="http://schemas.microsoft.com/office/2006/metadata/contentType"/>
@@ -6148,23 +6347,6 @@
 </ds:datastoreItem>
 </file>
 
-<file path=customXml/itemProps2.xml><?xml version="1.0" encoding="utf-8"?>
-<ds:datastoreItem xmlns:ds="http://schemas.openxmlformats.org/officeDocument/2006/customXml" ds:itemID="{950072C5-DDE0-4258-BA7A-4D4B80DFA632}">
-  <ds:schemaRefs>
-    <ds:schemaRef ds:uri="http://schemas.microsoft.com/office/2006/documentManagement/types"/>
-    <ds:schemaRef ds:uri="http://schemas.openxmlformats.org/package/2006/metadata/core-properties"/>
-    <ds:schemaRef ds:uri="16c05727-aa75-4e4a-9b5f-8a80a1165891"/>
-    <ds:schemaRef ds:uri="http://purl.org/dc/dcmitype/"/>
-    <ds:schemaRef ds:uri="http://schemas.microsoft.com/office/infopath/2007/PartnerControls"/>
-    <ds:schemaRef ds:uri="http://purl.org/dc/elements/1.1/"/>
-    <ds:schemaRef ds:uri="http://schemas.microsoft.com/office/2006/metadata/properties"/>
-    <ds:schemaRef ds:uri="71af3243-3dd4-4a8d-8c0d-dd76da1f02a5"/>
-    <ds:schemaRef ds:uri="http://www.w3.org/XML/1998/namespace"/>
-    <ds:schemaRef ds:uri="http://purl.org/dc/terms/"/>
-  </ds:schemaRefs>
-</ds:datastoreItem>
-</file>
-
 <file path=customXml/itemProps3.xml><?xml version="1.0" encoding="utf-8"?>
 <ds:datastoreItem xmlns:ds="http://schemas.openxmlformats.org/officeDocument/2006/customXml" ds:itemID="{7EE8C63A-4744-4DE4-BB49-0FF0B5375C60}">
   <ds:schemaRefs>

--- a/F5 team bemutató.pptx
+++ b/F5 team bemutató.pptx
@@ -5,10 +5,10 @@
     <p:sldMasterId id="2147483660" r:id="rId4"/>
   </p:sldMasterIdLst>
   <p:notesMasterIdLst>
-    <p:notesMasterId r:id="rId19"/>
+    <p:notesMasterId r:id="rId18"/>
   </p:notesMasterIdLst>
   <p:handoutMasterIdLst>
-    <p:handoutMasterId r:id="rId20"/>
+    <p:handoutMasterId r:id="rId19"/>
   </p:handoutMasterIdLst>
   <p:sldIdLst>
     <p:sldId id="256" r:id="rId5"/>
@@ -19,12 +19,11 @@
     <p:sldId id="279" r:id="rId10"/>
     <p:sldId id="281" r:id="rId11"/>
     <p:sldId id="285" r:id="rId12"/>
-    <p:sldId id="286" r:id="rId13"/>
-    <p:sldId id="287" r:id="rId14"/>
-    <p:sldId id="280" r:id="rId15"/>
-    <p:sldId id="257" r:id="rId16"/>
-    <p:sldId id="288" r:id="rId17"/>
-    <p:sldId id="282" r:id="rId18"/>
+    <p:sldId id="287" r:id="rId13"/>
+    <p:sldId id="280" r:id="rId14"/>
+    <p:sldId id="257" r:id="rId15"/>
+    <p:sldId id="288" r:id="rId16"/>
+    <p:sldId id="282" r:id="rId17"/>
   </p:sldIdLst>
   <p:sldSz cx="12192000" cy="6858000"/>
   <p:notesSz cx="6858000" cy="9144000"/>
@@ -140,7 +139,6 @@
             <p14:sldId id="279"/>
             <p14:sldId id="281"/>
             <p14:sldId id="285"/>
-            <p14:sldId id="286"/>
             <p14:sldId id="287"/>
             <p14:sldId id="280"/>
             <p14:sldId id="257"/>
@@ -1118,7 +1116,7 @@
             <a:pPr rtl="0"/>
             <a:fld id="{DF61EA0F-A667-4B49-8422-0062BC55E249}" type="slidenum">
               <a:rPr lang="hu-HU" smtClean="0"/>
-              <a:t>11</a:t>
+              <a:t>10</a:t>
             </a:fld>
             <a:endParaRPr lang="hu-HU" dirty="0"/>
           </a:p>
@@ -1203,7 +1201,7 @@
             <a:pPr rtl="0"/>
             <a:fld id="{DF61EA0F-A667-4B49-8422-0062BC55E249}" type="slidenum">
               <a:rPr lang="hu-HU" smtClean="0"/>
-              <a:t>12</a:t>
+              <a:t>11</a:t>
             </a:fld>
             <a:endParaRPr lang="hu-HU" dirty="0"/>
           </a:p>
@@ -1297,7 +1295,7 @@
             <a:pPr rtl="0"/>
             <a:fld id="{DF61EA0F-A667-4B49-8422-0062BC55E249}" type="slidenum">
               <a:rPr lang="hu-HU" smtClean="0"/>
-              <a:t>14</a:t>
+              <a:t>13</a:t>
             </a:fld>
             <a:endParaRPr lang="hu-HU" dirty="0"/>
           </a:p>
@@ -2949,13 +2947,7 @@
       </p:grpSpPr>
       <p:sp>
         <p:nvSpPr>
-          <p:cNvPr id="2" name="Cím 1">
-            <a:extLst>
-              <a:ext uri="{FF2B5EF4-FFF2-40B4-BE49-F238E27FC236}">
-                <a16:creationId xmlns:a16="http://schemas.microsoft.com/office/drawing/2014/main" id="{C41340DF-701C-4460-A0C3-E38411508FB6}"/>
-              </a:ext>
-            </a:extLst>
-          </p:cNvPr>
+          <p:cNvPr id="3" name="Cím 2"/>
           <p:cNvSpPr>
             <a:spLocks noGrp="1"/>
           </p:cNvSpPr>
@@ -2963,84 +2955,30 @@
             <p:ph type="title"/>
           </p:nvPr>
         </p:nvSpPr>
-        <p:spPr/>
-        <p:txBody>
-          <a:bodyPr/>
+        <p:spPr>
+          <a:xfrm>
+            <a:off x="567702" y="479052"/>
+            <a:ext cx="6877119" cy="640080"/>
+          </a:xfrm>
+        </p:spPr>
+        <p:txBody>
+          <a:bodyPr rtlCol="0"/>
           <a:lstStyle/>
           <a:p>
-            <a:r>
-              <a:rPr lang="hu-HU" b="1" dirty="0"/>
-              <a:t>Biztonság, SSH</a:t>
-            </a:r>
-          </a:p>
-        </p:txBody>
-      </p:sp>
-      <p:pic>
-        <p:nvPicPr>
-          <p:cNvPr id="4" name="Kép 3">
+            <a:pPr rtl="0"/>
+            <a:r>
+              <a:rPr lang="hu-HU" dirty="0"/>
+              <a:t>Ajánlat készítés</a:t>
+            </a:r>
+          </a:p>
+        </p:txBody>
+      </p:sp>
+      <p:sp>
+        <p:nvSpPr>
+          <p:cNvPr id="7" name="Szövegdoboz 6">
             <a:extLst>
               <a:ext uri="{FF2B5EF4-FFF2-40B4-BE49-F238E27FC236}">
-                <a16:creationId xmlns:a16="http://schemas.microsoft.com/office/drawing/2014/main" id="{D939BFB7-3F55-4C8E-AF7D-1D4E828BD9B0}"/>
-              </a:ext>
-            </a:extLst>
-          </p:cNvPr>
-          <p:cNvPicPr>
-            <a:picLocks noChangeAspect="1"/>
-          </p:cNvPicPr>
-          <p:nvPr/>
-        </p:nvPicPr>
-        <p:blipFill>
-          <a:blip r:embed="rId2"/>
-          <a:stretch>
-            <a:fillRect/>
-          </a:stretch>
-        </p:blipFill>
-        <p:spPr>
-          <a:xfrm>
-            <a:off x="10864515" y="5541221"/>
-            <a:ext cx="1069307" cy="1064116"/>
-          </a:xfrm>
-          <a:prstGeom prst="rect">
-            <a:avLst/>
-          </a:prstGeom>
-        </p:spPr>
-      </p:pic>
-      <p:pic>
-        <p:nvPicPr>
-          <p:cNvPr id="5" name="Kép 4" descr="A képen szöveg látható&#10;&#10;Automatikusan generált leírás">
-            <a:extLst>
-              <a:ext uri="{FF2B5EF4-FFF2-40B4-BE49-F238E27FC236}">
-                <a16:creationId xmlns:a16="http://schemas.microsoft.com/office/drawing/2014/main" id="{995C74D5-A2F3-2314-5958-B977015B8946}"/>
-              </a:ext>
-            </a:extLst>
-          </p:cNvPr>
-          <p:cNvPicPr>
-            <a:picLocks noChangeAspect="1"/>
-          </p:cNvPicPr>
-          <p:nvPr/>
-        </p:nvPicPr>
-        <p:blipFill>
-          <a:blip r:embed="rId3"/>
-          <a:stretch>
-            <a:fillRect/>
-          </a:stretch>
-        </p:blipFill>
-        <p:spPr>
-          <a:xfrm>
-            <a:off x="990089" y="2413337"/>
-            <a:ext cx="2172003" cy="1971950"/>
-          </a:xfrm>
-          <a:prstGeom prst="rect">
-            <a:avLst/>
-          </a:prstGeom>
-        </p:spPr>
-      </p:pic>
-      <p:sp>
-        <p:nvSpPr>
-          <p:cNvPr id="6" name="Szövegdoboz 5">
-            <a:extLst>
-              <a:ext uri="{FF2B5EF4-FFF2-40B4-BE49-F238E27FC236}">
-                <a16:creationId xmlns:a16="http://schemas.microsoft.com/office/drawing/2014/main" id="{393832EE-983E-956B-E72D-32C9A8FB4DA9}"/>
+                <a16:creationId xmlns:a16="http://schemas.microsoft.com/office/drawing/2014/main" id="{D62BCE41-A34F-41D4-BAD2-E566C50E9041}"/>
               </a:ext>
             </a:extLst>
           </p:cNvPr>
@@ -3049,8 +2987,8 @@
         </p:nvSpPr>
         <p:spPr>
           <a:xfrm>
-            <a:off x="4632386" y="1469264"/>
-            <a:ext cx="6349041" cy="2862322"/>
+            <a:off x="567702" y="1410345"/>
+            <a:ext cx="4658327" cy="369332"/>
           </a:xfrm>
           <a:prstGeom prst="rect">
             <a:avLst/>
@@ -3058,81 +2996,31 @@
           <a:noFill/>
         </p:spPr>
         <p:txBody>
-          <a:bodyPr wrap="square" rtlCol="0">
+          <a:bodyPr wrap="none" rtlCol="0">
             <a:spAutoFit/>
           </a:bodyPr>
           <a:lstStyle/>
           <a:p>
             <a:r>
               <a:rPr lang="hu-HU" dirty="0"/>
-              <a:t>1. A biztonság nálunk a legfontosabb, ezért minden jelszót a hálózati eszközökön </a:t>
-            </a:r>
-            <a:r>
-              <a:rPr lang="hu-HU" dirty="0" err="1"/>
-              <a:t>titkosítunk</a:t>
-            </a:r>
-            <a:r>
-              <a:rPr lang="hu-HU" dirty="0"/>
-              <a:t>.</a:t>
-            </a:r>
-          </a:p>
-          <a:p>
-            <a:r>
-              <a:rPr lang="hu-HU" dirty="0"/>
-              <a:t>2. A jelszókat csak a illetékes rendszergazdával osztunk meg.</a:t>
-            </a:r>
-          </a:p>
-          <a:p>
-            <a:r>
-              <a:rPr lang="hu-HU" dirty="0"/>
-              <a:t>3. Mindent szerveren tárolunk és havi szintű másolatokat készítünk hálózati információkról/</a:t>
-            </a:r>
-            <a:r>
-              <a:rPr lang="hu-HU"/>
-              <a:t>statisztikáról.</a:t>
+              <a:t>Ajánlat elérés: </a:t>
+            </a:r>
+            <a:r>
+              <a:rPr lang="hu-HU" dirty="0">
+                <a:hlinkClick r:id="rId3"/>
+              </a:rPr>
+              <a:t>https://trello.com/c/HjOZIayC</a:t>
             </a:r>
             <a:endParaRPr lang="hu-HU" dirty="0"/>
-          </a:p>
-          <a:p>
-            <a:r>
-              <a:rPr lang="hu-HU" dirty="0"/>
-              <a:t>4. </a:t>
-            </a:r>
-            <a:r>
-              <a:rPr lang="hu-HU" b="0" i="0" dirty="0" err="1">
-                <a:effectLst/>
-                <a:latin typeface="Segoe UI Historic" panose="020B0502040204020203" pitchFamily="34" charset="0"/>
-              </a:rPr>
-              <a:t>Secure</a:t>
-            </a:r>
-            <a:r>
-              <a:rPr lang="hu-HU" b="0" i="0" dirty="0">
-                <a:effectLst/>
-                <a:latin typeface="Segoe UI Historic" panose="020B0502040204020203" pitchFamily="34" charset="0"/>
-              </a:rPr>
-              <a:t> Shell (SSH) Az SSH a javasolt sávon belüli módszer, hogy a hálózaton keresztül, virtuális interfész segítségével biztonságos parancssoros kapcsolatot létesítsünk.</a:t>
-            </a:r>
-          </a:p>
-          <a:p>
-            <a:r>
-              <a:rPr lang="hu-HU" dirty="0">
-                <a:latin typeface="Segoe UI Historic" panose="020B0502040204020203" pitchFamily="34" charset="0"/>
-              </a:rPr>
-              <a:t>Így ez által megvédjük a hálózatot az illetéktelen hozzáférésektől.</a:t>
-            </a:r>
-            <a:endParaRPr lang="hu-HU" b="0" i="0" dirty="0">
-              <a:effectLst/>
-              <a:latin typeface="Segoe UI Historic" panose="020B0502040204020203" pitchFamily="34" charset="0"/>
-            </a:endParaRPr>
           </a:p>
         </p:txBody>
       </p:sp>
       <p:pic>
         <p:nvPicPr>
-          <p:cNvPr id="8" name="Kép 7">
+          <p:cNvPr id="9" name="Kép 8">
             <a:extLst>
               <a:ext uri="{FF2B5EF4-FFF2-40B4-BE49-F238E27FC236}">
-                <a16:creationId xmlns:a16="http://schemas.microsoft.com/office/drawing/2014/main" id="{DA7529BD-3045-72E0-4730-55894BF1425B}"/>
+                <a16:creationId xmlns:a16="http://schemas.microsoft.com/office/drawing/2014/main" id="{4FBDA081-E6F0-423A-B3CD-589EA2548F65}"/>
               </a:ext>
             </a:extLst>
           </p:cNvPr>
@@ -3149,8 +3037,8 @@
         </p:blipFill>
         <p:spPr>
           <a:xfrm>
-            <a:off x="2576855" y="5388736"/>
-            <a:ext cx="6537957" cy="640080"/>
+            <a:off x="971292" y="2182861"/>
+            <a:ext cx="4254737" cy="2621222"/>
           </a:xfrm>
           <a:prstGeom prst="rect">
             <a:avLst/>
@@ -3159,10 +3047,10 @@
       </p:pic>
       <p:pic>
         <p:nvPicPr>
-          <p:cNvPr id="10" name="Kép 9">
+          <p:cNvPr id="12" name="Kép 11">
             <a:extLst>
               <a:ext uri="{FF2B5EF4-FFF2-40B4-BE49-F238E27FC236}">
-                <a16:creationId xmlns:a16="http://schemas.microsoft.com/office/drawing/2014/main" id="{8464C41B-966E-0850-9F4B-132EEC0AD4E5}"/>
+                <a16:creationId xmlns:a16="http://schemas.microsoft.com/office/drawing/2014/main" id="{45274234-1DCF-4155-AF37-C67AB03A9B74}"/>
               </a:ext>
             </a:extLst>
           </p:cNvPr>
@@ -3179,8 +3067,38 @@
         </p:blipFill>
         <p:spPr>
           <a:xfrm>
-            <a:off x="990089" y="1721632"/>
-            <a:ext cx="3296110" cy="257211"/>
+            <a:off x="7082793" y="479052"/>
+            <a:ext cx="3006353" cy="6028841"/>
+          </a:xfrm>
+          <a:prstGeom prst="rect">
+            <a:avLst/>
+          </a:prstGeom>
+        </p:spPr>
+      </p:pic>
+      <p:pic>
+        <p:nvPicPr>
+          <p:cNvPr id="8" name="Kép 7">
+            <a:extLst>
+              <a:ext uri="{FF2B5EF4-FFF2-40B4-BE49-F238E27FC236}">
+                <a16:creationId xmlns:a16="http://schemas.microsoft.com/office/drawing/2014/main" id="{CD4F7C5B-D540-42EC-9AEC-707261F00D86}"/>
+              </a:ext>
+            </a:extLst>
+          </p:cNvPr>
+          <p:cNvPicPr>
+            <a:picLocks noChangeAspect="1"/>
+          </p:cNvPicPr>
+          <p:nvPr/>
+        </p:nvPicPr>
+        <p:blipFill>
+          <a:blip r:embed="rId6"/>
+          <a:stretch>
+            <a:fillRect/>
+          </a:stretch>
+        </p:blipFill>
+        <p:spPr>
+          <a:xfrm>
+            <a:off x="10864515" y="5541221"/>
+            <a:ext cx="1069307" cy="1064116"/>
           </a:xfrm>
           <a:prstGeom prst="rect">
             <a:avLst/>
@@ -3190,7 +3108,7 @@
     </p:spTree>
     <p:extLst>
       <p:ext uri="{BB962C8B-B14F-4D97-AF65-F5344CB8AC3E}">
-        <p14:creationId xmlns:p14="http://schemas.microsoft.com/office/powerpoint/2010/main" val="2073916511"/>
+        <p14:creationId xmlns:p14="http://schemas.microsoft.com/office/powerpoint/2010/main" val="2596833607"/>
       </p:ext>
     </p:extLst>
   </p:cSld>
@@ -3219,196 +3137,6 @@
       </p:grpSpPr>
       <p:sp>
         <p:nvSpPr>
-          <p:cNvPr id="3" name="Cím 2"/>
-          <p:cNvSpPr>
-            <a:spLocks noGrp="1"/>
-          </p:cNvSpPr>
-          <p:nvPr>
-            <p:ph type="title"/>
-          </p:nvPr>
-        </p:nvSpPr>
-        <p:spPr>
-          <a:xfrm>
-            <a:off x="567702" y="479052"/>
-            <a:ext cx="6877119" cy="640080"/>
-          </a:xfrm>
-        </p:spPr>
-        <p:txBody>
-          <a:bodyPr rtlCol="0"/>
-          <a:lstStyle/>
-          <a:p>
-            <a:pPr rtl="0"/>
-            <a:r>
-              <a:rPr lang="hu-HU" dirty="0"/>
-              <a:t>Ajánlat készítés</a:t>
-            </a:r>
-          </a:p>
-        </p:txBody>
-      </p:sp>
-      <p:sp>
-        <p:nvSpPr>
-          <p:cNvPr id="7" name="Szövegdoboz 6">
-            <a:extLst>
-              <a:ext uri="{FF2B5EF4-FFF2-40B4-BE49-F238E27FC236}">
-                <a16:creationId xmlns:a16="http://schemas.microsoft.com/office/drawing/2014/main" id="{D62BCE41-A34F-41D4-BAD2-E566C50E9041}"/>
-              </a:ext>
-            </a:extLst>
-          </p:cNvPr>
-          <p:cNvSpPr txBox="1"/>
-          <p:nvPr/>
-        </p:nvSpPr>
-        <p:spPr>
-          <a:xfrm>
-            <a:off x="567702" y="1410345"/>
-            <a:ext cx="4658327" cy="369332"/>
-          </a:xfrm>
-          <a:prstGeom prst="rect">
-            <a:avLst/>
-          </a:prstGeom>
-          <a:noFill/>
-        </p:spPr>
-        <p:txBody>
-          <a:bodyPr wrap="none" rtlCol="0">
-            <a:spAutoFit/>
-          </a:bodyPr>
-          <a:lstStyle/>
-          <a:p>
-            <a:r>
-              <a:rPr lang="hu-HU" dirty="0"/>
-              <a:t>Ajánlat elérés: </a:t>
-            </a:r>
-            <a:r>
-              <a:rPr lang="hu-HU" dirty="0">
-                <a:hlinkClick r:id="rId3"/>
-              </a:rPr>
-              <a:t>https://trello.com/c/HjOZIayC</a:t>
-            </a:r>
-            <a:endParaRPr lang="hu-HU" dirty="0"/>
-          </a:p>
-        </p:txBody>
-      </p:sp>
-      <p:pic>
-        <p:nvPicPr>
-          <p:cNvPr id="9" name="Kép 8">
-            <a:extLst>
-              <a:ext uri="{FF2B5EF4-FFF2-40B4-BE49-F238E27FC236}">
-                <a16:creationId xmlns:a16="http://schemas.microsoft.com/office/drawing/2014/main" id="{4FBDA081-E6F0-423A-B3CD-589EA2548F65}"/>
-              </a:ext>
-            </a:extLst>
-          </p:cNvPr>
-          <p:cNvPicPr>
-            <a:picLocks noChangeAspect="1"/>
-          </p:cNvPicPr>
-          <p:nvPr/>
-        </p:nvPicPr>
-        <p:blipFill>
-          <a:blip r:embed="rId4"/>
-          <a:stretch>
-            <a:fillRect/>
-          </a:stretch>
-        </p:blipFill>
-        <p:spPr>
-          <a:xfrm>
-            <a:off x="971292" y="2182861"/>
-            <a:ext cx="4254737" cy="2621222"/>
-          </a:xfrm>
-          <a:prstGeom prst="rect">
-            <a:avLst/>
-          </a:prstGeom>
-        </p:spPr>
-      </p:pic>
-      <p:pic>
-        <p:nvPicPr>
-          <p:cNvPr id="12" name="Kép 11">
-            <a:extLst>
-              <a:ext uri="{FF2B5EF4-FFF2-40B4-BE49-F238E27FC236}">
-                <a16:creationId xmlns:a16="http://schemas.microsoft.com/office/drawing/2014/main" id="{45274234-1DCF-4155-AF37-C67AB03A9B74}"/>
-              </a:ext>
-            </a:extLst>
-          </p:cNvPr>
-          <p:cNvPicPr>
-            <a:picLocks noChangeAspect="1"/>
-          </p:cNvPicPr>
-          <p:nvPr/>
-        </p:nvPicPr>
-        <p:blipFill>
-          <a:blip r:embed="rId5"/>
-          <a:stretch>
-            <a:fillRect/>
-          </a:stretch>
-        </p:blipFill>
-        <p:spPr>
-          <a:xfrm>
-            <a:off x="7082793" y="479052"/>
-            <a:ext cx="3006353" cy="6028841"/>
-          </a:xfrm>
-          <a:prstGeom prst="rect">
-            <a:avLst/>
-          </a:prstGeom>
-        </p:spPr>
-      </p:pic>
-      <p:pic>
-        <p:nvPicPr>
-          <p:cNvPr id="8" name="Kép 7">
-            <a:extLst>
-              <a:ext uri="{FF2B5EF4-FFF2-40B4-BE49-F238E27FC236}">
-                <a16:creationId xmlns:a16="http://schemas.microsoft.com/office/drawing/2014/main" id="{CD4F7C5B-D540-42EC-9AEC-707261F00D86}"/>
-              </a:ext>
-            </a:extLst>
-          </p:cNvPr>
-          <p:cNvPicPr>
-            <a:picLocks noChangeAspect="1"/>
-          </p:cNvPicPr>
-          <p:nvPr/>
-        </p:nvPicPr>
-        <p:blipFill>
-          <a:blip r:embed="rId6"/>
-          <a:stretch>
-            <a:fillRect/>
-          </a:stretch>
-        </p:blipFill>
-        <p:spPr>
-          <a:xfrm>
-            <a:off x="10864515" y="5541221"/>
-            <a:ext cx="1069307" cy="1064116"/>
-          </a:xfrm>
-          <a:prstGeom prst="rect">
-            <a:avLst/>
-          </a:prstGeom>
-        </p:spPr>
-      </p:pic>
-    </p:spTree>
-    <p:extLst>
-      <p:ext uri="{BB962C8B-B14F-4D97-AF65-F5344CB8AC3E}">
-        <p14:creationId xmlns:p14="http://schemas.microsoft.com/office/powerpoint/2010/main" val="2596833607"/>
-      </p:ext>
-    </p:extLst>
-  </p:cSld>
-  <p:clrMapOvr>
-    <a:masterClrMapping/>
-  </p:clrMapOvr>
-</p:sld>
-</file>
-
-<file path=ppt/slides/slide12.xml><?xml version="1.0" encoding="utf-8"?>
-<p:sld xmlns:a="http://schemas.openxmlformats.org/drawingml/2006/main" xmlns:r="http://schemas.openxmlformats.org/officeDocument/2006/relationships" xmlns:p="http://schemas.openxmlformats.org/presentationml/2006/main">
-  <p:cSld>
-    <p:spTree>
-      <p:nvGrpSpPr>
-        <p:cNvPr id="1" name=""/>
-        <p:cNvGrpSpPr/>
-        <p:nvPr/>
-      </p:nvGrpSpPr>
-      <p:grpSpPr>
-        <a:xfrm>
-          <a:off x="0" y="0"/>
-          <a:ext cx="0" cy="0"/>
-          <a:chOff x="0" y="0"/>
-          <a:chExt cx="0" cy="0"/>
-        </a:xfrm>
-      </p:grpSpPr>
-      <p:sp>
-        <p:nvSpPr>
           <p:cNvPr id="2" name="Cím 1"/>
           <p:cNvSpPr>
             <a:spLocks noGrp="1"/>
@@ -3516,7 +3244,7 @@
 </p:sld>
 </file>
 
-<file path=ppt/slides/slide13.xml><?xml version="1.0" encoding="utf-8"?>
+<file path=ppt/slides/slide12.xml><?xml version="1.0" encoding="utf-8"?>
 <p:sld xmlns:a="http://schemas.openxmlformats.org/drawingml/2006/main" xmlns:r="http://schemas.openxmlformats.org/officeDocument/2006/relationships" xmlns:p="http://schemas.openxmlformats.org/presentationml/2006/main">
   <p:cSld>
     <p:spTree>
@@ -3696,7 +3424,7 @@
 </p:sld>
 </file>
 
-<file path=ppt/slides/slide14.xml><?xml version="1.0" encoding="utf-8"?>
+<file path=ppt/slides/slide13.xml><?xml version="1.0" encoding="utf-8"?>
 <p:sld xmlns:a="http://schemas.openxmlformats.org/drawingml/2006/main" xmlns:r="http://schemas.openxmlformats.org/officeDocument/2006/relationships" xmlns:p="http://schemas.openxmlformats.org/presentationml/2006/main">
   <p:cSld>
     <p:spTree>
@@ -5219,7 +4947,7 @@
           <p:cNvPr id="2" name="Cím 1">
             <a:extLst>
               <a:ext uri="{FF2B5EF4-FFF2-40B4-BE49-F238E27FC236}">
-                <a16:creationId xmlns:a16="http://schemas.microsoft.com/office/drawing/2014/main" id="{D888C9D4-1018-402E-BEC3-7F7306465DB6}"/>
+                <a16:creationId xmlns:a16="http://schemas.microsoft.com/office/drawing/2014/main" id="{C41340DF-701C-4460-A0C3-E38411508FB6}"/>
               </a:ext>
             </a:extLst>
           </p:cNvPr>
@@ -5237,8 +4965,13 @@
           <a:p>
             <a:r>
               <a:rPr lang="hu-HU" b="1" dirty="0"/>
-              <a:t>Hálózati beállítások</a:t>
-            </a:r>
+              <a:t>Biztonság, SSH, </a:t>
+            </a:r>
+            <a:r>
+              <a:rPr lang="hu-HU" b="1" dirty="0" err="1"/>
+              <a:t>Topologia</a:t>
+            </a:r>
+            <a:endParaRPr lang="hu-HU" b="1" dirty="0"/>
           </a:p>
         </p:txBody>
       </p:sp>
@@ -5247,7 +4980,7 @@
           <p:cNvPr id="4" name="Kép 3">
             <a:extLst>
               <a:ext uri="{FF2B5EF4-FFF2-40B4-BE49-F238E27FC236}">
-                <a16:creationId xmlns:a16="http://schemas.microsoft.com/office/drawing/2014/main" id="{D975BEE0-43B8-42E3-A778-DB8BB610B85E}"/>
+                <a16:creationId xmlns:a16="http://schemas.microsoft.com/office/drawing/2014/main" id="{D939BFB7-3F55-4C8E-AF7D-1D4E828BD9B0}"/>
               </a:ext>
             </a:extLst>
           </p:cNvPr>
@@ -5274,10 +5007,10 @@
       </p:pic>
       <p:pic>
         <p:nvPicPr>
-          <p:cNvPr id="5" name="Kép 4">
+          <p:cNvPr id="5" name="Kép 4" descr="A képen szöveg látható&#10;&#10;Automatikusan generált leírás">
             <a:extLst>
               <a:ext uri="{FF2B5EF4-FFF2-40B4-BE49-F238E27FC236}">
-                <a16:creationId xmlns:a16="http://schemas.microsoft.com/office/drawing/2014/main" id="{A7DE48B9-5B9A-43A8-A521-E570B0CAB0E5}"/>
+                <a16:creationId xmlns:a16="http://schemas.microsoft.com/office/drawing/2014/main" id="{995C74D5-A2F3-2314-5958-B977015B8946}"/>
               </a:ext>
             </a:extLst>
           </p:cNvPr>
@@ -5294,8 +5027,185 @@
         </p:blipFill>
         <p:spPr>
           <a:xfrm>
-            <a:off x="5665815" y="1754587"/>
-            <a:ext cx="6046174" cy="3348826"/>
+            <a:off x="521207" y="1877098"/>
+            <a:ext cx="2172003" cy="1971950"/>
+          </a:xfrm>
+          <a:prstGeom prst="rect">
+            <a:avLst/>
+          </a:prstGeom>
+        </p:spPr>
+      </p:pic>
+      <p:sp>
+        <p:nvSpPr>
+          <p:cNvPr id="6" name="Szövegdoboz 5">
+            <a:extLst>
+              <a:ext uri="{FF2B5EF4-FFF2-40B4-BE49-F238E27FC236}">
+                <a16:creationId xmlns:a16="http://schemas.microsoft.com/office/drawing/2014/main" id="{393832EE-983E-956B-E72D-32C9A8FB4DA9}"/>
+              </a:ext>
+            </a:extLst>
+          </p:cNvPr>
+          <p:cNvSpPr txBox="1"/>
+          <p:nvPr/>
+        </p:nvSpPr>
+        <p:spPr>
+          <a:xfrm>
+            <a:off x="525388" y="3826110"/>
+            <a:ext cx="6349041" cy="2862322"/>
+          </a:xfrm>
+          <a:prstGeom prst="rect">
+            <a:avLst/>
+          </a:prstGeom>
+          <a:noFill/>
+        </p:spPr>
+        <p:txBody>
+          <a:bodyPr wrap="square" rtlCol="0">
+            <a:spAutoFit/>
+          </a:bodyPr>
+          <a:lstStyle/>
+          <a:p>
+            <a:r>
+              <a:rPr lang="hu-HU" dirty="0"/>
+              <a:t>1. A biztonság nálunk a legfontosabb, ezért minden jelszót a hálózati eszközökön </a:t>
+            </a:r>
+            <a:r>
+              <a:rPr lang="hu-HU" dirty="0" err="1"/>
+              <a:t>titkosítunk</a:t>
+            </a:r>
+            <a:r>
+              <a:rPr lang="hu-HU" dirty="0"/>
+              <a:t>.</a:t>
+            </a:r>
+          </a:p>
+          <a:p>
+            <a:r>
+              <a:rPr lang="hu-HU" dirty="0"/>
+              <a:t>2. A jelszókat csak a illetékes rendszergazdával osztunk meg.</a:t>
+            </a:r>
+          </a:p>
+          <a:p>
+            <a:r>
+              <a:rPr lang="hu-HU" dirty="0"/>
+              <a:t>3. Mindent szerveren tárolunk és havi szintű másolatokat készítünk hálózati információkról/statisztikáról.</a:t>
+            </a:r>
+          </a:p>
+          <a:p>
+            <a:r>
+              <a:rPr lang="hu-HU" dirty="0"/>
+              <a:t>4. </a:t>
+            </a:r>
+            <a:r>
+              <a:rPr lang="hu-HU" b="0" i="0" dirty="0" err="1">
+                <a:effectLst/>
+                <a:latin typeface="Segoe UI Historic" panose="020B0502040204020203" pitchFamily="34" charset="0"/>
+              </a:rPr>
+              <a:t>Secure</a:t>
+            </a:r>
+            <a:r>
+              <a:rPr lang="hu-HU" b="0" i="0" dirty="0">
+                <a:effectLst/>
+                <a:latin typeface="Segoe UI Historic" panose="020B0502040204020203" pitchFamily="34" charset="0"/>
+              </a:rPr>
+              <a:t> Shell (SSH) Az SSH a javasolt sávon belüli módszer, hogy a hálózaton keresztül, virtuális interfész segítségével biztonságos parancssoros kapcsolatot létesítsünk.</a:t>
+            </a:r>
+          </a:p>
+          <a:p>
+            <a:r>
+              <a:rPr lang="hu-HU" dirty="0">
+                <a:latin typeface="Segoe UI Historic" panose="020B0502040204020203" pitchFamily="34" charset="0"/>
+              </a:rPr>
+              <a:t>Így ez által megvédjük a hálózatot az illetéktelen hozzáférésektől.</a:t>
+            </a:r>
+            <a:endParaRPr lang="hu-HU" b="0" i="0" dirty="0">
+              <a:effectLst/>
+              <a:latin typeface="Segoe UI Historic" panose="020B0502040204020203" pitchFamily="34" charset="0"/>
+            </a:endParaRPr>
+          </a:p>
+        </p:txBody>
+      </p:sp>
+      <p:pic>
+        <p:nvPicPr>
+          <p:cNvPr id="8" name="Kép 7">
+            <a:extLst>
+              <a:ext uri="{FF2B5EF4-FFF2-40B4-BE49-F238E27FC236}">
+                <a16:creationId xmlns:a16="http://schemas.microsoft.com/office/drawing/2014/main" id="{DA7529BD-3045-72E0-4730-55894BF1425B}"/>
+              </a:ext>
+            </a:extLst>
+          </p:cNvPr>
+          <p:cNvPicPr>
+            <a:picLocks noChangeAspect="1"/>
+          </p:cNvPicPr>
+          <p:nvPr/>
+        </p:nvPicPr>
+        <p:blipFill>
+          <a:blip r:embed="rId4"/>
+          <a:stretch>
+            <a:fillRect/>
+          </a:stretch>
+        </p:blipFill>
+        <p:spPr>
+          <a:xfrm>
+            <a:off x="4189995" y="1409523"/>
+            <a:ext cx="6537957" cy="640080"/>
+          </a:xfrm>
+          <a:prstGeom prst="rect">
+            <a:avLst/>
+          </a:prstGeom>
+        </p:spPr>
+      </p:pic>
+      <p:pic>
+        <p:nvPicPr>
+          <p:cNvPr id="10" name="Kép 9">
+            <a:extLst>
+              <a:ext uri="{FF2B5EF4-FFF2-40B4-BE49-F238E27FC236}">
+                <a16:creationId xmlns:a16="http://schemas.microsoft.com/office/drawing/2014/main" id="{8464C41B-966E-0850-9F4B-132EEC0AD4E5}"/>
+              </a:ext>
+            </a:extLst>
+          </p:cNvPr>
+          <p:cNvPicPr>
+            <a:picLocks noChangeAspect="1"/>
+          </p:cNvPicPr>
+          <p:nvPr/>
+        </p:nvPicPr>
+        <p:blipFill>
+          <a:blip r:embed="rId5"/>
+          <a:stretch>
+            <a:fillRect/>
+          </a:stretch>
+        </p:blipFill>
+        <p:spPr>
+          <a:xfrm>
+            <a:off x="601129" y="1369104"/>
+            <a:ext cx="3296110" cy="257211"/>
+          </a:xfrm>
+          <a:prstGeom prst="rect">
+            <a:avLst/>
+          </a:prstGeom>
+        </p:spPr>
+      </p:pic>
+      <p:pic>
+        <p:nvPicPr>
+          <p:cNvPr id="3" name="Kép 2">
+            <a:extLst>
+              <a:ext uri="{FF2B5EF4-FFF2-40B4-BE49-F238E27FC236}">
+                <a16:creationId xmlns:a16="http://schemas.microsoft.com/office/drawing/2014/main" id="{92E7E662-0F1A-667F-4887-64A9FEBCC70C}"/>
+              </a:ext>
+            </a:extLst>
+          </p:cNvPr>
+          <p:cNvPicPr>
+            <a:picLocks noChangeAspect="1"/>
+          </p:cNvPicPr>
+          <p:nvPr/>
+        </p:nvPicPr>
+        <p:blipFill>
+          <a:blip r:embed="rId6"/>
+          <a:stretch>
+            <a:fillRect/>
+          </a:stretch>
+        </p:blipFill>
+        <p:spPr>
+          <a:xfrm>
+            <a:off x="3226023" y="2286722"/>
+            <a:ext cx="7501929" cy="4155133"/>
           </a:xfrm>
           <a:prstGeom prst="rect">
             <a:avLst/>
@@ -5305,13 +5215,142 @@
     </p:spTree>
     <p:extLst>
       <p:ext uri="{BB962C8B-B14F-4D97-AF65-F5344CB8AC3E}">
-        <p14:creationId xmlns:p14="http://schemas.microsoft.com/office/powerpoint/2010/main" val="3049969822"/>
+        <p14:creationId xmlns:p14="http://schemas.microsoft.com/office/powerpoint/2010/main" val="2073916511"/>
       </p:ext>
     </p:extLst>
   </p:cSld>
   <p:clrMapOvr>
     <a:masterClrMapping/>
   </p:clrMapOvr>
+  <p:timing>
+    <p:tnLst>
+      <p:par>
+        <p:cTn id="1" dur="indefinite" restart="never" nodeType="tmRoot">
+          <p:childTnLst>
+            <p:seq concurrent="1" nextAc="seek">
+              <p:cTn id="2" dur="indefinite" nodeType="mainSeq">
+                <p:childTnLst>
+                  <p:par>
+                    <p:cTn id="3" fill="hold">
+                      <p:stCondLst>
+                        <p:cond delay="indefinite"/>
+                      </p:stCondLst>
+                      <p:childTnLst>
+                        <p:par>
+                          <p:cTn id="4" fill="hold">
+                            <p:stCondLst>
+                              <p:cond delay="0"/>
+                            </p:stCondLst>
+                            <p:childTnLst>
+                              <p:par>
+                                <p:cTn id="5" presetID="42" presetClass="entr" presetSubtype="0" fill="hold" nodeType="clickEffect">
+                                  <p:stCondLst>
+                                    <p:cond delay="0"/>
+                                  </p:stCondLst>
+                                  <p:childTnLst>
+                                    <p:set>
+                                      <p:cBhvr>
+                                        <p:cTn id="6" dur="1" fill="hold">
+                                          <p:stCondLst>
+                                            <p:cond delay="0"/>
+                                          </p:stCondLst>
+                                        </p:cTn>
+                                        <p:tgtEl>
+                                          <p:spTgt spid="3"/>
+                                        </p:tgtEl>
+                                        <p:attrNameLst>
+                                          <p:attrName>style.visibility</p:attrName>
+                                        </p:attrNameLst>
+                                      </p:cBhvr>
+                                      <p:to>
+                                        <p:strVal val="visible"/>
+                                      </p:to>
+                                    </p:set>
+                                    <p:animEffect transition="in" filter="fade">
+                                      <p:cBhvr>
+                                        <p:cTn id="7" dur="1000"/>
+                                        <p:tgtEl>
+                                          <p:spTgt spid="3"/>
+                                        </p:tgtEl>
+                                      </p:cBhvr>
+                                    </p:animEffect>
+                                    <p:anim calcmode="lin" valueType="num">
+                                      <p:cBhvr>
+                                        <p:cTn id="8" dur="1000" fill="hold"/>
+                                        <p:tgtEl>
+                                          <p:spTgt spid="3"/>
+                                        </p:tgtEl>
+                                        <p:attrNameLst>
+                                          <p:attrName>ppt_x</p:attrName>
+                                        </p:attrNameLst>
+                                      </p:cBhvr>
+                                      <p:tavLst>
+                                        <p:tav tm="0">
+                                          <p:val>
+                                            <p:strVal val="#ppt_x"/>
+                                          </p:val>
+                                        </p:tav>
+                                        <p:tav tm="100000">
+                                          <p:val>
+                                            <p:strVal val="#ppt_x"/>
+                                          </p:val>
+                                        </p:tav>
+                                      </p:tavLst>
+                                    </p:anim>
+                                    <p:anim calcmode="lin" valueType="num">
+                                      <p:cBhvr>
+                                        <p:cTn id="9" dur="1000" fill="hold"/>
+                                        <p:tgtEl>
+                                          <p:spTgt spid="3"/>
+                                        </p:tgtEl>
+                                        <p:attrNameLst>
+                                          <p:attrName>ppt_y</p:attrName>
+                                        </p:attrNameLst>
+                                      </p:cBhvr>
+                                      <p:tavLst>
+                                        <p:tav tm="0">
+                                          <p:val>
+                                            <p:strVal val="#ppt_y+.1"/>
+                                          </p:val>
+                                        </p:tav>
+                                        <p:tav tm="100000">
+                                          <p:val>
+                                            <p:strVal val="#ppt_y"/>
+                                          </p:val>
+                                        </p:tav>
+                                      </p:tavLst>
+                                    </p:anim>
+                                  </p:childTnLst>
+                                </p:cTn>
+                              </p:par>
+                            </p:childTnLst>
+                          </p:cTn>
+                        </p:par>
+                      </p:childTnLst>
+                    </p:cTn>
+                  </p:par>
+                </p:childTnLst>
+              </p:cTn>
+              <p:prevCondLst>
+                <p:cond evt="onPrev" delay="0">
+                  <p:tgtEl>
+                    <p:sldTgt/>
+                  </p:tgtEl>
+                </p:cond>
+              </p:prevCondLst>
+              <p:nextCondLst>
+                <p:cond evt="onNext" delay="0">
+                  <p:tgtEl>
+                    <p:sldTgt/>
+                  </p:tgtEl>
+                </p:cond>
+              </p:nextCondLst>
+            </p:seq>
+          </p:childTnLst>
+        </p:cTn>
+      </p:par>
+    </p:tnLst>
+  </p:timing>
 </p:sld>
 </file>
 
@@ -6073,15 +6112,6 @@
 </file>
 
 <file path=customXml/item1.xml><?xml version="1.0" encoding="utf-8"?>
-<p:properties xmlns:p="http://schemas.microsoft.com/office/2006/metadata/properties" xmlns:xsi="http://www.w3.org/2001/XMLSchema-instance" xmlns:pc="http://schemas.microsoft.com/office/infopath/2007/PartnerControls">
-  <documentManagement>
-    <Status xmlns="71af3243-3dd4-4a8d-8c0d-dd76da1f02a5">Not started</Status>
-    <MediaServiceKeyPoints xmlns="71af3243-3dd4-4a8d-8c0d-dd76da1f02a5" xsi:nil="true"/>
-  </documentManagement>
-</p:properties>
-</file>
-
-<file path=customXml/item2.xml><?xml version="1.0" encoding="utf-8"?>
 <ct:contentTypeSchema xmlns:ct="http://schemas.microsoft.com/office/2006/metadata/contentType" xmlns:ma="http://schemas.microsoft.com/office/2006/metadata/properties/metaAttributes" ct:_="" ma:_="" ma:contentTypeName="Document" ma:contentTypeID="0x01010079F111ED35F8CC479449609E8A0923A6" ma:contentTypeVersion="12" ma:contentTypeDescription="Create a new document." ma:contentTypeScope="" ma:versionID="a8a52e8c320b9a064ae3583ae3861c92">
   <xsd:schema xmlns:xsd="http://www.w3.org/2001/XMLSchema" xmlns:xs="http://www.w3.org/2001/XMLSchema" xmlns:p="http://schemas.microsoft.com/office/2006/metadata/properties" xmlns:ns2="71af3243-3dd4-4a8d-8c0d-dd76da1f02a5" xmlns:ns3="16c05727-aa75-4e4a-9b5f-8a80a1165891" targetNamespace="http://schemas.microsoft.com/office/2006/metadata/properties" ma:root="true" ma:fieldsID="88020cb39231a0945110f9cd888b521a" ns2:_="" ns3:_="">
     <xsd:import namespace="71af3243-3dd4-4a8d-8c0d-dd76da1f02a5"/>
@@ -6302,6 +6332,15 @@
 </ct:contentTypeSchema>
 </file>
 
+<file path=customXml/item2.xml><?xml version="1.0" encoding="utf-8"?>
+<p:properties xmlns:p="http://schemas.microsoft.com/office/2006/metadata/properties" xmlns:xsi="http://www.w3.org/2001/XMLSchema-instance" xmlns:pc="http://schemas.microsoft.com/office/infopath/2007/PartnerControls">
+  <documentManagement>
+    <Status xmlns="71af3243-3dd4-4a8d-8c0d-dd76da1f02a5">Not started</Status>
+    <MediaServiceKeyPoints xmlns="71af3243-3dd4-4a8d-8c0d-dd76da1f02a5" xsi:nil="true"/>
+  </documentManagement>
+</p:properties>
+</file>
+
 <file path=customXml/item3.xml><?xml version="1.0" encoding="utf-8"?>
 <?mso-contentType ?>
 <FormTemplates xmlns="http://schemas.microsoft.com/sharepoint/v3/contenttype/forms">
@@ -6312,23 +6351,6 @@
 </file>
 
 <file path=customXml/itemProps1.xml><?xml version="1.0" encoding="utf-8"?>
-<ds:datastoreItem xmlns:ds="http://schemas.openxmlformats.org/officeDocument/2006/customXml" ds:itemID="{950072C5-DDE0-4258-BA7A-4D4B80DFA632}">
-  <ds:schemaRefs>
-    <ds:schemaRef ds:uri="http://schemas.microsoft.com/office/2006/documentManagement/types"/>
-    <ds:schemaRef ds:uri="http://schemas.openxmlformats.org/package/2006/metadata/core-properties"/>
-    <ds:schemaRef ds:uri="16c05727-aa75-4e4a-9b5f-8a80a1165891"/>
-    <ds:schemaRef ds:uri="http://purl.org/dc/dcmitype/"/>
-    <ds:schemaRef ds:uri="http://schemas.microsoft.com/office/infopath/2007/PartnerControls"/>
-    <ds:schemaRef ds:uri="http://purl.org/dc/elements/1.1/"/>
-    <ds:schemaRef ds:uri="http://schemas.microsoft.com/office/2006/metadata/properties"/>
-    <ds:schemaRef ds:uri="71af3243-3dd4-4a8d-8c0d-dd76da1f02a5"/>
-    <ds:schemaRef ds:uri="http://www.w3.org/XML/1998/namespace"/>
-    <ds:schemaRef ds:uri="http://purl.org/dc/terms/"/>
-  </ds:schemaRefs>
-</ds:datastoreItem>
-</file>
-
-<file path=customXml/itemProps2.xml><?xml version="1.0" encoding="utf-8"?>
 <ds:datastoreItem xmlns:ds="http://schemas.openxmlformats.org/officeDocument/2006/customXml" ds:itemID="{FD7FC771-7DFE-49DA-B577-71181BFBCB2E}">
   <ds:schemaRefs>
     <ds:schemaRef ds:uri="http://schemas.microsoft.com/office/2006/metadata/contentType"/>
@@ -6347,6 +6369,23 @@
 </ds:datastoreItem>
 </file>
 
+<file path=customXml/itemProps2.xml><?xml version="1.0" encoding="utf-8"?>
+<ds:datastoreItem xmlns:ds="http://schemas.openxmlformats.org/officeDocument/2006/customXml" ds:itemID="{950072C5-DDE0-4258-BA7A-4D4B80DFA632}">
+  <ds:schemaRefs>
+    <ds:schemaRef ds:uri="http://schemas.microsoft.com/office/2006/documentManagement/types"/>
+    <ds:schemaRef ds:uri="http://schemas.openxmlformats.org/package/2006/metadata/core-properties"/>
+    <ds:schemaRef ds:uri="16c05727-aa75-4e4a-9b5f-8a80a1165891"/>
+    <ds:schemaRef ds:uri="http://purl.org/dc/dcmitype/"/>
+    <ds:schemaRef ds:uri="http://schemas.microsoft.com/office/infopath/2007/PartnerControls"/>
+    <ds:schemaRef ds:uri="http://purl.org/dc/elements/1.1/"/>
+    <ds:schemaRef ds:uri="http://schemas.microsoft.com/office/2006/metadata/properties"/>
+    <ds:schemaRef ds:uri="71af3243-3dd4-4a8d-8c0d-dd76da1f02a5"/>
+    <ds:schemaRef ds:uri="http://www.w3.org/XML/1998/namespace"/>
+    <ds:schemaRef ds:uri="http://purl.org/dc/terms/"/>
+  </ds:schemaRefs>
+</ds:datastoreItem>
+</file>
+
 <file path=customXml/itemProps3.xml><?xml version="1.0" encoding="utf-8"?>
 <ds:datastoreItem xmlns:ds="http://schemas.openxmlformats.org/officeDocument/2006/customXml" ds:itemID="{7EE8C63A-4744-4DE4-BB49-0FF0B5375C60}">
   <ds:schemaRefs>

--- a/F5 team bemutató.pptx
+++ b/F5 team bemutató.pptx
@@ -2891,7 +2891,7 @@
         <p:spPr>
           <a:xfrm>
             <a:off x="728420" y="4711485"/>
-            <a:ext cx="5434693" cy="369332"/>
+            <a:ext cx="5451942" cy="369332"/>
           </a:xfrm>
           <a:prstGeom prst="rect">
             <a:avLst/>
@@ -2912,6 +2912,48 @@
               </a:rPr>
               <a:t>Tagok: Simon Elizabeth, Buzási Gergő, Koch Nikolett</a:t>
             </a:r>
+          </a:p>
+        </p:txBody>
+      </p:sp>
+      <p:sp>
+        <p:nvSpPr>
+          <p:cNvPr id="3" name="Szövegdoboz 2">
+            <a:extLst>
+              <a:ext uri="{FF2B5EF4-FFF2-40B4-BE49-F238E27FC236}">
+                <a16:creationId xmlns:a16="http://schemas.microsoft.com/office/drawing/2014/main" id="{7E25594E-8D59-9072-46AC-42774FD53063}"/>
+              </a:ext>
+            </a:extLst>
+          </p:cNvPr>
+          <p:cNvSpPr txBox="1"/>
+          <p:nvPr/>
+        </p:nvSpPr>
+        <p:spPr>
+          <a:xfrm>
+            <a:off x="5052492" y="6211669"/>
+            <a:ext cx="4747116" cy="646331"/>
+          </a:xfrm>
+          <a:prstGeom prst="rect">
+            <a:avLst/>
+          </a:prstGeom>
+          <a:noFill/>
+        </p:spPr>
+        <p:txBody>
+          <a:bodyPr wrap="square" rtlCol="0">
+            <a:spAutoFit/>
+          </a:bodyPr>
+          <a:lstStyle/>
+          <a:p>
+            <a:r>
+              <a:rPr lang="hu-HU" dirty="0">
+                <a:solidFill>
+                  <a:schemeClr val="bg1"/>
+                </a:solidFill>
+              </a:rPr>
+              <a:t>Dátum:2022.12.20</a:t>
+            </a:r>
+          </a:p>
+          <a:p>
+            <a:endParaRPr lang="hu-HU" dirty="0"/>
           </a:p>
         </p:txBody>
       </p:sp>
@@ -6112,6 +6154,15 @@
 </file>
 
 <file path=customXml/item1.xml><?xml version="1.0" encoding="utf-8"?>
+<p:properties xmlns:p="http://schemas.microsoft.com/office/2006/metadata/properties" xmlns:xsi="http://www.w3.org/2001/XMLSchema-instance" xmlns:pc="http://schemas.microsoft.com/office/infopath/2007/PartnerControls">
+  <documentManagement>
+    <Status xmlns="71af3243-3dd4-4a8d-8c0d-dd76da1f02a5">Not started</Status>
+    <MediaServiceKeyPoints xmlns="71af3243-3dd4-4a8d-8c0d-dd76da1f02a5" xsi:nil="true"/>
+  </documentManagement>
+</p:properties>
+</file>
+
+<file path=customXml/item2.xml><?xml version="1.0" encoding="utf-8"?>
 <ct:contentTypeSchema xmlns:ct="http://schemas.microsoft.com/office/2006/metadata/contentType" xmlns:ma="http://schemas.microsoft.com/office/2006/metadata/properties/metaAttributes" ct:_="" ma:_="" ma:contentTypeName="Document" ma:contentTypeID="0x01010079F111ED35F8CC479449609E8A0923A6" ma:contentTypeVersion="12" ma:contentTypeDescription="Create a new document." ma:contentTypeScope="" ma:versionID="a8a52e8c320b9a064ae3583ae3861c92">
   <xsd:schema xmlns:xsd="http://www.w3.org/2001/XMLSchema" xmlns:xs="http://www.w3.org/2001/XMLSchema" xmlns:p="http://schemas.microsoft.com/office/2006/metadata/properties" xmlns:ns2="71af3243-3dd4-4a8d-8c0d-dd76da1f02a5" xmlns:ns3="16c05727-aa75-4e4a-9b5f-8a80a1165891" targetNamespace="http://schemas.microsoft.com/office/2006/metadata/properties" ma:root="true" ma:fieldsID="88020cb39231a0945110f9cd888b521a" ns2:_="" ns3:_="">
     <xsd:import namespace="71af3243-3dd4-4a8d-8c0d-dd76da1f02a5"/>
@@ -6332,15 +6383,6 @@
 </ct:contentTypeSchema>
 </file>
 
-<file path=customXml/item2.xml><?xml version="1.0" encoding="utf-8"?>
-<p:properties xmlns:p="http://schemas.microsoft.com/office/2006/metadata/properties" xmlns:xsi="http://www.w3.org/2001/XMLSchema-instance" xmlns:pc="http://schemas.microsoft.com/office/infopath/2007/PartnerControls">
-  <documentManagement>
-    <Status xmlns="71af3243-3dd4-4a8d-8c0d-dd76da1f02a5">Not started</Status>
-    <MediaServiceKeyPoints xmlns="71af3243-3dd4-4a8d-8c0d-dd76da1f02a5" xsi:nil="true"/>
-  </documentManagement>
-</p:properties>
-</file>
-
 <file path=customXml/item3.xml><?xml version="1.0" encoding="utf-8"?>
 <?mso-contentType ?>
 <FormTemplates xmlns="http://schemas.microsoft.com/sharepoint/v3/contenttype/forms">
@@ -6351,6 +6393,23 @@
 </file>
 
 <file path=customXml/itemProps1.xml><?xml version="1.0" encoding="utf-8"?>
+<ds:datastoreItem xmlns:ds="http://schemas.openxmlformats.org/officeDocument/2006/customXml" ds:itemID="{950072C5-DDE0-4258-BA7A-4D4B80DFA632}">
+  <ds:schemaRefs>
+    <ds:schemaRef ds:uri="http://schemas.microsoft.com/office/2006/documentManagement/types"/>
+    <ds:schemaRef ds:uri="http://schemas.openxmlformats.org/package/2006/metadata/core-properties"/>
+    <ds:schemaRef ds:uri="16c05727-aa75-4e4a-9b5f-8a80a1165891"/>
+    <ds:schemaRef ds:uri="http://purl.org/dc/dcmitype/"/>
+    <ds:schemaRef ds:uri="http://schemas.microsoft.com/office/infopath/2007/PartnerControls"/>
+    <ds:schemaRef ds:uri="http://purl.org/dc/elements/1.1/"/>
+    <ds:schemaRef ds:uri="http://schemas.microsoft.com/office/2006/metadata/properties"/>
+    <ds:schemaRef ds:uri="71af3243-3dd4-4a8d-8c0d-dd76da1f02a5"/>
+    <ds:schemaRef ds:uri="http://www.w3.org/XML/1998/namespace"/>
+    <ds:schemaRef ds:uri="http://purl.org/dc/terms/"/>
+  </ds:schemaRefs>
+</ds:datastoreItem>
+</file>
+
+<file path=customXml/itemProps2.xml><?xml version="1.0" encoding="utf-8"?>
 <ds:datastoreItem xmlns:ds="http://schemas.openxmlformats.org/officeDocument/2006/customXml" ds:itemID="{FD7FC771-7DFE-49DA-B577-71181BFBCB2E}">
   <ds:schemaRefs>
     <ds:schemaRef ds:uri="http://schemas.microsoft.com/office/2006/metadata/contentType"/>
@@ -6369,23 +6428,6 @@
 </ds:datastoreItem>
 </file>
 
-<file path=customXml/itemProps2.xml><?xml version="1.0" encoding="utf-8"?>
-<ds:datastoreItem xmlns:ds="http://schemas.openxmlformats.org/officeDocument/2006/customXml" ds:itemID="{950072C5-DDE0-4258-BA7A-4D4B80DFA632}">
-  <ds:schemaRefs>
-    <ds:schemaRef ds:uri="http://schemas.microsoft.com/office/2006/documentManagement/types"/>
-    <ds:schemaRef ds:uri="http://schemas.openxmlformats.org/package/2006/metadata/core-properties"/>
-    <ds:schemaRef ds:uri="16c05727-aa75-4e4a-9b5f-8a80a1165891"/>
-    <ds:schemaRef ds:uri="http://purl.org/dc/dcmitype/"/>
-    <ds:schemaRef ds:uri="http://schemas.microsoft.com/office/infopath/2007/PartnerControls"/>
-    <ds:schemaRef ds:uri="http://purl.org/dc/elements/1.1/"/>
-    <ds:schemaRef ds:uri="http://schemas.microsoft.com/office/2006/metadata/properties"/>
-    <ds:schemaRef ds:uri="71af3243-3dd4-4a8d-8c0d-dd76da1f02a5"/>
-    <ds:schemaRef ds:uri="http://www.w3.org/XML/1998/namespace"/>
-    <ds:schemaRef ds:uri="http://purl.org/dc/terms/"/>
-  </ds:schemaRefs>
-</ds:datastoreItem>
-</file>
-
 <file path=customXml/itemProps3.xml><?xml version="1.0" encoding="utf-8"?>
 <ds:datastoreItem xmlns:ds="http://schemas.openxmlformats.org/officeDocument/2006/customXml" ds:itemID="{7EE8C63A-4744-4DE4-BB49-0FF0B5375C60}">
   <ds:schemaRefs>

--- a/F5 team bemutató.pptx
+++ b/F5 team bemutató.pptx
@@ -4365,7 +4365,15 @@
           <a:p>
             <a:r>
               <a:rPr lang="hu-HU" dirty="0"/>
-              <a:t>Kiaknázzuk a partnerségek erejét a technológiai vezetőkből álló DXC ökoszisztémán keresztül . Az erősségeink és a szakértelem globális ötvözésével megoldásokat hozunk létre, és jobb eredményeket biztosítunk ügyfeleink számára a teljes IT-területükön.</a:t>
+              <a:t>Kiaknázzuk a partnerségek erejét a technológiai vezetőkből </a:t>
+            </a:r>
+            <a:r>
+              <a:rPr lang="hu-HU"/>
+              <a:t>álló ökoszisztémán </a:t>
+            </a:r>
+            <a:r>
+              <a:rPr lang="hu-HU" dirty="0"/>
+              <a:t>keresztül . Az erősségeink és a szakértelem globális ötvözésével megoldásokat hozunk létre, és jobb eredményeket biztosítunk ügyfeleink számára a teljes IT-területükön.</a:t>
             </a:r>
           </a:p>
           <a:p>
@@ -4487,12 +4495,12 @@
           <a:graphicData uri="http://schemas.openxmlformats.org/presentationml/2006/ole">
             <mc:AlternateContent xmlns:mc="http://schemas.openxmlformats.org/markup-compatibility/2006">
               <mc:Choice xmlns:v="urn:schemas-microsoft-com:vml" Requires="v">
-                <p:oleObj name="Document" r:id="rId3" imgW="5880988" imgH="8106644" progId="Word.Document.12">
+                <p:oleObj spid="_x0000_s1026" name="Document" r:id="rId4" imgW="5880988" imgH="8106644" progId="Word.Document.12">
                   <p:embed/>
                 </p:oleObj>
               </mc:Choice>
               <mc:Fallback>
-                <p:oleObj name="Document" r:id="rId3" imgW="5880988" imgH="8106644" progId="Word.Document.12">
+                <p:oleObj name="Document" r:id="rId4" imgW="5880988" imgH="8106644" progId="Word.Document.12">
                   <p:embed/>
                   <p:pic>
                     <p:nvPicPr>
@@ -4501,7 +4509,7 @@
                       <p:nvPr/>
                     </p:nvPicPr>
                     <p:blipFill>
-                      <a:blip r:embed="rId4"/>
+                      <a:blip r:embed="rId5"/>
                       <a:stretch>
                         <a:fillRect/>
                       </a:stretch>
@@ -4556,7 +4564,7 @@
             </a:r>
             <a:r>
               <a:rPr lang="hu-HU" dirty="0">
-                <a:hlinkClick r:id="rId5"/>
+                <a:hlinkClick r:id="rId6"/>
               </a:rPr>
               <a:t>https://trello.com/c/ADXocAfD</a:t>
             </a:r>
@@ -4582,7 +4590,7 @@
           <p:nvPr/>
         </p:nvPicPr>
         <p:blipFill>
-          <a:blip r:embed="rId6"/>
+          <a:blip r:embed="rId7"/>
           <a:stretch>
             <a:fillRect/>
           </a:stretch>
@@ -6154,12 +6162,12 @@
 </file>
 
 <file path=customXml/item1.xml><?xml version="1.0" encoding="utf-8"?>
-<p:properties xmlns:p="http://schemas.microsoft.com/office/2006/metadata/properties" xmlns:xsi="http://www.w3.org/2001/XMLSchema-instance" xmlns:pc="http://schemas.microsoft.com/office/infopath/2007/PartnerControls">
-  <documentManagement>
-    <Status xmlns="71af3243-3dd4-4a8d-8c0d-dd76da1f02a5">Not started</Status>
-    <MediaServiceKeyPoints xmlns="71af3243-3dd4-4a8d-8c0d-dd76da1f02a5" xsi:nil="true"/>
-  </documentManagement>
-</p:properties>
+<?mso-contentType ?>
+<FormTemplates xmlns="http://schemas.microsoft.com/sharepoint/v3/contenttype/forms">
+  <Display>DocumentLibraryForm</Display>
+  <Edit>DocumentLibraryForm</Edit>
+  <New>DocumentLibraryForm</New>
+</FormTemplates>
 </file>
 
 <file path=customXml/item2.xml><?xml version="1.0" encoding="utf-8"?>
@@ -6384,27 +6392,18 @@
 </file>
 
 <file path=customXml/item3.xml><?xml version="1.0" encoding="utf-8"?>
-<?mso-contentType ?>
-<FormTemplates xmlns="http://schemas.microsoft.com/sharepoint/v3/contenttype/forms">
-  <Display>DocumentLibraryForm</Display>
-  <Edit>DocumentLibraryForm</Edit>
-  <New>DocumentLibraryForm</New>
-</FormTemplates>
+<p:properties xmlns:p="http://schemas.microsoft.com/office/2006/metadata/properties" xmlns:xsi="http://www.w3.org/2001/XMLSchema-instance" xmlns:pc="http://schemas.microsoft.com/office/infopath/2007/PartnerControls">
+  <documentManagement>
+    <Status xmlns="71af3243-3dd4-4a8d-8c0d-dd76da1f02a5">Not started</Status>
+    <MediaServiceKeyPoints xmlns="71af3243-3dd4-4a8d-8c0d-dd76da1f02a5" xsi:nil="true"/>
+  </documentManagement>
+</p:properties>
 </file>
 
 <file path=customXml/itemProps1.xml><?xml version="1.0" encoding="utf-8"?>
-<ds:datastoreItem xmlns:ds="http://schemas.openxmlformats.org/officeDocument/2006/customXml" ds:itemID="{950072C5-DDE0-4258-BA7A-4D4B80DFA632}">
+<ds:datastoreItem xmlns:ds="http://schemas.openxmlformats.org/officeDocument/2006/customXml" ds:itemID="{7EE8C63A-4744-4DE4-BB49-0FF0B5375C60}">
   <ds:schemaRefs>
-    <ds:schemaRef ds:uri="http://schemas.microsoft.com/office/2006/documentManagement/types"/>
-    <ds:schemaRef ds:uri="http://schemas.openxmlformats.org/package/2006/metadata/core-properties"/>
-    <ds:schemaRef ds:uri="16c05727-aa75-4e4a-9b5f-8a80a1165891"/>
-    <ds:schemaRef ds:uri="http://purl.org/dc/dcmitype/"/>
-    <ds:schemaRef ds:uri="http://schemas.microsoft.com/office/infopath/2007/PartnerControls"/>
-    <ds:schemaRef ds:uri="http://purl.org/dc/elements/1.1/"/>
-    <ds:schemaRef ds:uri="http://schemas.microsoft.com/office/2006/metadata/properties"/>
-    <ds:schemaRef ds:uri="71af3243-3dd4-4a8d-8c0d-dd76da1f02a5"/>
-    <ds:schemaRef ds:uri="http://www.w3.org/XML/1998/namespace"/>
-    <ds:schemaRef ds:uri="http://purl.org/dc/terms/"/>
+    <ds:schemaRef ds:uri="http://schemas.microsoft.com/sharepoint/v3/contenttype/forms"/>
   </ds:schemaRefs>
 </ds:datastoreItem>
 </file>
@@ -6429,9 +6428,18 @@
 </file>
 
 <file path=customXml/itemProps3.xml><?xml version="1.0" encoding="utf-8"?>
-<ds:datastoreItem xmlns:ds="http://schemas.openxmlformats.org/officeDocument/2006/customXml" ds:itemID="{7EE8C63A-4744-4DE4-BB49-0FF0B5375C60}">
+<ds:datastoreItem xmlns:ds="http://schemas.openxmlformats.org/officeDocument/2006/customXml" ds:itemID="{950072C5-DDE0-4258-BA7A-4D4B80DFA632}">
   <ds:schemaRefs>
-    <ds:schemaRef ds:uri="http://schemas.microsoft.com/sharepoint/v3/contenttype/forms"/>
+    <ds:schemaRef ds:uri="http://schemas.microsoft.com/office/2006/documentManagement/types"/>
+    <ds:schemaRef ds:uri="http://schemas.openxmlformats.org/package/2006/metadata/core-properties"/>
+    <ds:schemaRef ds:uri="16c05727-aa75-4e4a-9b5f-8a80a1165891"/>
+    <ds:schemaRef ds:uri="http://purl.org/dc/dcmitype/"/>
+    <ds:schemaRef ds:uri="http://schemas.microsoft.com/office/infopath/2007/PartnerControls"/>
+    <ds:schemaRef ds:uri="http://purl.org/dc/elements/1.1/"/>
+    <ds:schemaRef ds:uri="http://schemas.microsoft.com/office/2006/metadata/properties"/>
+    <ds:schemaRef ds:uri="71af3243-3dd4-4a8d-8c0d-dd76da1f02a5"/>
+    <ds:schemaRef ds:uri="http://www.w3.org/XML/1998/namespace"/>
+    <ds:schemaRef ds:uri="http://purl.org/dc/terms/"/>
   </ds:schemaRefs>
 </ds:datastoreItem>
 </file>